--- a/data/Slide_project_1.pptx
+++ b/data/Slide_project_1.pptx
@@ -4,6 +4,9 @@
   <p:sldMasterIdLst>
     <p:sldMasterId id="2147483648" r:id="rId1"/>
   </p:sldMasterIdLst>
+  <p:notesMasterIdLst>
+    <p:notesMasterId r:id="rId15"/>
+  </p:notesMasterIdLst>
   <p:sldIdLst>
     <p:sldId id="270" r:id="rId2"/>
     <p:sldId id="256" r:id="rId3"/>
@@ -12,14 +15,12 @@
     <p:sldId id="259" r:id="rId6"/>
     <p:sldId id="260" r:id="rId7"/>
     <p:sldId id="261" r:id="rId8"/>
-    <p:sldId id="265" r:id="rId9"/>
-    <p:sldId id="266" r:id="rId10"/>
-    <p:sldId id="262" r:id="rId11"/>
-    <p:sldId id="263" r:id="rId12"/>
-    <p:sldId id="264" r:id="rId13"/>
-    <p:sldId id="267" r:id="rId14"/>
-    <p:sldId id="268" r:id="rId15"/>
-    <p:sldId id="269" r:id="rId16"/>
+    <p:sldId id="262" r:id="rId9"/>
+    <p:sldId id="263" r:id="rId10"/>
+    <p:sldId id="264" r:id="rId11"/>
+    <p:sldId id="267" r:id="rId12"/>
+    <p:sldId id="268" r:id="rId13"/>
+    <p:sldId id="269" r:id="rId14"/>
   </p:sldIdLst>
   <p:sldSz cx="12192000" cy="6858000"/>
   <p:notesSz cx="6858000" cy="9144000"/>
@@ -119,6 +120,31 @@
     </a:lvl9pPr>
   </p:defaultTextStyle>
   <p:extLst>
+    <p:ext uri="{521415D9-36F7-43E2-AB2F-B90AF26B5E84}">
+      <p14:sectionLst xmlns:p14="http://schemas.microsoft.com/office/powerpoint/2010/main">
+        <p14:section name="Default Section" id="{C210C4E1-EE01-482E-A37A-892DED89ACF5}">
+          <p14:sldIdLst>
+            <p14:sldId id="270"/>
+          </p14:sldIdLst>
+        </p14:section>
+        <p14:section name="Untitled Section" id="{751D9A84-1280-40EF-A9EC-836717B420F9}">
+          <p14:sldIdLst>
+            <p14:sldId id="256"/>
+            <p14:sldId id="257"/>
+            <p14:sldId id="258"/>
+            <p14:sldId id="259"/>
+            <p14:sldId id="260"/>
+            <p14:sldId id="261"/>
+            <p14:sldId id="262"/>
+            <p14:sldId id="263"/>
+            <p14:sldId id="264"/>
+            <p14:sldId id="267"/>
+            <p14:sldId id="268"/>
+            <p14:sldId id="269"/>
+          </p14:sldIdLst>
+        </p14:section>
+      </p14:sectionLst>
+    </p:ext>
     <p:ext uri="{EFAFB233-063F-42B5-8137-9DF3F51BA10A}">
       <p15:sldGuideLst xmlns:p15="http://schemas.microsoft.com/office/powerpoint/2012/main"/>
     </p:ext>
@@ -132,6 +158,439 @@
     <p1510:client id="{FF4D19C0-47E2-4D3E-A3F5-067C88B17332}" v="13" dt="2024-10-21T23:24:59.290"/>
   </p1510:revLst>
 </p1510:revInfo>
+</file>
+
+<file path=ppt/notesMasters/notesMaster1.xml><?xml version="1.0" encoding="utf-8"?>
+<p:notesMaster xmlns:a="http://schemas.openxmlformats.org/drawingml/2006/main" xmlns:r="http://schemas.openxmlformats.org/officeDocument/2006/relationships" xmlns:p="http://schemas.openxmlformats.org/presentationml/2006/main">
+  <p:cSld>
+    <p:bg>
+      <p:bgRef idx="1001">
+        <a:schemeClr val="bg1"/>
+      </p:bgRef>
+    </p:bg>
+    <p:spTree>
+      <p:nvGrpSpPr>
+        <p:cNvPr id="1" name=""/>
+        <p:cNvGrpSpPr/>
+        <p:nvPr/>
+      </p:nvGrpSpPr>
+      <p:grpSpPr>
+        <a:xfrm>
+          <a:off x="0" y="0"/>
+          <a:ext cx="0" cy="0"/>
+          <a:chOff x="0" y="0"/>
+          <a:chExt cx="0" cy="0"/>
+        </a:xfrm>
+      </p:grpSpPr>
+      <p:sp>
+        <p:nvSpPr>
+          <p:cNvPr id="2" name="Header Placeholder 1"/>
+          <p:cNvSpPr>
+            <a:spLocks noGrp="1"/>
+          </p:cNvSpPr>
+          <p:nvPr>
+            <p:ph type="hdr" sz="quarter"/>
+          </p:nvPr>
+        </p:nvSpPr>
+        <p:spPr>
+          <a:xfrm>
+            <a:off x="0" y="0"/>
+            <a:ext cx="2971800" cy="458788"/>
+          </a:xfrm>
+          <a:prstGeom prst="rect">
+            <a:avLst/>
+          </a:prstGeom>
+        </p:spPr>
+        <p:txBody>
+          <a:bodyPr vert="horz" lIns="91440" tIns="45720" rIns="91440" bIns="45720" rtlCol="0"/>
+          <a:lstStyle>
+            <a:lvl1pPr algn="l">
+              <a:defRPr sz="1200"/>
+            </a:lvl1pPr>
+          </a:lstStyle>
+          <a:p>
+            <a:endParaRPr lang="en-US"/>
+          </a:p>
+        </p:txBody>
+      </p:sp>
+      <p:sp>
+        <p:nvSpPr>
+          <p:cNvPr id="3" name="Date Placeholder 2"/>
+          <p:cNvSpPr>
+            <a:spLocks noGrp="1"/>
+          </p:cNvSpPr>
+          <p:nvPr>
+            <p:ph type="dt" idx="1"/>
+          </p:nvPr>
+        </p:nvSpPr>
+        <p:spPr>
+          <a:xfrm>
+            <a:off x="3884613" y="0"/>
+            <a:ext cx="2971800" cy="458788"/>
+          </a:xfrm>
+          <a:prstGeom prst="rect">
+            <a:avLst/>
+          </a:prstGeom>
+        </p:spPr>
+        <p:txBody>
+          <a:bodyPr vert="horz" lIns="91440" tIns="45720" rIns="91440" bIns="45720" rtlCol="0"/>
+          <a:lstStyle>
+            <a:lvl1pPr algn="r">
+              <a:defRPr sz="1200"/>
+            </a:lvl1pPr>
+          </a:lstStyle>
+          <a:p>
+            <a:fld id="{06860000-396C-41D3-8378-B41EF70AAAE2}" type="datetimeFigureOut">
+              <a:rPr lang="en-US" smtClean="0"/>
+              <a:t>10/21/2024</a:t>
+            </a:fld>
+            <a:endParaRPr lang="en-US"/>
+          </a:p>
+        </p:txBody>
+      </p:sp>
+      <p:sp>
+        <p:nvSpPr>
+          <p:cNvPr id="4" name="Slide Image Placeholder 3"/>
+          <p:cNvSpPr>
+            <a:spLocks noGrp="1" noRot="1" noChangeAspect="1"/>
+          </p:cNvSpPr>
+          <p:nvPr>
+            <p:ph type="sldImg" idx="2"/>
+          </p:nvPr>
+        </p:nvSpPr>
+        <p:spPr>
+          <a:xfrm>
+            <a:off x="685800" y="1143000"/>
+            <a:ext cx="5486400" cy="3086100"/>
+          </a:xfrm>
+          <a:prstGeom prst="rect">
+            <a:avLst/>
+          </a:prstGeom>
+          <a:noFill/>
+          <a:ln w="12700">
+            <a:solidFill>
+              <a:prstClr val="black"/>
+            </a:solidFill>
+          </a:ln>
+        </p:spPr>
+        <p:txBody>
+          <a:bodyPr vert="horz" lIns="91440" tIns="45720" rIns="91440" bIns="45720" rtlCol="0" anchor="ctr"/>
+          <a:lstStyle/>
+          <a:p>
+            <a:endParaRPr lang="en-US"/>
+          </a:p>
+        </p:txBody>
+      </p:sp>
+      <p:sp>
+        <p:nvSpPr>
+          <p:cNvPr id="5" name="Notes Placeholder 4"/>
+          <p:cNvSpPr>
+            <a:spLocks noGrp="1"/>
+          </p:cNvSpPr>
+          <p:nvPr>
+            <p:ph type="body" sz="quarter" idx="3"/>
+          </p:nvPr>
+        </p:nvSpPr>
+        <p:spPr>
+          <a:xfrm>
+            <a:off x="685800" y="4400550"/>
+            <a:ext cx="5486400" cy="3600450"/>
+          </a:xfrm>
+          <a:prstGeom prst="rect">
+            <a:avLst/>
+          </a:prstGeom>
+        </p:spPr>
+        <p:txBody>
+          <a:bodyPr vert="horz" lIns="91440" tIns="45720" rIns="91440" bIns="45720" rtlCol="0"/>
+          <a:lstStyle/>
+          <a:p>
+            <a:pPr lvl="0"/>
+            <a:r>
+              <a:rPr lang="en-US"/>
+              <a:t>Click to edit Master text styles</a:t>
+            </a:r>
+          </a:p>
+          <a:p>
+            <a:pPr lvl="1"/>
+            <a:r>
+              <a:rPr lang="en-US"/>
+              <a:t>Second level</a:t>
+            </a:r>
+          </a:p>
+          <a:p>
+            <a:pPr lvl="2"/>
+            <a:r>
+              <a:rPr lang="en-US"/>
+              <a:t>Third level</a:t>
+            </a:r>
+          </a:p>
+          <a:p>
+            <a:pPr lvl="3"/>
+            <a:r>
+              <a:rPr lang="en-US"/>
+              <a:t>Fourth level</a:t>
+            </a:r>
+          </a:p>
+          <a:p>
+            <a:pPr lvl="4"/>
+            <a:r>
+              <a:rPr lang="en-US"/>
+              <a:t>Fifth level</a:t>
+            </a:r>
+          </a:p>
+        </p:txBody>
+      </p:sp>
+      <p:sp>
+        <p:nvSpPr>
+          <p:cNvPr id="6" name="Footer Placeholder 5"/>
+          <p:cNvSpPr>
+            <a:spLocks noGrp="1"/>
+          </p:cNvSpPr>
+          <p:nvPr>
+            <p:ph type="ftr" sz="quarter" idx="4"/>
+          </p:nvPr>
+        </p:nvSpPr>
+        <p:spPr>
+          <a:xfrm>
+            <a:off x="0" y="8685213"/>
+            <a:ext cx="2971800" cy="458787"/>
+          </a:xfrm>
+          <a:prstGeom prst="rect">
+            <a:avLst/>
+          </a:prstGeom>
+        </p:spPr>
+        <p:txBody>
+          <a:bodyPr vert="horz" lIns="91440" tIns="45720" rIns="91440" bIns="45720" rtlCol="0" anchor="b"/>
+          <a:lstStyle>
+            <a:lvl1pPr algn="l">
+              <a:defRPr sz="1200"/>
+            </a:lvl1pPr>
+          </a:lstStyle>
+          <a:p>
+            <a:endParaRPr lang="en-US"/>
+          </a:p>
+        </p:txBody>
+      </p:sp>
+      <p:sp>
+        <p:nvSpPr>
+          <p:cNvPr id="7" name="Slide Number Placeholder 6"/>
+          <p:cNvSpPr>
+            <a:spLocks noGrp="1"/>
+          </p:cNvSpPr>
+          <p:nvPr>
+            <p:ph type="sldNum" sz="quarter" idx="5"/>
+          </p:nvPr>
+        </p:nvSpPr>
+        <p:spPr>
+          <a:xfrm>
+            <a:off x="3884613" y="8685213"/>
+            <a:ext cx="2971800" cy="458787"/>
+          </a:xfrm>
+          <a:prstGeom prst="rect">
+            <a:avLst/>
+          </a:prstGeom>
+        </p:spPr>
+        <p:txBody>
+          <a:bodyPr vert="horz" lIns="91440" tIns="45720" rIns="91440" bIns="45720" rtlCol="0" anchor="b"/>
+          <a:lstStyle>
+            <a:lvl1pPr algn="r">
+              <a:defRPr sz="1200"/>
+            </a:lvl1pPr>
+          </a:lstStyle>
+          <a:p>
+            <a:fld id="{2C59D1FD-5110-4946-AE7D-28B263BBFEF2}" type="slidenum">
+              <a:rPr lang="en-US" smtClean="0"/>
+              <a:t>‹#›</a:t>
+            </a:fld>
+            <a:endParaRPr lang="en-US"/>
+          </a:p>
+        </p:txBody>
+      </p:sp>
+    </p:spTree>
+    <p:extLst>
+      <p:ext uri="{BB962C8B-B14F-4D97-AF65-F5344CB8AC3E}">
+        <p14:creationId xmlns:p14="http://schemas.microsoft.com/office/powerpoint/2010/main" val="2158949098"/>
+      </p:ext>
+    </p:extLst>
+  </p:cSld>
+  <p:clrMap bg1="lt1" tx1="dk1" bg2="lt2" tx2="dk2" accent1="accent1" accent2="accent2" accent3="accent3" accent4="accent4" accent5="accent5" accent6="accent6" hlink="hlink" folHlink="folHlink"/>
+  <p:notesStyle>
+    <a:lvl1pPr marL="0" algn="l" defTabSz="914400" rtl="0" eaLnBrk="1" latinLnBrk="0" hangingPunct="1">
+      <a:defRPr sz="1200" kern="1200">
+        <a:solidFill>
+          <a:schemeClr val="tx1"/>
+        </a:solidFill>
+        <a:latin typeface="+mn-lt"/>
+        <a:ea typeface="+mn-ea"/>
+        <a:cs typeface="+mn-cs"/>
+      </a:defRPr>
+    </a:lvl1pPr>
+    <a:lvl2pPr marL="457200" algn="l" defTabSz="914400" rtl="0" eaLnBrk="1" latinLnBrk="0" hangingPunct="1">
+      <a:defRPr sz="1200" kern="1200">
+        <a:solidFill>
+          <a:schemeClr val="tx1"/>
+        </a:solidFill>
+        <a:latin typeface="+mn-lt"/>
+        <a:ea typeface="+mn-ea"/>
+        <a:cs typeface="+mn-cs"/>
+      </a:defRPr>
+    </a:lvl2pPr>
+    <a:lvl3pPr marL="914400" algn="l" defTabSz="914400" rtl="0" eaLnBrk="1" latinLnBrk="0" hangingPunct="1">
+      <a:defRPr sz="1200" kern="1200">
+        <a:solidFill>
+          <a:schemeClr val="tx1"/>
+        </a:solidFill>
+        <a:latin typeface="+mn-lt"/>
+        <a:ea typeface="+mn-ea"/>
+        <a:cs typeface="+mn-cs"/>
+      </a:defRPr>
+    </a:lvl3pPr>
+    <a:lvl4pPr marL="1371600" algn="l" defTabSz="914400" rtl="0" eaLnBrk="1" latinLnBrk="0" hangingPunct="1">
+      <a:defRPr sz="1200" kern="1200">
+        <a:solidFill>
+          <a:schemeClr val="tx1"/>
+        </a:solidFill>
+        <a:latin typeface="+mn-lt"/>
+        <a:ea typeface="+mn-ea"/>
+        <a:cs typeface="+mn-cs"/>
+      </a:defRPr>
+    </a:lvl4pPr>
+    <a:lvl5pPr marL="1828800" algn="l" defTabSz="914400" rtl="0" eaLnBrk="1" latinLnBrk="0" hangingPunct="1">
+      <a:defRPr sz="1200" kern="1200">
+        <a:solidFill>
+          <a:schemeClr val="tx1"/>
+        </a:solidFill>
+        <a:latin typeface="+mn-lt"/>
+        <a:ea typeface="+mn-ea"/>
+        <a:cs typeface="+mn-cs"/>
+      </a:defRPr>
+    </a:lvl5pPr>
+    <a:lvl6pPr marL="2286000" algn="l" defTabSz="914400" rtl="0" eaLnBrk="1" latinLnBrk="0" hangingPunct="1">
+      <a:defRPr sz="1200" kern="1200">
+        <a:solidFill>
+          <a:schemeClr val="tx1"/>
+        </a:solidFill>
+        <a:latin typeface="+mn-lt"/>
+        <a:ea typeface="+mn-ea"/>
+        <a:cs typeface="+mn-cs"/>
+      </a:defRPr>
+    </a:lvl6pPr>
+    <a:lvl7pPr marL="2743200" algn="l" defTabSz="914400" rtl="0" eaLnBrk="1" latinLnBrk="0" hangingPunct="1">
+      <a:defRPr sz="1200" kern="1200">
+        <a:solidFill>
+          <a:schemeClr val="tx1"/>
+        </a:solidFill>
+        <a:latin typeface="+mn-lt"/>
+        <a:ea typeface="+mn-ea"/>
+        <a:cs typeface="+mn-cs"/>
+      </a:defRPr>
+    </a:lvl7pPr>
+    <a:lvl8pPr marL="3200400" algn="l" defTabSz="914400" rtl="0" eaLnBrk="1" latinLnBrk="0" hangingPunct="1">
+      <a:defRPr sz="1200" kern="1200">
+        <a:solidFill>
+          <a:schemeClr val="tx1"/>
+        </a:solidFill>
+        <a:latin typeface="+mn-lt"/>
+        <a:ea typeface="+mn-ea"/>
+        <a:cs typeface="+mn-cs"/>
+      </a:defRPr>
+    </a:lvl8pPr>
+    <a:lvl9pPr marL="3657600" algn="l" defTabSz="914400" rtl="0" eaLnBrk="1" latinLnBrk="0" hangingPunct="1">
+      <a:defRPr sz="1200" kern="1200">
+        <a:solidFill>
+          <a:schemeClr val="tx1"/>
+        </a:solidFill>
+        <a:latin typeface="+mn-lt"/>
+        <a:ea typeface="+mn-ea"/>
+        <a:cs typeface="+mn-cs"/>
+      </a:defRPr>
+    </a:lvl9pPr>
+  </p:notesStyle>
+</p:notesMaster>
+</file>
+
+<file path=ppt/notesSlides/notesSlide1.xml><?xml version="1.0" encoding="utf-8"?>
+<p:notes xmlns:a="http://schemas.openxmlformats.org/drawingml/2006/main" xmlns:r="http://schemas.openxmlformats.org/officeDocument/2006/relationships" xmlns:p="http://schemas.openxmlformats.org/presentationml/2006/main">
+  <p:cSld>
+    <p:spTree>
+      <p:nvGrpSpPr>
+        <p:cNvPr id="1" name=""/>
+        <p:cNvGrpSpPr/>
+        <p:nvPr/>
+      </p:nvGrpSpPr>
+      <p:grpSpPr>
+        <a:xfrm>
+          <a:off x="0" y="0"/>
+          <a:ext cx="0" cy="0"/>
+          <a:chOff x="0" y="0"/>
+          <a:chExt cx="0" cy="0"/>
+        </a:xfrm>
+      </p:grpSpPr>
+      <p:sp>
+        <p:nvSpPr>
+          <p:cNvPr id="2" name="Slide Image Placeholder 1"/>
+          <p:cNvSpPr>
+            <a:spLocks noGrp="1" noRot="1" noChangeAspect="1"/>
+          </p:cNvSpPr>
+          <p:nvPr>
+            <p:ph type="sldImg"/>
+          </p:nvPr>
+        </p:nvSpPr>
+        <p:spPr/>
+      </p:sp>
+      <p:sp>
+        <p:nvSpPr>
+          <p:cNvPr id="3" name="Notes Placeholder 2"/>
+          <p:cNvSpPr>
+            <a:spLocks noGrp="1"/>
+          </p:cNvSpPr>
+          <p:nvPr>
+            <p:ph type="body" idx="1"/>
+          </p:nvPr>
+        </p:nvSpPr>
+        <p:spPr/>
+        <p:txBody>
+          <a:bodyPr/>
+          <a:lstStyle/>
+          <a:p>
+            <a:endParaRPr lang="en-US" dirty="0"/>
+          </a:p>
+        </p:txBody>
+      </p:sp>
+      <p:sp>
+        <p:nvSpPr>
+          <p:cNvPr id="4" name="Slide Number Placeholder 3"/>
+          <p:cNvSpPr>
+            <a:spLocks noGrp="1"/>
+          </p:cNvSpPr>
+          <p:nvPr>
+            <p:ph type="sldNum" sz="quarter" idx="5"/>
+          </p:nvPr>
+        </p:nvSpPr>
+        <p:spPr/>
+        <p:txBody>
+          <a:bodyPr/>
+          <a:lstStyle/>
+          <a:p>
+            <a:fld id="{2C59D1FD-5110-4946-AE7D-28B263BBFEF2}" type="slidenum">
+              <a:rPr lang="en-US" smtClean="0"/>
+              <a:t>4</a:t>
+            </a:fld>
+            <a:endParaRPr lang="en-US"/>
+          </a:p>
+        </p:txBody>
+      </p:sp>
+    </p:spTree>
+    <p:extLst>
+      <p:ext uri="{BB962C8B-B14F-4D97-AF65-F5344CB8AC3E}">
+        <p14:creationId xmlns:p14="http://schemas.microsoft.com/office/powerpoint/2010/main" val="733700481"/>
+      </p:ext>
+    </p:extLst>
+  </p:cSld>
+  <p:clrMapOvr>
+    <a:masterClrMapping/>
+  </p:clrMapOvr>
+</p:notes>
 </file>
 
 <file path=ppt/slideLayouts/slideLayout1.xml><?xml version="1.0" encoding="utf-8"?>
@@ -3383,7 +3842,7 @@
           <p:cNvPr id="3" name="Picture 2">
             <a:extLst>
               <a:ext uri="{FF2B5EF4-FFF2-40B4-BE49-F238E27FC236}">
-                <a16:creationId xmlns:a16="http://schemas.microsoft.com/office/drawing/2014/main" id="{5DEB660C-6B24-C68D-C19A-38FA0EA93C9E}"/>
+                <a16:creationId xmlns:a16="http://schemas.microsoft.com/office/drawing/2014/main" id="{A4E5D9CE-EC69-508B-9F46-88279E7C8EDD}"/>
               </a:ext>
             </a:extLst>
           </p:cNvPr>
@@ -3400,8 +3859,8 @@
         </p:blipFill>
         <p:spPr>
           <a:xfrm>
-            <a:off x="502435" y="1748644"/>
-            <a:ext cx="11187129" cy="3360711"/>
+            <a:off x="359182" y="1462133"/>
+            <a:ext cx="11126164" cy="3330229"/>
           </a:xfrm>
           <a:prstGeom prst="rect">
             <a:avLst/>
@@ -3413,7 +3872,7 @@
           <p:cNvPr id="5" name="TextBox 4">
             <a:extLst>
               <a:ext uri="{FF2B5EF4-FFF2-40B4-BE49-F238E27FC236}">
-                <a16:creationId xmlns:a16="http://schemas.microsoft.com/office/drawing/2014/main" id="{EBB5474D-EF7A-0E47-8F49-663E2F3F247E}"/>
+                <a16:creationId xmlns:a16="http://schemas.microsoft.com/office/drawing/2014/main" id="{E55D41D6-9E5F-FD44-6280-414E15F5F537}"/>
               </a:ext>
             </a:extLst>
           </p:cNvPr>
@@ -3422,8 +3881,8 @@
         </p:nvSpPr>
         <p:spPr>
           <a:xfrm>
-            <a:off x="3257550" y="583430"/>
-            <a:ext cx="6094476" cy="369332"/>
+            <a:off x="2672334" y="903470"/>
+            <a:ext cx="4048506" cy="369332"/>
           </a:xfrm>
           <a:prstGeom prst="rect">
             <a:avLst/>
@@ -3438,7 +3897,7 @@
           <a:p>
             <a:r>
               <a:rPr lang="en-US" dirty="0"/>
-              <a:t>data/Stocks Index Daily Price Change.png</a:t>
+              <a:t>data/Stocks Index Volume Change.png</a:t>
             </a:r>
           </a:p>
         </p:txBody>
@@ -3448,7 +3907,7 @@
           <p:cNvPr id="6" name="Subtitle 2">
             <a:extLst>
               <a:ext uri="{FF2B5EF4-FFF2-40B4-BE49-F238E27FC236}">
-                <a16:creationId xmlns:a16="http://schemas.microsoft.com/office/drawing/2014/main" id="{F19E865C-4F90-7BA8-C4C8-047AB6540737}"/>
+                <a16:creationId xmlns:a16="http://schemas.microsoft.com/office/drawing/2014/main" id="{01CB3FE2-CDDD-B7DF-C054-41E684A4D96D}"/>
               </a:ext>
             </a:extLst>
           </p:cNvPr>
@@ -3648,7 +4107,7 @@
     </p:spTree>
     <p:extLst>
       <p:ext uri="{BB962C8B-B14F-4D97-AF65-F5344CB8AC3E}">
-        <p14:creationId xmlns:p14="http://schemas.microsoft.com/office/powerpoint/2010/main" val="2951946761"/>
+        <p14:creationId xmlns:p14="http://schemas.microsoft.com/office/powerpoint/2010/main" val="2392416337"/>
       </p:ext>
     </p:extLst>
   </p:cSld>
@@ -3680,7 +4139,7 @@
           <p:cNvPr id="3" name="Picture 2">
             <a:extLst>
               <a:ext uri="{FF2B5EF4-FFF2-40B4-BE49-F238E27FC236}">
-                <a16:creationId xmlns:a16="http://schemas.microsoft.com/office/drawing/2014/main" id="{2A8E2515-FAC1-344D-592C-80C2A6610B5F}"/>
+                <a16:creationId xmlns:a16="http://schemas.microsoft.com/office/drawing/2014/main" id="{D1C5F7FA-CB9D-1C77-5D99-261A7C2AF6F1}"/>
               </a:ext>
             </a:extLst>
           </p:cNvPr>
@@ -3697,8 +4156,8 @@
         </p:blipFill>
         <p:spPr>
           <a:xfrm>
-            <a:off x="502435" y="1615283"/>
-            <a:ext cx="11187129" cy="3627434"/>
+            <a:off x="756952" y="1820269"/>
+            <a:ext cx="10988992" cy="3436918"/>
           </a:xfrm>
           <a:prstGeom prst="rect">
             <a:avLst/>
@@ -3710,7 +4169,7 @@
           <p:cNvPr id="5" name="TextBox 4">
             <a:extLst>
               <a:ext uri="{FF2B5EF4-FFF2-40B4-BE49-F238E27FC236}">
-                <a16:creationId xmlns:a16="http://schemas.microsoft.com/office/drawing/2014/main" id="{96936E20-770B-1922-E91F-509F187A37E8}"/>
+                <a16:creationId xmlns:a16="http://schemas.microsoft.com/office/drawing/2014/main" id="{4314CB06-667A-322C-9B86-24783913C43A}"/>
               </a:ext>
             </a:extLst>
           </p:cNvPr>
@@ -3719,8 +4178,8 @@
         </p:nvSpPr>
         <p:spPr>
           <a:xfrm>
-            <a:off x="2919222" y="546854"/>
-            <a:ext cx="3838194" cy="369332"/>
+            <a:off x="2809494" y="830318"/>
+            <a:ext cx="6094476" cy="369332"/>
           </a:xfrm>
           <a:prstGeom prst="rect">
             <a:avLst/>
@@ -3735,7 +4194,7 @@
           <a:p>
             <a:r>
               <a:rPr lang="en-US" dirty="0"/>
-              <a:t>data/Stocks Index Price Change.png</a:t>
+              <a:t>data/Custom D.png </a:t>
             </a:r>
           </a:p>
         </p:txBody>
@@ -3745,7 +4204,7 @@
           <p:cNvPr id="6" name="Subtitle 2">
             <a:extLst>
               <a:ext uri="{FF2B5EF4-FFF2-40B4-BE49-F238E27FC236}">
-                <a16:creationId xmlns:a16="http://schemas.microsoft.com/office/drawing/2014/main" id="{70B72517-9CBF-E46B-0267-8AB4A608A213}"/>
+                <a16:creationId xmlns:a16="http://schemas.microsoft.com/office/drawing/2014/main" id="{6EBC6D0C-00F0-4A7B-B509-D0ECF1806456}"/>
               </a:ext>
             </a:extLst>
           </p:cNvPr>
@@ -3756,7 +4215,7 @@
         </p:nvSpPr>
         <p:spPr>
           <a:xfrm>
-            <a:off x="3749040" y="5212080"/>
+            <a:off x="3602736" y="5594342"/>
             <a:ext cx="3739896" cy="283464"/>
           </a:xfrm>
           <a:prstGeom prst="rect">
@@ -3945,7 +4404,7 @@
     </p:spTree>
     <p:extLst>
       <p:ext uri="{BB962C8B-B14F-4D97-AF65-F5344CB8AC3E}">
-        <p14:creationId xmlns:p14="http://schemas.microsoft.com/office/powerpoint/2010/main" val="3486262287"/>
+        <p14:creationId xmlns:p14="http://schemas.microsoft.com/office/powerpoint/2010/main" val="34757759"/>
       </p:ext>
     </p:extLst>
   </p:cSld>
@@ -3977,600 +4436,6 @@
           <p:cNvPr id="3" name="Picture 2">
             <a:extLst>
               <a:ext uri="{FF2B5EF4-FFF2-40B4-BE49-F238E27FC236}">
-                <a16:creationId xmlns:a16="http://schemas.microsoft.com/office/drawing/2014/main" id="{A4E5D9CE-EC69-508B-9F46-88279E7C8EDD}"/>
-              </a:ext>
-            </a:extLst>
-          </p:cNvPr>
-          <p:cNvPicPr>
-            <a:picLocks noChangeAspect="1"/>
-          </p:cNvPicPr>
-          <p:nvPr/>
-        </p:nvPicPr>
-        <p:blipFill>
-          <a:blip r:embed="rId2"/>
-          <a:stretch>
-            <a:fillRect/>
-          </a:stretch>
-        </p:blipFill>
-        <p:spPr>
-          <a:xfrm>
-            <a:off x="359182" y="1462133"/>
-            <a:ext cx="11126164" cy="3330229"/>
-          </a:xfrm>
-          <a:prstGeom prst="rect">
-            <a:avLst/>
-          </a:prstGeom>
-        </p:spPr>
-      </p:pic>
-      <p:sp>
-        <p:nvSpPr>
-          <p:cNvPr id="5" name="TextBox 4">
-            <a:extLst>
-              <a:ext uri="{FF2B5EF4-FFF2-40B4-BE49-F238E27FC236}">
-                <a16:creationId xmlns:a16="http://schemas.microsoft.com/office/drawing/2014/main" id="{E55D41D6-9E5F-FD44-6280-414E15F5F537}"/>
-              </a:ext>
-            </a:extLst>
-          </p:cNvPr>
-          <p:cNvSpPr txBox="1"/>
-          <p:nvPr/>
-        </p:nvSpPr>
-        <p:spPr>
-          <a:xfrm>
-            <a:off x="2672334" y="903470"/>
-            <a:ext cx="4048506" cy="369332"/>
-          </a:xfrm>
-          <a:prstGeom prst="rect">
-            <a:avLst/>
-          </a:prstGeom>
-          <a:noFill/>
-        </p:spPr>
-        <p:txBody>
-          <a:bodyPr wrap="square">
-            <a:spAutoFit/>
-          </a:bodyPr>
-          <a:lstStyle/>
-          <a:p>
-            <a:r>
-              <a:rPr lang="en-US" dirty="0"/>
-              <a:t>data/Stocks Index Volume Change.png</a:t>
-            </a:r>
-          </a:p>
-        </p:txBody>
-      </p:sp>
-      <p:sp>
-        <p:nvSpPr>
-          <p:cNvPr id="6" name="Subtitle 2">
-            <a:extLst>
-              <a:ext uri="{FF2B5EF4-FFF2-40B4-BE49-F238E27FC236}">
-                <a16:creationId xmlns:a16="http://schemas.microsoft.com/office/drawing/2014/main" id="{01CB3FE2-CDDD-B7DF-C054-41E684A4D96D}"/>
-              </a:ext>
-            </a:extLst>
-          </p:cNvPr>
-          <p:cNvSpPr txBox="1">
-            <a:spLocks/>
-          </p:cNvSpPr>
-          <p:nvPr/>
-        </p:nvSpPr>
-        <p:spPr>
-          <a:xfrm>
-            <a:off x="3749040" y="5212080"/>
-            <a:ext cx="3739896" cy="283464"/>
-          </a:xfrm>
-          <a:prstGeom prst="rect">
-            <a:avLst/>
-          </a:prstGeom>
-        </p:spPr>
-        <p:txBody>
-          <a:bodyPr>
-            <a:normAutofit fontScale="55000" lnSpcReduction="20000"/>
-          </a:bodyPr>
-          <a:lstStyle>
-            <a:lvl1pPr marL="228600" indent="-228600" algn="l" defTabSz="914400" rtl="0" eaLnBrk="1" latinLnBrk="0" hangingPunct="1">
-              <a:lnSpc>
-                <a:spcPct val="90000"/>
-              </a:lnSpc>
-              <a:spcBef>
-                <a:spcPts val="1000"/>
-              </a:spcBef>
-              <a:buFont typeface="Arial" panose="020B0604020202020204" pitchFamily="34" charset="0"/>
-              <a:buChar char="•"/>
-              <a:defRPr sz="2800" kern="1200">
-                <a:solidFill>
-                  <a:schemeClr val="tx1"/>
-                </a:solidFill>
-                <a:latin typeface="+mn-lt"/>
-                <a:ea typeface="+mn-ea"/>
-                <a:cs typeface="+mn-cs"/>
-              </a:defRPr>
-            </a:lvl1pPr>
-            <a:lvl2pPr marL="685800" indent="-228600" algn="l" defTabSz="914400" rtl="0" eaLnBrk="1" latinLnBrk="0" hangingPunct="1">
-              <a:lnSpc>
-                <a:spcPct val="90000"/>
-              </a:lnSpc>
-              <a:spcBef>
-                <a:spcPts val="500"/>
-              </a:spcBef>
-              <a:buFont typeface="Arial" panose="020B0604020202020204" pitchFamily="34" charset="0"/>
-              <a:buChar char="•"/>
-              <a:defRPr sz="2400" kern="1200">
-                <a:solidFill>
-                  <a:schemeClr val="tx1"/>
-                </a:solidFill>
-                <a:latin typeface="+mn-lt"/>
-                <a:ea typeface="+mn-ea"/>
-                <a:cs typeface="+mn-cs"/>
-              </a:defRPr>
-            </a:lvl2pPr>
-            <a:lvl3pPr marL="1143000" indent="-228600" algn="l" defTabSz="914400" rtl="0" eaLnBrk="1" latinLnBrk="0" hangingPunct="1">
-              <a:lnSpc>
-                <a:spcPct val="90000"/>
-              </a:lnSpc>
-              <a:spcBef>
-                <a:spcPts val="500"/>
-              </a:spcBef>
-              <a:buFont typeface="Arial" panose="020B0604020202020204" pitchFamily="34" charset="0"/>
-              <a:buChar char="•"/>
-              <a:defRPr sz="2000" kern="1200">
-                <a:solidFill>
-                  <a:schemeClr val="tx1"/>
-                </a:solidFill>
-                <a:latin typeface="+mn-lt"/>
-                <a:ea typeface="+mn-ea"/>
-                <a:cs typeface="+mn-cs"/>
-              </a:defRPr>
-            </a:lvl3pPr>
-            <a:lvl4pPr marL="1600200" indent="-228600" algn="l" defTabSz="914400" rtl="0" eaLnBrk="1" latinLnBrk="0" hangingPunct="1">
-              <a:lnSpc>
-                <a:spcPct val="90000"/>
-              </a:lnSpc>
-              <a:spcBef>
-                <a:spcPts val="500"/>
-              </a:spcBef>
-              <a:buFont typeface="Arial" panose="020B0604020202020204" pitchFamily="34" charset="0"/>
-              <a:buChar char="•"/>
-              <a:defRPr sz="1800" kern="1200">
-                <a:solidFill>
-                  <a:schemeClr val="tx1"/>
-                </a:solidFill>
-                <a:latin typeface="+mn-lt"/>
-                <a:ea typeface="+mn-ea"/>
-                <a:cs typeface="+mn-cs"/>
-              </a:defRPr>
-            </a:lvl4pPr>
-            <a:lvl5pPr marL="2057400" indent="-228600" algn="l" defTabSz="914400" rtl="0" eaLnBrk="1" latinLnBrk="0" hangingPunct="1">
-              <a:lnSpc>
-                <a:spcPct val="90000"/>
-              </a:lnSpc>
-              <a:spcBef>
-                <a:spcPts val="500"/>
-              </a:spcBef>
-              <a:buFont typeface="Arial" panose="020B0604020202020204" pitchFamily="34" charset="0"/>
-              <a:buChar char="•"/>
-              <a:defRPr sz="1800" kern="1200">
-                <a:solidFill>
-                  <a:schemeClr val="tx1"/>
-                </a:solidFill>
-                <a:latin typeface="+mn-lt"/>
-                <a:ea typeface="+mn-ea"/>
-                <a:cs typeface="+mn-cs"/>
-              </a:defRPr>
-            </a:lvl5pPr>
-            <a:lvl6pPr marL="2514600" indent="-228600" algn="l" defTabSz="914400" rtl="0" eaLnBrk="1" latinLnBrk="0" hangingPunct="1">
-              <a:lnSpc>
-                <a:spcPct val="90000"/>
-              </a:lnSpc>
-              <a:spcBef>
-                <a:spcPts val="500"/>
-              </a:spcBef>
-              <a:buFont typeface="Arial" panose="020B0604020202020204" pitchFamily="34" charset="0"/>
-              <a:buChar char="•"/>
-              <a:defRPr sz="1800" kern="1200">
-                <a:solidFill>
-                  <a:schemeClr val="tx1"/>
-                </a:solidFill>
-                <a:latin typeface="+mn-lt"/>
-                <a:ea typeface="+mn-ea"/>
-                <a:cs typeface="+mn-cs"/>
-              </a:defRPr>
-            </a:lvl6pPr>
-            <a:lvl7pPr marL="2971800" indent="-228600" algn="l" defTabSz="914400" rtl="0" eaLnBrk="1" latinLnBrk="0" hangingPunct="1">
-              <a:lnSpc>
-                <a:spcPct val="90000"/>
-              </a:lnSpc>
-              <a:spcBef>
-                <a:spcPts val="500"/>
-              </a:spcBef>
-              <a:buFont typeface="Arial" panose="020B0604020202020204" pitchFamily="34" charset="0"/>
-              <a:buChar char="•"/>
-              <a:defRPr sz="1800" kern="1200">
-                <a:solidFill>
-                  <a:schemeClr val="tx1"/>
-                </a:solidFill>
-                <a:latin typeface="+mn-lt"/>
-                <a:ea typeface="+mn-ea"/>
-                <a:cs typeface="+mn-cs"/>
-              </a:defRPr>
-            </a:lvl7pPr>
-            <a:lvl8pPr marL="3429000" indent="-228600" algn="l" defTabSz="914400" rtl="0" eaLnBrk="1" latinLnBrk="0" hangingPunct="1">
-              <a:lnSpc>
-                <a:spcPct val="90000"/>
-              </a:lnSpc>
-              <a:spcBef>
-                <a:spcPts val="500"/>
-              </a:spcBef>
-              <a:buFont typeface="Arial" panose="020B0604020202020204" pitchFamily="34" charset="0"/>
-              <a:buChar char="•"/>
-              <a:defRPr sz="1800" kern="1200">
-                <a:solidFill>
-                  <a:schemeClr val="tx1"/>
-                </a:solidFill>
-                <a:latin typeface="+mn-lt"/>
-                <a:ea typeface="+mn-ea"/>
-                <a:cs typeface="+mn-cs"/>
-              </a:defRPr>
-            </a:lvl8pPr>
-            <a:lvl9pPr marL="3886200" indent="-228600" algn="l" defTabSz="914400" rtl="0" eaLnBrk="1" latinLnBrk="0" hangingPunct="1">
-              <a:lnSpc>
-                <a:spcPct val="90000"/>
-              </a:lnSpc>
-              <a:spcBef>
-                <a:spcPts val="500"/>
-              </a:spcBef>
-              <a:buFont typeface="Arial" panose="020B0604020202020204" pitchFamily="34" charset="0"/>
-              <a:buChar char="•"/>
-              <a:defRPr sz="1800" kern="1200">
-                <a:solidFill>
-                  <a:schemeClr val="tx1"/>
-                </a:solidFill>
-                <a:latin typeface="+mn-lt"/>
-                <a:ea typeface="+mn-ea"/>
-                <a:cs typeface="+mn-cs"/>
-              </a:defRPr>
-            </a:lvl9pPr>
-          </a:lstStyle>
-          <a:p>
-            <a:pPr marL="0" indent="0">
-              <a:buNone/>
-            </a:pPr>
-            <a:r>
-              <a:rPr lang="en-US" dirty="0"/>
-              <a:t>Caleb</a:t>
-            </a:r>
-          </a:p>
-        </p:txBody>
-      </p:sp>
-    </p:spTree>
-    <p:extLst>
-      <p:ext uri="{BB962C8B-B14F-4D97-AF65-F5344CB8AC3E}">
-        <p14:creationId xmlns:p14="http://schemas.microsoft.com/office/powerpoint/2010/main" val="2392416337"/>
-      </p:ext>
-    </p:extLst>
-  </p:cSld>
-  <p:clrMapOvr>
-    <a:masterClrMapping/>
-  </p:clrMapOvr>
-</p:sld>
-</file>
-
-<file path=ppt/slides/slide13.xml><?xml version="1.0" encoding="utf-8"?>
-<p:sld xmlns:a="http://schemas.openxmlformats.org/drawingml/2006/main" xmlns:r="http://schemas.openxmlformats.org/officeDocument/2006/relationships" xmlns:p="http://schemas.openxmlformats.org/presentationml/2006/main">
-  <p:cSld>
-    <p:spTree>
-      <p:nvGrpSpPr>
-        <p:cNvPr id="1" name=""/>
-        <p:cNvGrpSpPr/>
-        <p:nvPr/>
-      </p:nvGrpSpPr>
-      <p:grpSpPr>
-        <a:xfrm>
-          <a:off x="0" y="0"/>
-          <a:ext cx="0" cy="0"/>
-          <a:chOff x="0" y="0"/>
-          <a:chExt cx="0" cy="0"/>
-        </a:xfrm>
-      </p:grpSpPr>
-      <p:pic>
-        <p:nvPicPr>
-          <p:cNvPr id="3" name="Picture 2">
-            <a:extLst>
-              <a:ext uri="{FF2B5EF4-FFF2-40B4-BE49-F238E27FC236}">
-                <a16:creationId xmlns:a16="http://schemas.microsoft.com/office/drawing/2014/main" id="{D1C5F7FA-CB9D-1C77-5D99-261A7C2AF6F1}"/>
-              </a:ext>
-            </a:extLst>
-          </p:cNvPr>
-          <p:cNvPicPr>
-            <a:picLocks noChangeAspect="1"/>
-          </p:cNvPicPr>
-          <p:nvPr/>
-        </p:nvPicPr>
-        <p:blipFill>
-          <a:blip r:embed="rId2"/>
-          <a:stretch>
-            <a:fillRect/>
-          </a:stretch>
-        </p:blipFill>
-        <p:spPr>
-          <a:xfrm>
-            <a:off x="756952" y="1820269"/>
-            <a:ext cx="10988992" cy="3436918"/>
-          </a:xfrm>
-          <a:prstGeom prst="rect">
-            <a:avLst/>
-          </a:prstGeom>
-        </p:spPr>
-      </p:pic>
-      <p:sp>
-        <p:nvSpPr>
-          <p:cNvPr id="5" name="TextBox 4">
-            <a:extLst>
-              <a:ext uri="{FF2B5EF4-FFF2-40B4-BE49-F238E27FC236}">
-                <a16:creationId xmlns:a16="http://schemas.microsoft.com/office/drawing/2014/main" id="{4314CB06-667A-322C-9B86-24783913C43A}"/>
-              </a:ext>
-            </a:extLst>
-          </p:cNvPr>
-          <p:cNvSpPr txBox="1"/>
-          <p:nvPr/>
-        </p:nvSpPr>
-        <p:spPr>
-          <a:xfrm>
-            <a:off x="2809494" y="830318"/>
-            <a:ext cx="6094476" cy="369332"/>
-          </a:xfrm>
-          <a:prstGeom prst="rect">
-            <a:avLst/>
-          </a:prstGeom>
-          <a:noFill/>
-        </p:spPr>
-        <p:txBody>
-          <a:bodyPr wrap="square">
-            <a:spAutoFit/>
-          </a:bodyPr>
-          <a:lstStyle/>
-          <a:p>
-            <a:r>
-              <a:rPr lang="en-US" dirty="0"/>
-              <a:t>data/Custom D.png </a:t>
-            </a:r>
-          </a:p>
-        </p:txBody>
-      </p:sp>
-      <p:sp>
-        <p:nvSpPr>
-          <p:cNvPr id="6" name="Subtitle 2">
-            <a:extLst>
-              <a:ext uri="{FF2B5EF4-FFF2-40B4-BE49-F238E27FC236}">
-                <a16:creationId xmlns:a16="http://schemas.microsoft.com/office/drawing/2014/main" id="{6EBC6D0C-00F0-4A7B-B509-D0ECF1806456}"/>
-              </a:ext>
-            </a:extLst>
-          </p:cNvPr>
-          <p:cNvSpPr txBox="1">
-            <a:spLocks/>
-          </p:cNvSpPr>
-          <p:nvPr/>
-        </p:nvSpPr>
-        <p:spPr>
-          <a:xfrm>
-            <a:off x="3602736" y="5594342"/>
-            <a:ext cx="3739896" cy="283464"/>
-          </a:xfrm>
-          <a:prstGeom prst="rect">
-            <a:avLst/>
-          </a:prstGeom>
-        </p:spPr>
-        <p:txBody>
-          <a:bodyPr>
-            <a:normAutofit fontScale="55000" lnSpcReduction="20000"/>
-          </a:bodyPr>
-          <a:lstStyle>
-            <a:lvl1pPr marL="228600" indent="-228600" algn="l" defTabSz="914400" rtl="0" eaLnBrk="1" latinLnBrk="0" hangingPunct="1">
-              <a:lnSpc>
-                <a:spcPct val="90000"/>
-              </a:lnSpc>
-              <a:spcBef>
-                <a:spcPts val="1000"/>
-              </a:spcBef>
-              <a:buFont typeface="Arial" panose="020B0604020202020204" pitchFamily="34" charset="0"/>
-              <a:buChar char="•"/>
-              <a:defRPr sz="2800" kern="1200">
-                <a:solidFill>
-                  <a:schemeClr val="tx1"/>
-                </a:solidFill>
-                <a:latin typeface="+mn-lt"/>
-                <a:ea typeface="+mn-ea"/>
-                <a:cs typeface="+mn-cs"/>
-              </a:defRPr>
-            </a:lvl1pPr>
-            <a:lvl2pPr marL="685800" indent="-228600" algn="l" defTabSz="914400" rtl="0" eaLnBrk="1" latinLnBrk="0" hangingPunct="1">
-              <a:lnSpc>
-                <a:spcPct val="90000"/>
-              </a:lnSpc>
-              <a:spcBef>
-                <a:spcPts val="500"/>
-              </a:spcBef>
-              <a:buFont typeface="Arial" panose="020B0604020202020204" pitchFamily="34" charset="0"/>
-              <a:buChar char="•"/>
-              <a:defRPr sz="2400" kern="1200">
-                <a:solidFill>
-                  <a:schemeClr val="tx1"/>
-                </a:solidFill>
-                <a:latin typeface="+mn-lt"/>
-                <a:ea typeface="+mn-ea"/>
-                <a:cs typeface="+mn-cs"/>
-              </a:defRPr>
-            </a:lvl2pPr>
-            <a:lvl3pPr marL="1143000" indent="-228600" algn="l" defTabSz="914400" rtl="0" eaLnBrk="1" latinLnBrk="0" hangingPunct="1">
-              <a:lnSpc>
-                <a:spcPct val="90000"/>
-              </a:lnSpc>
-              <a:spcBef>
-                <a:spcPts val="500"/>
-              </a:spcBef>
-              <a:buFont typeface="Arial" panose="020B0604020202020204" pitchFamily="34" charset="0"/>
-              <a:buChar char="•"/>
-              <a:defRPr sz="2000" kern="1200">
-                <a:solidFill>
-                  <a:schemeClr val="tx1"/>
-                </a:solidFill>
-                <a:latin typeface="+mn-lt"/>
-                <a:ea typeface="+mn-ea"/>
-                <a:cs typeface="+mn-cs"/>
-              </a:defRPr>
-            </a:lvl3pPr>
-            <a:lvl4pPr marL="1600200" indent="-228600" algn="l" defTabSz="914400" rtl="0" eaLnBrk="1" latinLnBrk="0" hangingPunct="1">
-              <a:lnSpc>
-                <a:spcPct val="90000"/>
-              </a:lnSpc>
-              <a:spcBef>
-                <a:spcPts val="500"/>
-              </a:spcBef>
-              <a:buFont typeface="Arial" panose="020B0604020202020204" pitchFamily="34" charset="0"/>
-              <a:buChar char="•"/>
-              <a:defRPr sz="1800" kern="1200">
-                <a:solidFill>
-                  <a:schemeClr val="tx1"/>
-                </a:solidFill>
-                <a:latin typeface="+mn-lt"/>
-                <a:ea typeface="+mn-ea"/>
-                <a:cs typeface="+mn-cs"/>
-              </a:defRPr>
-            </a:lvl4pPr>
-            <a:lvl5pPr marL="2057400" indent="-228600" algn="l" defTabSz="914400" rtl="0" eaLnBrk="1" latinLnBrk="0" hangingPunct="1">
-              <a:lnSpc>
-                <a:spcPct val="90000"/>
-              </a:lnSpc>
-              <a:spcBef>
-                <a:spcPts val="500"/>
-              </a:spcBef>
-              <a:buFont typeface="Arial" panose="020B0604020202020204" pitchFamily="34" charset="0"/>
-              <a:buChar char="•"/>
-              <a:defRPr sz="1800" kern="1200">
-                <a:solidFill>
-                  <a:schemeClr val="tx1"/>
-                </a:solidFill>
-                <a:latin typeface="+mn-lt"/>
-                <a:ea typeface="+mn-ea"/>
-                <a:cs typeface="+mn-cs"/>
-              </a:defRPr>
-            </a:lvl5pPr>
-            <a:lvl6pPr marL="2514600" indent="-228600" algn="l" defTabSz="914400" rtl="0" eaLnBrk="1" latinLnBrk="0" hangingPunct="1">
-              <a:lnSpc>
-                <a:spcPct val="90000"/>
-              </a:lnSpc>
-              <a:spcBef>
-                <a:spcPts val="500"/>
-              </a:spcBef>
-              <a:buFont typeface="Arial" panose="020B0604020202020204" pitchFamily="34" charset="0"/>
-              <a:buChar char="•"/>
-              <a:defRPr sz="1800" kern="1200">
-                <a:solidFill>
-                  <a:schemeClr val="tx1"/>
-                </a:solidFill>
-                <a:latin typeface="+mn-lt"/>
-                <a:ea typeface="+mn-ea"/>
-                <a:cs typeface="+mn-cs"/>
-              </a:defRPr>
-            </a:lvl6pPr>
-            <a:lvl7pPr marL="2971800" indent="-228600" algn="l" defTabSz="914400" rtl="0" eaLnBrk="1" latinLnBrk="0" hangingPunct="1">
-              <a:lnSpc>
-                <a:spcPct val="90000"/>
-              </a:lnSpc>
-              <a:spcBef>
-                <a:spcPts val="500"/>
-              </a:spcBef>
-              <a:buFont typeface="Arial" panose="020B0604020202020204" pitchFamily="34" charset="0"/>
-              <a:buChar char="•"/>
-              <a:defRPr sz="1800" kern="1200">
-                <a:solidFill>
-                  <a:schemeClr val="tx1"/>
-                </a:solidFill>
-                <a:latin typeface="+mn-lt"/>
-                <a:ea typeface="+mn-ea"/>
-                <a:cs typeface="+mn-cs"/>
-              </a:defRPr>
-            </a:lvl7pPr>
-            <a:lvl8pPr marL="3429000" indent="-228600" algn="l" defTabSz="914400" rtl="0" eaLnBrk="1" latinLnBrk="0" hangingPunct="1">
-              <a:lnSpc>
-                <a:spcPct val="90000"/>
-              </a:lnSpc>
-              <a:spcBef>
-                <a:spcPts val="500"/>
-              </a:spcBef>
-              <a:buFont typeface="Arial" panose="020B0604020202020204" pitchFamily="34" charset="0"/>
-              <a:buChar char="•"/>
-              <a:defRPr sz="1800" kern="1200">
-                <a:solidFill>
-                  <a:schemeClr val="tx1"/>
-                </a:solidFill>
-                <a:latin typeface="+mn-lt"/>
-                <a:ea typeface="+mn-ea"/>
-                <a:cs typeface="+mn-cs"/>
-              </a:defRPr>
-            </a:lvl8pPr>
-            <a:lvl9pPr marL="3886200" indent="-228600" algn="l" defTabSz="914400" rtl="0" eaLnBrk="1" latinLnBrk="0" hangingPunct="1">
-              <a:lnSpc>
-                <a:spcPct val="90000"/>
-              </a:lnSpc>
-              <a:spcBef>
-                <a:spcPts val="500"/>
-              </a:spcBef>
-              <a:buFont typeface="Arial" panose="020B0604020202020204" pitchFamily="34" charset="0"/>
-              <a:buChar char="•"/>
-              <a:defRPr sz="1800" kern="1200">
-                <a:solidFill>
-                  <a:schemeClr val="tx1"/>
-                </a:solidFill>
-                <a:latin typeface="+mn-lt"/>
-                <a:ea typeface="+mn-ea"/>
-                <a:cs typeface="+mn-cs"/>
-              </a:defRPr>
-            </a:lvl9pPr>
-          </a:lstStyle>
-          <a:p>
-            <a:pPr marL="0" indent="0">
-              <a:buNone/>
-            </a:pPr>
-            <a:r>
-              <a:rPr lang="en-US" dirty="0"/>
-              <a:t>Caleb</a:t>
-            </a:r>
-          </a:p>
-        </p:txBody>
-      </p:sp>
-    </p:spTree>
-    <p:extLst>
-      <p:ext uri="{BB962C8B-B14F-4D97-AF65-F5344CB8AC3E}">
-        <p14:creationId xmlns:p14="http://schemas.microsoft.com/office/powerpoint/2010/main" val="34757759"/>
-      </p:ext>
-    </p:extLst>
-  </p:cSld>
-  <p:clrMapOvr>
-    <a:masterClrMapping/>
-  </p:clrMapOvr>
-</p:sld>
-</file>
-
-<file path=ppt/slides/slide14.xml><?xml version="1.0" encoding="utf-8"?>
-<p:sld xmlns:a="http://schemas.openxmlformats.org/drawingml/2006/main" xmlns:r="http://schemas.openxmlformats.org/officeDocument/2006/relationships" xmlns:p="http://schemas.openxmlformats.org/presentationml/2006/main">
-  <p:cSld>
-    <p:spTree>
-      <p:nvGrpSpPr>
-        <p:cNvPr id="1" name=""/>
-        <p:cNvGrpSpPr/>
-        <p:nvPr/>
-      </p:nvGrpSpPr>
-      <p:grpSpPr>
-        <a:xfrm>
-          <a:off x="0" y="0"/>
-          <a:ext cx="0" cy="0"/>
-          <a:chOff x="0" y="0"/>
-          <a:chExt cx="0" cy="0"/>
-        </a:xfrm>
-      </p:grpSpPr>
-      <p:pic>
-        <p:nvPicPr>
-          <p:cNvPr id="3" name="Picture 2">
-            <a:extLst>
-              <a:ext uri="{FF2B5EF4-FFF2-40B4-BE49-F238E27FC236}">
                 <a16:creationId xmlns:a16="http://schemas.microsoft.com/office/drawing/2014/main" id="{7FE9A740-DB8C-3323-70A8-CEF5C89ACF83}"/>
               </a:ext>
             </a:extLst>
@@ -4846,7 +4711,7 @@
 </p:sld>
 </file>
 
-<file path=ppt/slides/slide15.xml><?xml version="1.0" encoding="utf-8"?>
+<file path=ppt/slides/slide13.xml><?xml version="1.0" encoding="utf-8"?>
 <p:sld xmlns:a="http://schemas.openxmlformats.org/drawingml/2006/main" xmlns:r="http://schemas.openxmlformats.org/officeDocument/2006/relationships" xmlns:p="http://schemas.openxmlformats.org/presentationml/2006/main">
   <p:cSld>
     <p:spTree>
@@ -5179,7 +5044,7 @@
         <p:spPr>
           <a:xfrm>
             <a:off x="1524000" y="393193"/>
-            <a:ext cx="9144000" cy="749808"/>
+            <a:ext cx="8947355" cy="749808"/>
           </a:xfrm>
         </p:spPr>
         <p:txBody>
@@ -5189,7 +5054,7 @@
           <a:lstStyle/>
           <a:p>
             <a:r>
-              <a:rPr lang="en-US" sz="4400" dirty="0"/>
+              <a:rPr lang="en-US" sz="2800" dirty="0"/>
               <a:t>data/Crypto Daily Price Change.png</a:t>
             </a:r>
           </a:p>
@@ -5213,13 +5078,13 @@
         </p:nvSpPr>
         <p:spPr>
           <a:xfrm>
-            <a:off x="3749040" y="5212080"/>
-            <a:ext cx="3739896" cy="283464"/>
+            <a:off x="9391008" y="535784"/>
+            <a:ext cx="2336833" cy="402434"/>
           </a:xfrm>
         </p:spPr>
         <p:txBody>
           <a:bodyPr>
-            <a:normAutofit fontScale="62500" lnSpcReduction="20000"/>
+            <a:normAutofit lnSpcReduction="10000"/>
           </a:bodyPr>
           <a:lstStyle/>
           <a:p>
@@ -5252,7 +5117,7 @@
         </p:blipFill>
         <p:spPr>
           <a:xfrm>
-            <a:off x="713232" y="1143001"/>
+            <a:off x="170451" y="1316471"/>
             <a:ext cx="11201401" cy="2743199"/>
           </a:xfrm>
           <a:prstGeom prst="rect">
@@ -5260,6 +5125,109 @@
           </a:prstGeom>
         </p:spPr>
       </p:pic>
+      <p:sp>
+        <p:nvSpPr>
+          <p:cNvPr id="4" name="TextBox 3">
+            <a:extLst>
+              <a:ext uri="{FF2B5EF4-FFF2-40B4-BE49-F238E27FC236}">
+                <a16:creationId xmlns:a16="http://schemas.microsoft.com/office/drawing/2014/main" id="{457433CD-5E6E-F3C9-FB2C-A3A25053E9F4}"/>
+              </a:ext>
+            </a:extLst>
+          </p:cNvPr>
+          <p:cNvSpPr txBox="1"/>
+          <p:nvPr/>
+        </p:nvSpPr>
+        <p:spPr>
+          <a:xfrm>
+            <a:off x="786580" y="4998777"/>
+            <a:ext cx="10618839" cy="1692771"/>
+          </a:xfrm>
+          <a:prstGeom prst="rect">
+            <a:avLst/>
+          </a:prstGeom>
+          <a:noFill/>
+        </p:spPr>
+        <p:txBody>
+          <a:bodyPr wrap="square" rtlCol="0">
+            <a:spAutoFit/>
+          </a:bodyPr>
+          <a:lstStyle/>
+          <a:p>
+            <a:pPr marL="457200" indent="-457200">
+              <a:buFont typeface="Arial" panose="020B0604020202020204" pitchFamily="34" charset="0"/>
+              <a:buChar char="•"/>
+            </a:pPr>
+            <a:r>
+              <a:rPr lang="en-US" sz="2800" dirty="0"/>
+              <a:t>Th</a:t>
+            </a:r>
+            <a:r>
+              <a:rPr lang="en-US" sz="2400" dirty="0"/>
+              <a:t>e daily price for dogecoin  went up among the 4 cryptocurrency in march 2024.</a:t>
+            </a:r>
+          </a:p>
+          <a:p>
+            <a:pPr marL="457200" indent="-457200">
+              <a:buFont typeface="Arial" panose="020B0604020202020204" pitchFamily="34" charset="0"/>
+              <a:buChar char="•"/>
+            </a:pPr>
+            <a:r>
+              <a:rPr lang="en-US" sz="2400" dirty="0"/>
+              <a:t>The daily price for LTC and </a:t>
+            </a:r>
+            <a:r>
+              <a:rPr lang="en-US" sz="2400" dirty="0" err="1"/>
+              <a:t>Ethrium</a:t>
+            </a:r>
+            <a:r>
+              <a:rPr lang="en-US" sz="2400" dirty="0"/>
+              <a:t> are almost the same entire year.</a:t>
+            </a:r>
+          </a:p>
+          <a:p>
+            <a:pPr marL="457200" indent="-457200">
+              <a:buFont typeface="Arial" panose="020B0604020202020204" pitchFamily="34" charset="0"/>
+              <a:buChar char="•"/>
+            </a:pPr>
+            <a:endParaRPr lang="en-US" sz="2800" dirty="0"/>
+          </a:p>
+        </p:txBody>
+      </p:sp>
+      <p:sp>
+        <p:nvSpPr>
+          <p:cNvPr id="6" name="TextBox 5">
+            <a:extLst>
+              <a:ext uri="{FF2B5EF4-FFF2-40B4-BE49-F238E27FC236}">
+                <a16:creationId xmlns:a16="http://schemas.microsoft.com/office/drawing/2014/main" id="{5F1AB268-D37F-80F2-FABB-63BDBBF6BDF3}"/>
+              </a:ext>
+            </a:extLst>
+          </p:cNvPr>
+          <p:cNvSpPr txBox="1"/>
+          <p:nvPr/>
+        </p:nvSpPr>
+        <p:spPr>
+          <a:xfrm>
+            <a:off x="2407298" y="4059670"/>
+            <a:ext cx="6074229" cy="523220"/>
+          </a:xfrm>
+          <a:prstGeom prst="rect">
+            <a:avLst/>
+          </a:prstGeom>
+          <a:noFill/>
+        </p:spPr>
+        <p:txBody>
+          <a:bodyPr wrap="square" rtlCol="0">
+            <a:spAutoFit/>
+          </a:bodyPr>
+          <a:lstStyle/>
+          <a:p>
+            <a:r>
+              <a:rPr lang="en-US" sz="2800" b="1" u="sng" dirty="0"/>
+              <a:t> Observations</a:t>
+            </a:r>
+          </a:p>
+        </p:txBody>
+      </p:sp>
     </p:spTree>
     <p:extLst>
       <p:ext uri="{BB962C8B-B14F-4D97-AF65-F5344CB8AC3E}">
@@ -5371,8 +5339,8 @@
         </p:nvSpPr>
         <p:spPr>
           <a:xfrm>
-            <a:off x="3749040" y="5212080"/>
-            <a:ext cx="3739896" cy="283464"/>
+            <a:off x="9794404" y="404211"/>
+            <a:ext cx="1620848" cy="383869"/>
           </a:xfrm>
           <a:prstGeom prst="rect">
             <a:avLst/>
@@ -5380,7 +5348,7 @@
         </p:spPr>
         <p:txBody>
           <a:bodyPr>
-            <a:normAutofit fontScale="55000" lnSpcReduction="20000"/>
+            <a:normAutofit fontScale="85000" lnSpcReduction="20000"/>
           </a:bodyPr>
           <a:lstStyle>
             <a:lvl1pPr marL="228600" indent="-228600" algn="l" defTabSz="914400" rtl="0" eaLnBrk="1" latinLnBrk="0" hangingPunct="1">
@@ -5551,6 +5519,88 @@
               <a:rPr lang="en-US" dirty="0"/>
               <a:t>Belay</a:t>
             </a:r>
+          </a:p>
+        </p:txBody>
+      </p:sp>
+      <p:sp>
+        <p:nvSpPr>
+          <p:cNvPr id="2" name="TextBox 1">
+            <a:extLst>
+              <a:ext uri="{FF2B5EF4-FFF2-40B4-BE49-F238E27FC236}">
+                <a16:creationId xmlns:a16="http://schemas.microsoft.com/office/drawing/2014/main" id="{14FCF99F-E6BF-9CA4-A28E-FD2841EC2354}"/>
+              </a:ext>
+            </a:extLst>
+          </p:cNvPr>
+          <p:cNvSpPr txBox="1"/>
+          <p:nvPr/>
+        </p:nvSpPr>
+        <p:spPr>
+          <a:xfrm>
+            <a:off x="588811" y="4951164"/>
+            <a:ext cx="10810710" cy="923330"/>
+          </a:xfrm>
+          <a:prstGeom prst="rect">
+            <a:avLst/>
+          </a:prstGeom>
+          <a:noFill/>
+        </p:spPr>
+        <p:txBody>
+          <a:bodyPr wrap="square" rtlCol="0">
+            <a:spAutoFit/>
+          </a:bodyPr>
+          <a:lstStyle/>
+          <a:p>
+            <a:pPr marL="285750" indent="-285750">
+              <a:buFont typeface="Arial" panose="020B0604020202020204" pitchFamily="34" charset="0"/>
+              <a:buChar char="•"/>
+            </a:pPr>
+            <a:r>
+              <a:rPr lang="en-US" dirty="0"/>
+              <a:t>The doge is the highest mover among the 4 crypto currency and the lite coin was decreased, in March 2024.</a:t>
+            </a:r>
+          </a:p>
+          <a:p>
+            <a:pPr marL="285750" indent="-285750">
+              <a:buFont typeface="Arial" panose="020B0604020202020204" pitchFamily="34" charset="0"/>
+              <a:buChar char="•"/>
+            </a:pPr>
+            <a:endParaRPr lang="en-US" dirty="0"/>
+          </a:p>
+        </p:txBody>
+      </p:sp>
+      <p:sp>
+        <p:nvSpPr>
+          <p:cNvPr id="4" name="TextBox 3">
+            <a:extLst>
+              <a:ext uri="{FF2B5EF4-FFF2-40B4-BE49-F238E27FC236}">
+                <a16:creationId xmlns:a16="http://schemas.microsoft.com/office/drawing/2014/main" id="{A67F91F5-19C6-F2BB-3736-15DA631182B3}"/>
+              </a:ext>
+            </a:extLst>
+          </p:cNvPr>
+          <p:cNvSpPr txBox="1"/>
+          <p:nvPr/>
+        </p:nvSpPr>
+        <p:spPr>
+          <a:xfrm>
+            <a:off x="3493562" y="4105469"/>
+            <a:ext cx="2500604" cy="369332"/>
+          </a:xfrm>
+          <a:prstGeom prst="rect">
+            <a:avLst/>
+          </a:prstGeom>
+          <a:noFill/>
+        </p:spPr>
+        <p:txBody>
+          <a:bodyPr wrap="square" rtlCol="0">
+            <a:spAutoFit/>
+          </a:bodyPr>
+          <a:lstStyle/>
+          <a:p>
+            <a:r>
+              <a:rPr lang="en-US" sz="1800" b="1" u="sng" dirty="0"/>
+              <a:t>  Observations</a:t>
+            </a:r>
+            <a:endParaRPr lang="en-US" dirty="0"/>
           </a:p>
         </p:txBody>
       </p:sp>
@@ -5599,7 +5649,7 @@
           <p:nvPr/>
         </p:nvPicPr>
         <p:blipFill>
-          <a:blip r:embed="rId2"/>
+          <a:blip r:embed="rId3"/>
           <a:stretch>
             <a:fillRect/>
           </a:stretch>
@@ -5665,8 +5715,8 @@
         </p:nvSpPr>
         <p:spPr>
           <a:xfrm>
-            <a:off x="3749040" y="5212080"/>
-            <a:ext cx="3739896" cy="283464"/>
+            <a:off x="689261" y="5458408"/>
+            <a:ext cx="10999930" cy="1082351"/>
           </a:xfrm>
           <a:prstGeom prst="rect">
             <a:avLst/>
@@ -5674,7 +5724,7 @@
         </p:spPr>
         <p:txBody>
           <a:bodyPr>
-            <a:normAutofit fontScale="55000" lnSpcReduction="20000"/>
+            <a:normAutofit fontScale="92500" lnSpcReduction="20000"/>
           </a:bodyPr>
           <a:lstStyle>
             <a:lvl1pPr marL="228600" indent="-228600" algn="l" defTabSz="914400" rtl="0" eaLnBrk="1" latinLnBrk="0" hangingPunct="1">
@@ -5841,9 +5891,85 @@
             </a:lvl9pPr>
           </a:lstStyle>
           <a:p>
-            <a:r>
-              <a:rPr lang="en-US"/>
+            <a:pPr marL="0" indent="0">
+              <a:buNone/>
+            </a:pPr>
+            <a:endParaRPr lang="en-US" dirty="0"/>
+          </a:p>
+          <a:p>
+            <a:r>
+              <a:rPr lang="en-US" dirty="0"/>
+              <a:t>There doge volume spike in march,2024 which indicate high trading than the other crypto.</a:t>
+            </a:r>
+          </a:p>
+        </p:txBody>
+      </p:sp>
+      <p:sp>
+        <p:nvSpPr>
+          <p:cNvPr id="2" name="TextBox 1">
+            <a:extLst>
+              <a:ext uri="{FF2B5EF4-FFF2-40B4-BE49-F238E27FC236}">
+                <a16:creationId xmlns:a16="http://schemas.microsoft.com/office/drawing/2014/main" id="{449B9934-AF98-8C0B-4104-881C037A6BA5}"/>
+              </a:ext>
+            </a:extLst>
+          </p:cNvPr>
+          <p:cNvSpPr txBox="1"/>
+          <p:nvPr/>
+        </p:nvSpPr>
+        <p:spPr>
+          <a:xfrm>
+            <a:off x="10375640" y="317241"/>
+            <a:ext cx="1175657" cy="369332"/>
+          </a:xfrm>
+          <a:prstGeom prst="rect">
+            <a:avLst/>
+          </a:prstGeom>
+          <a:noFill/>
+        </p:spPr>
+        <p:txBody>
+          <a:bodyPr wrap="square" rtlCol="0">
+            <a:spAutoFit/>
+          </a:bodyPr>
+          <a:lstStyle/>
+          <a:p>
+            <a:r>
+              <a:rPr lang="en-US" dirty="0"/>
               <a:t>Belay</a:t>
+            </a:r>
+          </a:p>
+        </p:txBody>
+      </p:sp>
+      <p:sp>
+        <p:nvSpPr>
+          <p:cNvPr id="4" name="TextBox 3">
+            <a:extLst>
+              <a:ext uri="{FF2B5EF4-FFF2-40B4-BE49-F238E27FC236}">
+                <a16:creationId xmlns:a16="http://schemas.microsoft.com/office/drawing/2014/main" id="{05379D33-E292-0F42-8B59-AB3CE59399DB}"/>
+              </a:ext>
+            </a:extLst>
+          </p:cNvPr>
+          <p:cNvSpPr txBox="1"/>
+          <p:nvPr/>
+        </p:nvSpPr>
+        <p:spPr>
+          <a:xfrm>
+            <a:off x="3753089" y="4962633"/>
+            <a:ext cx="1770633" cy="369332"/>
+          </a:xfrm>
+          <a:prstGeom prst="rect">
+            <a:avLst/>
+          </a:prstGeom>
+          <a:noFill/>
+        </p:spPr>
+        <p:txBody>
+          <a:bodyPr wrap="square" rtlCol="0">
+            <a:spAutoFit/>
+          </a:bodyPr>
+          <a:lstStyle/>
+          <a:p>
+            <a:r>
+              <a:rPr lang="en-US" sz="1800" b="1" u="sng" dirty="0"/>
+              <a:t>Observations</a:t>
             </a:r>
             <a:endParaRPr lang="en-US" dirty="0"/>
           </a:p>
@@ -5960,8 +6086,8 @@
         </p:nvSpPr>
         <p:spPr>
           <a:xfrm>
-            <a:off x="3749040" y="5212080"/>
-            <a:ext cx="3739896" cy="283464"/>
+            <a:off x="9461755" y="481231"/>
+            <a:ext cx="1930924" cy="370947"/>
           </a:xfrm>
           <a:prstGeom prst="rect">
             <a:avLst/>
@@ -5969,7 +6095,7 @@
         </p:spPr>
         <p:txBody>
           <a:bodyPr>
-            <a:normAutofit fontScale="55000" lnSpcReduction="20000"/>
+            <a:normAutofit fontScale="85000" lnSpcReduction="20000"/>
           </a:bodyPr>
           <a:lstStyle>
             <a:lvl1pPr marL="228600" indent="-228600" algn="l" defTabSz="914400" rtl="0" eaLnBrk="1" latinLnBrk="0" hangingPunct="1">
@@ -6143,6 +6269,116 @@
               <a:rPr lang="en-US" dirty="0"/>
               <a:t>Belay</a:t>
             </a:r>
+          </a:p>
+        </p:txBody>
+      </p:sp>
+      <p:sp>
+        <p:nvSpPr>
+          <p:cNvPr id="4" name="TextBox 3">
+            <a:extLst>
+              <a:ext uri="{FF2B5EF4-FFF2-40B4-BE49-F238E27FC236}">
+                <a16:creationId xmlns:a16="http://schemas.microsoft.com/office/drawing/2014/main" id="{2110298C-8FF0-9E20-1ECA-73067FF14E5E}"/>
+              </a:ext>
+            </a:extLst>
+          </p:cNvPr>
+          <p:cNvSpPr txBox="1"/>
+          <p:nvPr/>
+        </p:nvSpPr>
+        <p:spPr>
+          <a:xfrm>
+            <a:off x="877078" y="5657671"/>
+            <a:ext cx="9815805" cy="1200329"/>
+          </a:xfrm>
+          <a:prstGeom prst="rect">
+            <a:avLst/>
+          </a:prstGeom>
+          <a:noFill/>
+        </p:spPr>
+        <p:txBody>
+          <a:bodyPr wrap="square" rtlCol="0">
+            <a:spAutoFit/>
+          </a:bodyPr>
+          <a:lstStyle/>
+          <a:p>
+            <a:pPr marL="285750" indent="-285750">
+              <a:buFont typeface="Arial" panose="020B0604020202020204" pitchFamily="34" charset="0"/>
+              <a:buChar char="•"/>
+            </a:pPr>
+            <a:r>
+              <a:rPr lang="en-US" dirty="0"/>
+              <a:t>The NVDA was highest moving in March while intel was dropped in </a:t>
+            </a:r>
+            <a:r>
+              <a:rPr lang="en-US" dirty="0" err="1"/>
+              <a:t>february</a:t>
+            </a:r>
+            <a:r>
+              <a:rPr lang="en-US" dirty="0"/>
+              <a:t>.</a:t>
+            </a:r>
+          </a:p>
+          <a:p>
+            <a:pPr marL="285750" indent="-285750">
+              <a:buFont typeface="Arial" panose="020B0604020202020204" pitchFamily="34" charset="0"/>
+              <a:buChar char="•"/>
+            </a:pPr>
+            <a:r>
+              <a:rPr lang="en-US" dirty="0"/>
+              <a:t>The intel daily price was dropped between July and august.</a:t>
+            </a:r>
+          </a:p>
+          <a:p>
+            <a:pPr marL="285750" indent="-285750">
+              <a:buFont typeface="Arial" panose="020B0604020202020204" pitchFamily="34" charset="0"/>
+              <a:buChar char="•"/>
+            </a:pPr>
+            <a:r>
+              <a:rPr lang="en-US" dirty="0"/>
+              <a:t>The TSM and AMD daily price was moving almost the same entire year.</a:t>
+            </a:r>
+          </a:p>
+          <a:p>
+            <a:pPr marL="285750" indent="-285750">
+              <a:buFont typeface="Arial" panose="020B0604020202020204" pitchFamily="34" charset="0"/>
+              <a:buChar char="•"/>
+            </a:pPr>
+            <a:endParaRPr lang="en-US" dirty="0"/>
+          </a:p>
+        </p:txBody>
+      </p:sp>
+      <p:sp>
+        <p:nvSpPr>
+          <p:cNvPr id="7" name="TextBox 6">
+            <a:extLst>
+              <a:ext uri="{FF2B5EF4-FFF2-40B4-BE49-F238E27FC236}">
+                <a16:creationId xmlns:a16="http://schemas.microsoft.com/office/drawing/2014/main" id="{011F4741-4D70-1670-64D8-CDCBCE46849B}"/>
+              </a:ext>
+            </a:extLst>
+          </p:cNvPr>
+          <p:cNvSpPr txBox="1"/>
+          <p:nvPr/>
+        </p:nvSpPr>
+        <p:spPr>
+          <a:xfrm>
+            <a:off x="3760237" y="5288339"/>
+            <a:ext cx="1893041" cy="369332"/>
+          </a:xfrm>
+          <a:prstGeom prst="rect">
+            <a:avLst/>
+          </a:prstGeom>
+          <a:noFill/>
+        </p:spPr>
+        <p:txBody>
+          <a:bodyPr wrap="square" rtlCol="0">
+            <a:spAutoFit/>
+          </a:bodyPr>
+          <a:lstStyle/>
+          <a:p>
+            <a:r>
+              <a:rPr lang="en-US" sz="1800" b="1" u="sng" dirty="0"/>
+              <a:t>Observations</a:t>
+            </a:r>
+            <a:endParaRPr lang="en-US" dirty="0"/>
           </a:p>
         </p:txBody>
       </p:sp>
@@ -6198,8 +6434,8 @@
         </p:blipFill>
         <p:spPr>
           <a:xfrm>
-            <a:off x="978408" y="1653386"/>
-            <a:ext cx="10730208" cy="3551228"/>
+            <a:off x="1073020" y="1653386"/>
+            <a:ext cx="10635596" cy="3551228"/>
           </a:xfrm>
           <a:prstGeom prst="rect">
             <a:avLst/>
@@ -6257,8 +6493,8 @@
         </p:nvSpPr>
         <p:spPr>
           <a:xfrm>
-            <a:off x="3749040" y="5212080"/>
-            <a:ext cx="3739896" cy="283464"/>
+            <a:off x="9859289" y="501134"/>
+            <a:ext cx="1849327" cy="569167"/>
           </a:xfrm>
           <a:prstGeom prst="rect">
             <a:avLst/>
@@ -6266,7 +6502,7 @@
         </p:spPr>
         <p:txBody>
           <a:bodyPr>
-            <a:normAutofit fontScale="55000" lnSpcReduction="20000"/>
+            <a:normAutofit/>
           </a:bodyPr>
           <a:lstStyle>
             <a:lvl1pPr marL="228600" indent="-228600" algn="l" defTabSz="914400" rtl="0" eaLnBrk="1" latinLnBrk="0" hangingPunct="1">
@@ -6440,6 +6676,91 @@
               <a:rPr lang="en-US" dirty="0"/>
               <a:t>Belay</a:t>
             </a:r>
+          </a:p>
+        </p:txBody>
+      </p:sp>
+      <p:sp>
+        <p:nvSpPr>
+          <p:cNvPr id="2" name="TextBox 1">
+            <a:extLst>
+              <a:ext uri="{FF2B5EF4-FFF2-40B4-BE49-F238E27FC236}">
+                <a16:creationId xmlns:a16="http://schemas.microsoft.com/office/drawing/2014/main" id="{D079EF50-4B63-E743-3572-88F452130081}"/>
+              </a:ext>
+            </a:extLst>
+          </p:cNvPr>
+          <p:cNvSpPr txBox="1"/>
+          <p:nvPr/>
+        </p:nvSpPr>
+        <p:spPr>
+          <a:xfrm>
+            <a:off x="1104122" y="5896948"/>
+            <a:ext cx="7520473" cy="646331"/>
+          </a:xfrm>
+          <a:prstGeom prst="rect">
+            <a:avLst/>
+          </a:prstGeom>
+          <a:noFill/>
+        </p:spPr>
+        <p:txBody>
+          <a:bodyPr wrap="square" rtlCol="0">
+            <a:spAutoFit/>
+          </a:bodyPr>
+          <a:lstStyle/>
+          <a:p>
+            <a:pPr marL="285750" indent="-285750">
+              <a:buFont typeface="Arial" panose="020B0604020202020204" pitchFamily="34" charset="0"/>
+              <a:buChar char="•"/>
+            </a:pPr>
+            <a:r>
+              <a:rPr lang="en-US" dirty="0"/>
+              <a:t>The over all change for the NVDA was highest mover in June and July.</a:t>
+            </a:r>
+          </a:p>
+          <a:p>
+            <a:pPr marL="285750" indent="-285750">
+              <a:buFont typeface="Arial" panose="020B0604020202020204" pitchFamily="34" charset="0"/>
+              <a:buChar char="•"/>
+            </a:pPr>
+            <a:r>
+              <a:rPr lang="en-US" dirty="0"/>
+              <a:t>The intel was the lowest mover than the other stock prices.</a:t>
+            </a:r>
+          </a:p>
+        </p:txBody>
+      </p:sp>
+      <p:sp>
+        <p:nvSpPr>
+          <p:cNvPr id="4" name="TextBox 3">
+            <a:extLst>
+              <a:ext uri="{FF2B5EF4-FFF2-40B4-BE49-F238E27FC236}">
+                <a16:creationId xmlns:a16="http://schemas.microsoft.com/office/drawing/2014/main" id="{AAFA9B4A-2B42-DB1E-C7E8-6096A9254125}"/>
+              </a:ext>
+            </a:extLst>
+          </p:cNvPr>
+          <p:cNvSpPr txBox="1"/>
+          <p:nvPr/>
+        </p:nvSpPr>
+        <p:spPr>
+          <a:xfrm>
+            <a:off x="3968619" y="5204614"/>
+            <a:ext cx="1791477" cy="369332"/>
+          </a:xfrm>
+          <a:prstGeom prst="rect">
+            <a:avLst/>
+          </a:prstGeom>
+          <a:noFill/>
+        </p:spPr>
+        <p:txBody>
+          <a:bodyPr wrap="square" rtlCol="0">
+            <a:spAutoFit/>
+          </a:bodyPr>
+          <a:lstStyle/>
+          <a:p>
+            <a:r>
+              <a:rPr lang="en-US" sz="1800" b="1" u="sng" dirty="0"/>
+              <a:t>Observations</a:t>
+            </a:r>
+            <a:endParaRPr lang="en-US" dirty="0"/>
           </a:p>
         </p:txBody>
       </p:sp>
@@ -6554,8 +6875,8 @@
         </p:nvSpPr>
         <p:spPr>
           <a:xfrm>
-            <a:off x="3749040" y="5212080"/>
-            <a:ext cx="3739896" cy="283464"/>
+            <a:off x="9861993" y="438539"/>
+            <a:ext cx="1942633" cy="317054"/>
           </a:xfrm>
           <a:prstGeom prst="rect">
             <a:avLst/>
@@ -6563,7 +6884,7 @@
         </p:spPr>
         <p:txBody>
           <a:bodyPr>
-            <a:normAutofit fontScale="55000" lnSpcReduction="20000"/>
+            <a:normAutofit fontScale="62500" lnSpcReduction="20000"/>
           </a:bodyPr>
           <a:lstStyle>
             <a:lvl1pPr marL="228600" indent="-228600" algn="l" defTabSz="914400" rtl="0" eaLnBrk="1" latinLnBrk="0" hangingPunct="1">
@@ -6737,6 +7058,98 @@
               <a:rPr lang="en-US" dirty="0"/>
               <a:t>Belay</a:t>
             </a:r>
+          </a:p>
+        </p:txBody>
+      </p:sp>
+      <p:sp>
+        <p:nvSpPr>
+          <p:cNvPr id="2" name="TextBox 1">
+            <a:extLst>
+              <a:ext uri="{FF2B5EF4-FFF2-40B4-BE49-F238E27FC236}">
+                <a16:creationId xmlns:a16="http://schemas.microsoft.com/office/drawing/2014/main" id="{AABBBEE0-0094-673D-575E-2D2E4652A282}"/>
+              </a:ext>
+            </a:extLst>
+          </p:cNvPr>
+          <p:cNvSpPr txBox="1"/>
+          <p:nvPr/>
+        </p:nvSpPr>
+        <p:spPr>
+          <a:xfrm>
+            <a:off x="448304" y="5496131"/>
+            <a:ext cx="10385005" cy="923330"/>
+          </a:xfrm>
+          <a:prstGeom prst="rect">
+            <a:avLst/>
+          </a:prstGeom>
+          <a:noFill/>
+        </p:spPr>
+        <p:txBody>
+          <a:bodyPr wrap="square" rtlCol="0">
+            <a:spAutoFit/>
+          </a:bodyPr>
+          <a:lstStyle/>
+          <a:p>
+            <a:pPr marL="285750" indent="-285750">
+              <a:buFont typeface="Arial" panose="020B0604020202020204" pitchFamily="34" charset="0"/>
+              <a:buChar char="•"/>
+            </a:pPr>
+            <a:r>
+              <a:rPr lang="en-US" dirty="0"/>
+              <a:t>The stock volume for intel was highest in August.</a:t>
+            </a:r>
+          </a:p>
+          <a:p>
+            <a:pPr marL="285750" indent="-285750">
+              <a:buFont typeface="Arial" panose="020B0604020202020204" pitchFamily="34" charset="0"/>
+              <a:buChar char="•"/>
+            </a:pPr>
+            <a:r>
+              <a:rPr lang="en-US" dirty="0"/>
+              <a:t>The NVDA volume change was almost the same entire year.</a:t>
+            </a:r>
+          </a:p>
+          <a:p>
+            <a:pPr marL="285750" indent="-285750">
+              <a:buFont typeface="Arial" panose="020B0604020202020204" pitchFamily="34" charset="0"/>
+              <a:buChar char="•"/>
+            </a:pPr>
+            <a:endParaRPr lang="en-US" dirty="0"/>
+          </a:p>
+        </p:txBody>
+      </p:sp>
+      <p:sp>
+        <p:nvSpPr>
+          <p:cNvPr id="4" name="TextBox 3">
+            <a:extLst>
+              <a:ext uri="{FF2B5EF4-FFF2-40B4-BE49-F238E27FC236}">
+                <a16:creationId xmlns:a16="http://schemas.microsoft.com/office/drawing/2014/main" id="{0F2449FB-97A3-CDFF-A3CC-8654B59E3FC5}"/>
+              </a:ext>
+            </a:extLst>
+          </p:cNvPr>
+          <p:cNvSpPr txBox="1"/>
+          <p:nvPr/>
+        </p:nvSpPr>
+        <p:spPr>
+          <a:xfrm>
+            <a:off x="3356525" y="5126799"/>
+            <a:ext cx="1623526" cy="369332"/>
+          </a:xfrm>
+          <a:prstGeom prst="rect">
+            <a:avLst/>
+          </a:prstGeom>
+          <a:noFill/>
+        </p:spPr>
+        <p:txBody>
+          <a:bodyPr wrap="square" rtlCol="0">
+            <a:spAutoFit/>
+          </a:bodyPr>
+          <a:lstStyle/>
+          <a:p>
+            <a:r>
+              <a:rPr lang="en-US" sz="1800" b="1" u="sng" dirty="0"/>
+              <a:t>Observations</a:t>
+            </a:r>
+            <a:endParaRPr lang="en-US" dirty="0"/>
           </a:p>
         </p:txBody>
       </p:sp>
@@ -6775,7 +7188,7 @@
           <p:cNvPr id="3" name="Picture 2">
             <a:extLst>
               <a:ext uri="{FF2B5EF4-FFF2-40B4-BE49-F238E27FC236}">
-                <a16:creationId xmlns:a16="http://schemas.microsoft.com/office/drawing/2014/main" id="{07181220-7B04-647F-C7AA-3F863CF1D9CF}"/>
+                <a16:creationId xmlns:a16="http://schemas.microsoft.com/office/drawing/2014/main" id="{5DEB660C-6B24-C68D-C19A-38FA0EA93C9E}"/>
               </a:ext>
             </a:extLst>
           </p:cNvPr>
@@ -6792,8 +7205,8 @@
         </p:blipFill>
         <p:spPr>
           <a:xfrm>
-            <a:off x="262404" y="1583150"/>
-            <a:ext cx="11209991" cy="3299746"/>
+            <a:off x="502435" y="1748644"/>
+            <a:ext cx="11187129" cy="3360711"/>
           </a:xfrm>
           <a:prstGeom prst="rect">
             <a:avLst/>
@@ -6805,7 +7218,7 @@
           <p:cNvPr id="5" name="TextBox 4">
             <a:extLst>
               <a:ext uri="{FF2B5EF4-FFF2-40B4-BE49-F238E27FC236}">
-                <a16:creationId xmlns:a16="http://schemas.microsoft.com/office/drawing/2014/main" id="{68A60A79-BF67-36F3-283E-ED82BFB66366}"/>
+                <a16:creationId xmlns:a16="http://schemas.microsoft.com/office/drawing/2014/main" id="{EBB5474D-EF7A-0E47-8F49-663E2F3F247E}"/>
               </a:ext>
             </a:extLst>
           </p:cNvPr>
@@ -6814,8 +7227,8 @@
         </p:nvSpPr>
         <p:spPr>
           <a:xfrm>
-            <a:off x="2754630" y="687419"/>
-            <a:ext cx="3341370" cy="369332"/>
+            <a:off x="3257550" y="583430"/>
+            <a:ext cx="6094476" cy="369332"/>
           </a:xfrm>
           <a:prstGeom prst="rect">
             <a:avLst/>
@@ -6830,7 +7243,7 @@
           <a:p>
             <a:r>
               <a:rPr lang="en-US" dirty="0"/>
-              <a:t>data/Stocks Price Change.png</a:t>
+              <a:t>data/Stocks Index Daily Price Change.png</a:t>
             </a:r>
           </a:p>
         </p:txBody>
@@ -6840,7 +7253,7 @@
           <p:cNvPr id="6" name="Subtitle 2">
             <a:extLst>
               <a:ext uri="{FF2B5EF4-FFF2-40B4-BE49-F238E27FC236}">
-                <a16:creationId xmlns:a16="http://schemas.microsoft.com/office/drawing/2014/main" id="{7D667D08-7B88-8056-A6A0-9A0AF93DB342}"/>
+                <a16:creationId xmlns:a16="http://schemas.microsoft.com/office/drawing/2014/main" id="{F19E865C-4F90-7BA8-C4C8-047AB6540737}"/>
               </a:ext>
             </a:extLst>
           </p:cNvPr>
@@ -7027,9 +7440,12 @@
             </a:lvl9pPr>
           </a:lstStyle>
           <a:p>
+            <a:pPr marL="0" indent="0">
+              <a:buNone/>
+            </a:pPr>
             <a:r>
               <a:rPr lang="en-US" dirty="0"/>
-              <a:t>Belay</a:t>
+              <a:t>Caleb</a:t>
             </a:r>
           </a:p>
         </p:txBody>
@@ -7037,7 +7453,7 @@
     </p:spTree>
     <p:extLst>
       <p:ext uri="{BB962C8B-B14F-4D97-AF65-F5344CB8AC3E}">
-        <p14:creationId xmlns:p14="http://schemas.microsoft.com/office/powerpoint/2010/main" val="4290516672"/>
+        <p14:creationId xmlns:p14="http://schemas.microsoft.com/office/powerpoint/2010/main" val="2951946761"/>
       </p:ext>
     </p:extLst>
   </p:cSld>
@@ -7069,7 +7485,7 @@
           <p:cNvPr id="3" name="Picture 2">
             <a:extLst>
               <a:ext uri="{FF2B5EF4-FFF2-40B4-BE49-F238E27FC236}">
-                <a16:creationId xmlns:a16="http://schemas.microsoft.com/office/drawing/2014/main" id="{CCDE6500-4247-6C65-1EC5-231BEB17EB39}"/>
+                <a16:creationId xmlns:a16="http://schemas.microsoft.com/office/drawing/2014/main" id="{2A8E2515-FAC1-344D-592C-80C2A6610B5F}"/>
               </a:ext>
             </a:extLst>
           </p:cNvPr>
@@ -7086,8 +7502,8 @@
         </p:blipFill>
         <p:spPr>
           <a:xfrm>
-            <a:off x="587778" y="1612244"/>
-            <a:ext cx="11217612" cy="3414056"/>
+            <a:off x="502435" y="1615283"/>
+            <a:ext cx="11187129" cy="3627434"/>
           </a:xfrm>
           <a:prstGeom prst="rect">
             <a:avLst/>
@@ -7099,7 +7515,7 @@
           <p:cNvPr id="5" name="TextBox 4">
             <a:extLst>
               <a:ext uri="{FF2B5EF4-FFF2-40B4-BE49-F238E27FC236}">
-                <a16:creationId xmlns:a16="http://schemas.microsoft.com/office/drawing/2014/main" id="{2CCFACB0-E767-462A-3905-EBAC41DA9E3C}"/>
+                <a16:creationId xmlns:a16="http://schemas.microsoft.com/office/drawing/2014/main" id="{96936E20-770B-1922-E91F-509F187A37E8}"/>
               </a:ext>
             </a:extLst>
           </p:cNvPr>
@@ -7108,8 +7524,8 @@
         </p:nvSpPr>
         <p:spPr>
           <a:xfrm>
-            <a:off x="2286000" y="1086350"/>
-            <a:ext cx="4846320" cy="369332"/>
+            <a:off x="2919222" y="546854"/>
+            <a:ext cx="3838194" cy="369332"/>
           </a:xfrm>
           <a:prstGeom prst="rect">
             <a:avLst/>
@@ -7124,7 +7540,7 @@
           <a:p>
             <a:r>
               <a:rPr lang="en-US" dirty="0"/>
-              <a:t>data/Stocks Volume Change.png</a:t>
+              <a:t>data/Stocks Index Price Change.png</a:t>
             </a:r>
           </a:p>
         </p:txBody>
@@ -7134,7 +7550,7 @@
           <p:cNvPr id="6" name="Subtitle 2">
             <a:extLst>
               <a:ext uri="{FF2B5EF4-FFF2-40B4-BE49-F238E27FC236}">
-                <a16:creationId xmlns:a16="http://schemas.microsoft.com/office/drawing/2014/main" id="{EAC1D847-3036-9197-6B5E-FAC282F96C3E}"/>
+                <a16:creationId xmlns:a16="http://schemas.microsoft.com/office/drawing/2014/main" id="{70B72517-9CBF-E46B-0267-8AB4A608A213}"/>
               </a:ext>
             </a:extLst>
           </p:cNvPr>
@@ -7321,18 +7737,20 @@
             </a:lvl9pPr>
           </a:lstStyle>
           <a:p>
-            <a:r>
-              <a:rPr lang="en-US"/>
-              <a:t>Belay</a:t>
-            </a:r>
-            <a:endParaRPr lang="en-US" dirty="0"/>
+            <a:pPr marL="0" indent="0">
+              <a:buNone/>
+            </a:pPr>
+            <a:r>
+              <a:rPr lang="en-US" dirty="0"/>
+              <a:t>Caleb</a:t>
+            </a:r>
           </a:p>
         </p:txBody>
       </p:sp>
     </p:spTree>
     <p:extLst>
       <p:ext uri="{BB962C8B-B14F-4D97-AF65-F5344CB8AC3E}">
-        <p14:creationId xmlns:p14="http://schemas.microsoft.com/office/powerpoint/2010/main" val="1324431394"/>
+        <p14:creationId xmlns:p14="http://schemas.microsoft.com/office/powerpoint/2010/main" val="3486262287"/>
       </p:ext>
     </p:extLst>
   </p:cSld>
@@ -7655,4 +8073,319 @@
     </a:ext>
   </a:extLst>
 </a:theme>
+</file>
+
+<file path=ppt/theme/theme2.xml><?xml version="1.0" encoding="utf-8"?>
+<a:theme xmlns:a="http://schemas.openxmlformats.org/drawingml/2006/main" name="Office Theme">
+  <a:themeElements>
+    <a:clrScheme name="Office">
+      <a:dk1>
+        <a:sysClr val="windowText" lastClr="000000"/>
+      </a:dk1>
+      <a:lt1>
+        <a:sysClr val="window" lastClr="FFFFFF"/>
+      </a:lt1>
+      <a:dk2>
+        <a:srgbClr val="0E2841"/>
+      </a:dk2>
+      <a:lt2>
+        <a:srgbClr val="E8E8E8"/>
+      </a:lt2>
+      <a:accent1>
+        <a:srgbClr val="156082"/>
+      </a:accent1>
+      <a:accent2>
+        <a:srgbClr val="E97132"/>
+      </a:accent2>
+      <a:accent3>
+        <a:srgbClr val="196B24"/>
+      </a:accent3>
+      <a:accent4>
+        <a:srgbClr val="0F9ED5"/>
+      </a:accent4>
+      <a:accent5>
+        <a:srgbClr val="A02B93"/>
+      </a:accent5>
+      <a:accent6>
+        <a:srgbClr val="4EA72E"/>
+      </a:accent6>
+      <a:hlink>
+        <a:srgbClr val="467886"/>
+      </a:hlink>
+      <a:folHlink>
+        <a:srgbClr val="96607D"/>
+      </a:folHlink>
+    </a:clrScheme>
+    <a:fontScheme name="Office">
+      <a:majorFont>
+        <a:latin typeface="Aptos Display" panose="02110004020202020204"/>
+        <a:ea typeface=""/>
+        <a:cs typeface=""/>
+        <a:font script="Jpan" typeface="游ゴシック Light"/>
+        <a:font script="Hang" typeface="맑은 고딕"/>
+        <a:font script="Hans" typeface="等线 Light"/>
+        <a:font script="Hant" typeface="新細明體"/>
+        <a:font script="Arab" typeface="Times New Roman"/>
+        <a:font script="Hebr" typeface="Times New Roman"/>
+        <a:font script="Thai" typeface="Angsana New"/>
+        <a:font script="Ethi" typeface="Nyala"/>
+        <a:font script="Beng" typeface="Vrinda"/>
+        <a:font script="Gujr" typeface="Shruti"/>
+        <a:font script="Khmr" typeface="MoolBoran"/>
+        <a:font script="Knda" typeface="Tunga"/>
+        <a:font script="Guru" typeface="Raavi"/>
+        <a:font script="Cans" typeface="Euphemia"/>
+        <a:font script="Cher" typeface="Plantagenet Cherokee"/>
+        <a:font script="Yiii" typeface="Microsoft Yi Baiti"/>
+        <a:font script="Tibt" typeface="Microsoft Himalaya"/>
+        <a:font script="Thaa" typeface="MV Boli"/>
+        <a:font script="Deva" typeface="Mangal"/>
+        <a:font script="Telu" typeface="Gautami"/>
+        <a:font script="Taml" typeface="Latha"/>
+        <a:font script="Syrc" typeface="Estrangelo Edessa"/>
+        <a:font script="Orya" typeface="Kalinga"/>
+        <a:font script="Mlym" typeface="Kartika"/>
+        <a:font script="Laoo" typeface="DokChampa"/>
+        <a:font script="Sinh" typeface="Iskoola Pota"/>
+        <a:font script="Mong" typeface="Mongolian Baiti"/>
+        <a:font script="Viet" typeface="Times New Roman"/>
+        <a:font script="Uigh" typeface="Microsoft Uighur"/>
+        <a:font script="Geor" typeface="Sylfaen"/>
+        <a:font script="Armn" typeface="Arial"/>
+        <a:font script="Bugi" typeface="Leelawadee UI"/>
+        <a:font script="Bopo" typeface="Microsoft JhengHei"/>
+        <a:font script="Java" typeface="Javanese Text"/>
+        <a:font script="Lisu" typeface="Segoe UI"/>
+        <a:font script="Mymr" typeface="Myanmar Text"/>
+        <a:font script="Nkoo" typeface="Ebrima"/>
+        <a:font script="Olck" typeface="Nirmala UI"/>
+        <a:font script="Osma" typeface="Ebrima"/>
+        <a:font script="Phag" typeface="Phagspa"/>
+        <a:font script="Syrn" typeface="Estrangelo Edessa"/>
+        <a:font script="Syrj" typeface="Estrangelo Edessa"/>
+        <a:font script="Syre" typeface="Estrangelo Edessa"/>
+        <a:font script="Sora" typeface="Nirmala UI"/>
+        <a:font script="Tale" typeface="Microsoft Tai Le"/>
+        <a:font script="Talu" typeface="Microsoft New Tai Lue"/>
+        <a:font script="Tfng" typeface="Ebrima"/>
+      </a:majorFont>
+      <a:minorFont>
+        <a:latin typeface="Aptos" panose="02110004020202020204"/>
+        <a:ea typeface=""/>
+        <a:cs typeface=""/>
+        <a:font script="Jpan" typeface="游ゴシック"/>
+        <a:font script="Hang" typeface="맑은 고딕"/>
+        <a:font script="Hans" typeface="等线"/>
+        <a:font script="Hant" typeface="新細明體"/>
+        <a:font script="Arab" typeface="Arial"/>
+        <a:font script="Hebr" typeface="Arial"/>
+        <a:font script="Thai" typeface="Cordia New"/>
+        <a:font script="Ethi" typeface="Nyala"/>
+        <a:font script="Beng" typeface="Vrinda"/>
+        <a:font script="Gujr" typeface="Shruti"/>
+        <a:font script="Khmr" typeface="DaunPenh"/>
+        <a:font script="Knda" typeface="Tunga"/>
+        <a:font script="Guru" typeface="Raavi"/>
+        <a:font script="Cans" typeface="Euphemia"/>
+        <a:font script="Cher" typeface="Plantagenet Cherokee"/>
+        <a:font script="Yiii" typeface="Microsoft Yi Baiti"/>
+        <a:font script="Tibt" typeface="Microsoft Himalaya"/>
+        <a:font script="Thaa" typeface="MV Boli"/>
+        <a:font script="Deva" typeface="Mangal"/>
+        <a:font script="Telu" typeface="Gautami"/>
+        <a:font script="Taml" typeface="Latha"/>
+        <a:font script="Syrc" typeface="Estrangelo Edessa"/>
+        <a:font script="Orya" typeface="Kalinga"/>
+        <a:font script="Mlym" typeface="Kartika"/>
+        <a:font script="Laoo" typeface="DokChampa"/>
+        <a:font script="Sinh" typeface="Iskoola Pota"/>
+        <a:font script="Mong" typeface="Mongolian Baiti"/>
+        <a:font script="Viet" typeface="Arial"/>
+        <a:font script="Uigh" typeface="Microsoft Uighur"/>
+        <a:font script="Geor" typeface="Sylfaen"/>
+        <a:font script="Armn" typeface="Arial"/>
+        <a:font script="Bugi" typeface="Leelawadee UI"/>
+        <a:font script="Bopo" typeface="Microsoft JhengHei"/>
+        <a:font script="Java" typeface="Javanese Text"/>
+        <a:font script="Lisu" typeface="Segoe UI"/>
+        <a:font script="Mymr" typeface="Myanmar Text"/>
+        <a:font script="Nkoo" typeface="Ebrima"/>
+        <a:font script="Olck" typeface="Nirmala UI"/>
+        <a:font script="Osma" typeface="Ebrima"/>
+        <a:font script="Phag" typeface="Phagspa"/>
+        <a:font script="Syrn" typeface="Estrangelo Edessa"/>
+        <a:font script="Syrj" typeface="Estrangelo Edessa"/>
+        <a:font script="Syre" typeface="Estrangelo Edessa"/>
+        <a:font script="Sora" typeface="Nirmala UI"/>
+        <a:font script="Tale" typeface="Microsoft Tai Le"/>
+        <a:font script="Talu" typeface="Microsoft New Tai Lue"/>
+        <a:font script="Tfng" typeface="Ebrima"/>
+      </a:minorFont>
+    </a:fontScheme>
+    <a:fmtScheme name="Office">
+      <a:fillStyleLst>
+        <a:solidFill>
+          <a:schemeClr val="phClr"/>
+        </a:solidFill>
+        <a:gradFill rotWithShape="1">
+          <a:gsLst>
+            <a:gs pos="0">
+              <a:schemeClr val="phClr">
+                <a:lumMod val="110000"/>
+                <a:satMod val="105000"/>
+                <a:tint val="67000"/>
+              </a:schemeClr>
+            </a:gs>
+            <a:gs pos="50000">
+              <a:schemeClr val="phClr">
+                <a:lumMod val="105000"/>
+                <a:satMod val="103000"/>
+                <a:tint val="73000"/>
+              </a:schemeClr>
+            </a:gs>
+            <a:gs pos="100000">
+              <a:schemeClr val="phClr">
+                <a:lumMod val="105000"/>
+                <a:satMod val="109000"/>
+                <a:tint val="81000"/>
+              </a:schemeClr>
+            </a:gs>
+          </a:gsLst>
+          <a:lin ang="5400000" scaled="0"/>
+        </a:gradFill>
+        <a:gradFill rotWithShape="1">
+          <a:gsLst>
+            <a:gs pos="0">
+              <a:schemeClr val="phClr">
+                <a:satMod val="103000"/>
+                <a:lumMod val="102000"/>
+                <a:tint val="94000"/>
+              </a:schemeClr>
+            </a:gs>
+            <a:gs pos="50000">
+              <a:schemeClr val="phClr">
+                <a:satMod val="110000"/>
+                <a:lumMod val="100000"/>
+                <a:shade val="100000"/>
+              </a:schemeClr>
+            </a:gs>
+            <a:gs pos="100000">
+              <a:schemeClr val="phClr">
+                <a:lumMod val="99000"/>
+                <a:satMod val="120000"/>
+                <a:shade val="78000"/>
+              </a:schemeClr>
+            </a:gs>
+          </a:gsLst>
+          <a:lin ang="5400000" scaled="0"/>
+        </a:gradFill>
+      </a:fillStyleLst>
+      <a:lnStyleLst>
+        <a:ln w="12700" cap="flat" cmpd="sng" algn="ctr">
+          <a:solidFill>
+            <a:schemeClr val="phClr"/>
+          </a:solidFill>
+          <a:prstDash val="solid"/>
+          <a:miter lim="800000"/>
+        </a:ln>
+        <a:ln w="19050" cap="flat" cmpd="sng" algn="ctr">
+          <a:solidFill>
+            <a:schemeClr val="phClr"/>
+          </a:solidFill>
+          <a:prstDash val="solid"/>
+          <a:miter lim="800000"/>
+        </a:ln>
+        <a:ln w="25400" cap="flat" cmpd="sng" algn="ctr">
+          <a:solidFill>
+            <a:schemeClr val="phClr"/>
+          </a:solidFill>
+          <a:prstDash val="solid"/>
+          <a:miter lim="800000"/>
+        </a:ln>
+      </a:lnStyleLst>
+      <a:effectStyleLst>
+        <a:effectStyle>
+          <a:effectLst/>
+        </a:effectStyle>
+        <a:effectStyle>
+          <a:effectLst/>
+        </a:effectStyle>
+        <a:effectStyle>
+          <a:effectLst>
+            <a:outerShdw blurRad="57150" dist="19050" dir="5400000" algn="ctr" rotWithShape="0">
+              <a:srgbClr val="000000">
+                <a:alpha val="63000"/>
+              </a:srgbClr>
+            </a:outerShdw>
+          </a:effectLst>
+        </a:effectStyle>
+      </a:effectStyleLst>
+      <a:bgFillStyleLst>
+        <a:solidFill>
+          <a:schemeClr val="phClr"/>
+        </a:solidFill>
+        <a:solidFill>
+          <a:schemeClr val="phClr">
+            <a:tint val="95000"/>
+            <a:satMod val="170000"/>
+          </a:schemeClr>
+        </a:solidFill>
+        <a:gradFill rotWithShape="1">
+          <a:gsLst>
+            <a:gs pos="0">
+              <a:schemeClr val="phClr">
+                <a:tint val="93000"/>
+                <a:satMod val="150000"/>
+                <a:shade val="98000"/>
+                <a:lumMod val="102000"/>
+              </a:schemeClr>
+            </a:gs>
+            <a:gs pos="50000">
+              <a:schemeClr val="phClr">
+                <a:tint val="98000"/>
+                <a:satMod val="130000"/>
+                <a:shade val="90000"/>
+                <a:lumMod val="103000"/>
+              </a:schemeClr>
+            </a:gs>
+            <a:gs pos="100000">
+              <a:schemeClr val="phClr">
+                <a:shade val="63000"/>
+                <a:satMod val="120000"/>
+              </a:schemeClr>
+            </a:gs>
+          </a:gsLst>
+          <a:lin ang="5400000" scaled="0"/>
+        </a:gradFill>
+      </a:bgFillStyleLst>
+    </a:fmtScheme>
+  </a:themeElements>
+  <a:objectDefaults>
+    <a:lnDef>
+      <a:spPr/>
+      <a:bodyPr/>
+      <a:lstStyle/>
+      <a:style>
+        <a:lnRef idx="2">
+          <a:schemeClr val="accent1"/>
+        </a:lnRef>
+        <a:fillRef idx="0">
+          <a:schemeClr val="accent1"/>
+        </a:fillRef>
+        <a:effectRef idx="1">
+          <a:schemeClr val="accent1"/>
+        </a:effectRef>
+        <a:fontRef idx="minor">
+          <a:schemeClr val="tx1"/>
+        </a:fontRef>
+      </a:style>
+    </a:lnDef>
+  </a:objectDefaults>
+  <a:extraClrSchemeLst/>
+  <a:extLst>
+    <a:ext uri="{05A4C25C-085E-4340-85A3-A5531E510DB2}">
+      <thm15:themeFamily xmlns:thm15="http://schemas.microsoft.com/office/thememl/2012/main" name="Office Theme" id="{2E142A2C-CD16-42D6-873A-C26D2A0506FA}" vid="{1BDDFF52-6CD6-40A5-AB3C-68EB2F1E4D0A}"/>
+    </a:ext>
+  </a:extLst>
+</a:theme>
 </file>
--- a/data/Slide_project_1.pptx
+++ b/data/Slide_project_1.pptx
@@ -5,22 +5,24 @@
     <p:sldMasterId id="2147483648" r:id="rId1"/>
   </p:sldMasterIdLst>
   <p:notesMasterIdLst>
-    <p:notesMasterId r:id="rId15"/>
+    <p:notesMasterId r:id="rId17"/>
   </p:notesMasterIdLst>
   <p:sldIdLst>
-    <p:sldId id="270" r:id="rId2"/>
-    <p:sldId id="256" r:id="rId3"/>
-    <p:sldId id="257" r:id="rId4"/>
-    <p:sldId id="258" r:id="rId5"/>
-    <p:sldId id="259" r:id="rId6"/>
-    <p:sldId id="260" r:id="rId7"/>
-    <p:sldId id="261" r:id="rId8"/>
-    <p:sldId id="262" r:id="rId9"/>
-    <p:sldId id="263" r:id="rId10"/>
-    <p:sldId id="264" r:id="rId11"/>
-    <p:sldId id="267" r:id="rId12"/>
-    <p:sldId id="268" r:id="rId13"/>
-    <p:sldId id="269" r:id="rId14"/>
+    <p:sldId id="271" r:id="rId2"/>
+    <p:sldId id="272" r:id="rId3"/>
+    <p:sldId id="273" r:id="rId4"/>
+    <p:sldId id="256" r:id="rId5"/>
+    <p:sldId id="257" r:id="rId6"/>
+    <p:sldId id="258" r:id="rId7"/>
+    <p:sldId id="259" r:id="rId8"/>
+    <p:sldId id="260" r:id="rId9"/>
+    <p:sldId id="261" r:id="rId10"/>
+    <p:sldId id="262" r:id="rId11"/>
+    <p:sldId id="263" r:id="rId12"/>
+    <p:sldId id="264" r:id="rId13"/>
+    <p:sldId id="267" r:id="rId14"/>
+    <p:sldId id="268" r:id="rId15"/>
+    <p:sldId id="269" r:id="rId16"/>
   </p:sldIdLst>
   <p:sldSz cx="12192000" cy="6858000"/>
   <p:notesSz cx="6858000" cy="9144000"/>
@@ -124,7 +126,9 @@
       <p14:sectionLst xmlns:p14="http://schemas.microsoft.com/office/powerpoint/2010/main">
         <p14:section name="Default Section" id="{C210C4E1-EE01-482E-A37A-892DED89ACF5}">
           <p14:sldIdLst>
-            <p14:sldId id="270"/>
+            <p14:sldId id="271"/>
+            <p14:sldId id="272"/>
+            <p14:sldId id="273"/>
           </p14:sldIdLst>
         </p14:section>
         <p14:section name="Untitled Section" id="{751D9A84-1280-40EF-A9EC-836717B420F9}">
@@ -242,7 +246,7 @@
           <a:p>
             <a:fld id="{06860000-396C-41D3-8378-B41EF70AAAE2}" type="datetimeFigureOut">
               <a:rPr lang="en-US" smtClean="0"/>
-              <a:t>10/21/2024</a:t>
+              <a:t>10/22/2024</a:t>
             </a:fld>
             <a:endParaRPr lang="en-US"/>
           </a:p>
@@ -574,7 +578,7 @@
           <a:p>
             <a:fld id="{2C59D1FD-5110-4946-AE7D-28B263BBFEF2}" type="slidenum">
               <a:rPr lang="en-US" smtClean="0"/>
-              <a:t>4</a:t>
+              <a:t>6</a:t>
             </a:fld>
             <a:endParaRPr lang="en-US"/>
           </a:p>
@@ -740,7 +744,7 @@
           <a:p>
             <a:fld id="{64F762D2-EC57-4374-9EAD-FA616AE204F1}" type="datetimeFigureOut">
               <a:rPr lang="en-US" smtClean="0"/>
-              <a:t>10/21/2024</a:t>
+              <a:t>10/22/2024</a:t>
             </a:fld>
             <a:endParaRPr lang="en-US"/>
           </a:p>
@@ -938,7 +942,7 @@
           <a:p>
             <a:fld id="{64F762D2-EC57-4374-9EAD-FA616AE204F1}" type="datetimeFigureOut">
               <a:rPr lang="en-US" smtClean="0"/>
-              <a:t>10/21/2024</a:t>
+              <a:t>10/22/2024</a:t>
             </a:fld>
             <a:endParaRPr lang="en-US"/>
           </a:p>
@@ -1146,7 +1150,7 @@
           <a:p>
             <a:fld id="{64F762D2-EC57-4374-9EAD-FA616AE204F1}" type="datetimeFigureOut">
               <a:rPr lang="en-US" smtClean="0"/>
-              <a:t>10/21/2024</a:t>
+              <a:t>10/22/2024</a:t>
             </a:fld>
             <a:endParaRPr lang="en-US"/>
           </a:p>
@@ -1344,7 +1348,7 @@
           <a:p>
             <a:fld id="{64F762D2-EC57-4374-9EAD-FA616AE204F1}" type="datetimeFigureOut">
               <a:rPr lang="en-US" smtClean="0"/>
-              <a:t>10/21/2024</a:t>
+              <a:t>10/22/2024</a:t>
             </a:fld>
             <a:endParaRPr lang="en-US"/>
           </a:p>
@@ -1619,7 +1623,7 @@
           <a:p>
             <a:fld id="{64F762D2-EC57-4374-9EAD-FA616AE204F1}" type="datetimeFigureOut">
               <a:rPr lang="en-US" smtClean="0"/>
-              <a:t>10/21/2024</a:t>
+              <a:t>10/22/2024</a:t>
             </a:fld>
             <a:endParaRPr lang="en-US"/>
           </a:p>
@@ -1884,7 +1888,7 @@
           <a:p>
             <a:fld id="{64F762D2-EC57-4374-9EAD-FA616AE204F1}" type="datetimeFigureOut">
               <a:rPr lang="en-US" smtClean="0"/>
-              <a:t>10/21/2024</a:t>
+              <a:t>10/22/2024</a:t>
             </a:fld>
             <a:endParaRPr lang="en-US"/>
           </a:p>
@@ -2296,7 +2300,7 @@
           <a:p>
             <a:fld id="{64F762D2-EC57-4374-9EAD-FA616AE204F1}" type="datetimeFigureOut">
               <a:rPr lang="en-US" smtClean="0"/>
-              <a:t>10/21/2024</a:t>
+              <a:t>10/22/2024</a:t>
             </a:fld>
             <a:endParaRPr lang="en-US"/>
           </a:p>
@@ -2437,7 +2441,7 @@
           <a:p>
             <a:fld id="{64F762D2-EC57-4374-9EAD-FA616AE204F1}" type="datetimeFigureOut">
               <a:rPr lang="en-US" smtClean="0"/>
-              <a:t>10/21/2024</a:t>
+              <a:t>10/22/2024</a:t>
             </a:fld>
             <a:endParaRPr lang="en-US"/>
           </a:p>
@@ -2550,7 +2554,7 @@
           <a:p>
             <a:fld id="{64F762D2-EC57-4374-9EAD-FA616AE204F1}" type="datetimeFigureOut">
               <a:rPr lang="en-US" smtClean="0"/>
-              <a:t>10/21/2024</a:t>
+              <a:t>10/22/2024</a:t>
             </a:fld>
             <a:endParaRPr lang="en-US"/>
           </a:p>
@@ -2861,7 +2865,7 @@
           <a:p>
             <a:fld id="{64F762D2-EC57-4374-9EAD-FA616AE204F1}" type="datetimeFigureOut">
               <a:rPr lang="en-US" smtClean="0"/>
-              <a:t>10/21/2024</a:t>
+              <a:t>10/22/2024</a:t>
             </a:fld>
             <a:endParaRPr lang="en-US"/>
           </a:p>
@@ -3149,7 +3153,7 @@
           <a:p>
             <a:fld id="{64F762D2-EC57-4374-9EAD-FA616AE204F1}" type="datetimeFigureOut">
               <a:rPr lang="en-US" smtClean="0"/>
-              <a:t>10/21/2024</a:t>
+              <a:t>10/22/2024</a:t>
             </a:fld>
             <a:endParaRPr lang="en-US"/>
           </a:p>
@@ -3390,7 +3394,7 @@
           <a:p>
             <a:fld id="{64F762D2-EC57-4374-9EAD-FA616AE204F1}" type="datetimeFigureOut">
               <a:rPr lang="en-US" smtClean="0"/>
-              <a:t>10/21/2024</a:t>
+              <a:t>10/22/2024</a:t>
             </a:fld>
             <a:endParaRPr lang="en-US"/>
           </a:p>
@@ -3807,10 +3811,127 @@
           <a:chExt cx="0" cy="0"/>
         </a:xfrm>
       </p:grpSpPr>
+      <p:sp>
+        <p:nvSpPr>
+          <p:cNvPr id="2" name="Title 1">
+            <a:extLst>
+              <a:ext uri="{FF2B5EF4-FFF2-40B4-BE49-F238E27FC236}">
+                <a16:creationId xmlns:a16="http://schemas.microsoft.com/office/drawing/2014/main" id="{F01978B2-AE99-1A60-7B22-E832020F0FF5}"/>
+              </a:ext>
+            </a:extLst>
+          </p:cNvPr>
+          <p:cNvSpPr>
+            <a:spLocks noGrp="1"/>
+          </p:cNvSpPr>
+          <p:nvPr>
+            <p:ph type="ctrTitle"/>
+          </p:nvPr>
+        </p:nvSpPr>
+        <p:spPr/>
+        <p:txBody>
+          <a:bodyPr/>
+          <a:lstStyle/>
+          <a:p>
+            <a:r>
+              <a:rPr lang="en-US" b="0" i="0" dirty="0">
+                <a:solidFill>
+                  <a:srgbClr val="1F2328"/>
+                </a:solidFill>
+                <a:effectLst/>
+                <a:latin typeface="-apple-system"/>
+              </a:rPr>
+              <a:t>Crypto, Chips, and Market Correlation</a:t>
+            </a:r>
+            <a:endParaRPr lang="en-US" dirty="0"/>
+          </a:p>
+        </p:txBody>
+      </p:sp>
+      <p:sp>
+        <p:nvSpPr>
+          <p:cNvPr id="3" name="Subtitle 2">
+            <a:extLst>
+              <a:ext uri="{FF2B5EF4-FFF2-40B4-BE49-F238E27FC236}">
+                <a16:creationId xmlns:a16="http://schemas.microsoft.com/office/drawing/2014/main" id="{FF1F9E25-2887-E6D9-A354-85075A107010}"/>
+              </a:ext>
+            </a:extLst>
+          </p:cNvPr>
+          <p:cNvSpPr>
+            <a:spLocks noGrp="1"/>
+          </p:cNvSpPr>
+          <p:nvPr>
+            <p:ph type="subTitle" idx="1"/>
+          </p:nvPr>
+        </p:nvSpPr>
+        <p:spPr/>
+        <p:txBody>
+          <a:bodyPr/>
+          <a:lstStyle/>
+          <a:p>
+            <a:r>
+              <a:rPr lang="en-US" dirty="0"/>
+              <a:t>By </a:t>
+            </a:r>
+            <a:r>
+              <a:rPr lang="en-US" b="0" i="0" dirty="0">
+                <a:solidFill>
+                  <a:srgbClr val="1F2328"/>
+                </a:solidFill>
+                <a:effectLst/>
+                <a:latin typeface="-apple-system"/>
+              </a:rPr>
+              <a:t>Caleb Allen, Belay Hagos, </a:t>
+            </a:r>
+            <a:r>
+              <a:rPr lang="en-US" b="0" i="0" dirty="0" err="1">
+                <a:solidFill>
+                  <a:srgbClr val="1F2328"/>
+                </a:solidFill>
+                <a:effectLst/>
+                <a:latin typeface="-apple-system"/>
+              </a:rPr>
+              <a:t>Myroslav</a:t>
+            </a:r>
+            <a:r>
+              <a:rPr lang="en-US" b="0" i="0" dirty="0">
+                <a:solidFill>
+                  <a:srgbClr val="1F2328"/>
+                </a:solidFill>
+                <a:effectLst/>
+                <a:latin typeface="-apple-system"/>
+              </a:rPr>
+              <a:t> </a:t>
+            </a:r>
+            <a:r>
+              <a:rPr lang="en-US" b="0" i="0" dirty="0" err="1">
+                <a:solidFill>
+                  <a:srgbClr val="1F2328"/>
+                </a:solidFill>
+                <a:effectLst/>
+                <a:latin typeface="-apple-system"/>
+              </a:rPr>
+              <a:t>Protsiv</a:t>
+            </a:r>
+            <a:r>
+              <a:rPr lang="en-US" b="0" i="0" dirty="0">
+                <a:solidFill>
+                  <a:srgbClr val="1F2328"/>
+                </a:solidFill>
+                <a:effectLst/>
+                <a:latin typeface="-apple-system"/>
+              </a:rPr>
+              <a:t>, and Cyril Varghese</a:t>
+            </a:r>
+            <a:endParaRPr lang="en-US" dirty="0"/>
+          </a:p>
+          <a:p>
+            <a:endParaRPr lang="en-US" dirty="0"/>
+          </a:p>
+        </p:txBody>
+      </p:sp>
     </p:spTree>
     <p:extLst>
       <p:ext uri="{BB962C8B-B14F-4D97-AF65-F5344CB8AC3E}">
-        <p14:creationId xmlns:p14="http://schemas.microsoft.com/office/powerpoint/2010/main" val="3566479495"/>
+        <p14:creationId xmlns:p14="http://schemas.microsoft.com/office/powerpoint/2010/main" val="757156077"/>
       </p:ext>
     </p:extLst>
   </p:cSld>
@@ -3842,7 +3963,7 @@
           <p:cNvPr id="3" name="Picture 2">
             <a:extLst>
               <a:ext uri="{FF2B5EF4-FFF2-40B4-BE49-F238E27FC236}">
-                <a16:creationId xmlns:a16="http://schemas.microsoft.com/office/drawing/2014/main" id="{A4E5D9CE-EC69-508B-9F46-88279E7C8EDD}"/>
+                <a16:creationId xmlns:a16="http://schemas.microsoft.com/office/drawing/2014/main" id="{5DEB660C-6B24-C68D-C19A-38FA0EA93C9E}"/>
               </a:ext>
             </a:extLst>
           </p:cNvPr>
@@ -3859,8 +3980,8 @@
         </p:blipFill>
         <p:spPr>
           <a:xfrm>
-            <a:off x="359182" y="1462133"/>
-            <a:ext cx="11126164" cy="3330229"/>
+            <a:off x="502435" y="1748644"/>
+            <a:ext cx="11187129" cy="3360711"/>
           </a:xfrm>
           <a:prstGeom prst="rect">
             <a:avLst/>
@@ -3872,7 +3993,7 @@
           <p:cNvPr id="5" name="TextBox 4">
             <a:extLst>
               <a:ext uri="{FF2B5EF4-FFF2-40B4-BE49-F238E27FC236}">
-                <a16:creationId xmlns:a16="http://schemas.microsoft.com/office/drawing/2014/main" id="{E55D41D6-9E5F-FD44-6280-414E15F5F537}"/>
+                <a16:creationId xmlns:a16="http://schemas.microsoft.com/office/drawing/2014/main" id="{EBB5474D-EF7A-0E47-8F49-663E2F3F247E}"/>
               </a:ext>
             </a:extLst>
           </p:cNvPr>
@@ -3881,8 +4002,8 @@
         </p:nvSpPr>
         <p:spPr>
           <a:xfrm>
-            <a:off x="2672334" y="903470"/>
-            <a:ext cx="4048506" cy="369332"/>
+            <a:off x="3257550" y="583430"/>
+            <a:ext cx="6094476" cy="369332"/>
           </a:xfrm>
           <a:prstGeom prst="rect">
             <a:avLst/>
@@ -3897,7 +4018,7 @@
           <a:p>
             <a:r>
               <a:rPr lang="en-US" dirty="0"/>
-              <a:t>data/Stocks Index Volume Change.png</a:t>
+              <a:t>data/Stocks Index Daily Price Change.png</a:t>
             </a:r>
           </a:p>
         </p:txBody>
@@ -3907,7 +4028,7 @@
           <p:cNvPr id="6" name="Subtitle 2">
             <a:extLst>
               <a:ext uri="{FF2B5EF4-FFF2-40B4-BE49-F238E27FC236}">
-                <a16:creationId xmlns:a16="http://schemas.microsoft.com/office/drawing/2014/main" id="{01CB3FE2-CDDD-B7DF-C054-41E684A4D96D}"/>
+                <a16:creationId xmlns:a16="http://schemas.microsoft.com/office/drawing/2014/main" id="{F19E865C-4F90-7BA8-C4C8-047AB6540737}"/>
               </a:ext>
             </a:extLst>
           </p:cNvPr>
@@ -4107,7 +4228,7 @@
     </p:spTree>
     <p:extLst>
       <p:ext uri="{BB962C8B-B14F-4D97-AF65-F5344CB8AC3E}">
-        <p14:creationId xmlns:p14="http://schemas.microsoft.com/office/powerpoint/2010/main" val="2392416337"/>
+        <p14:creationId xmlns:p14="http://schemas.microsoft.com/office/powerpoint/2010/main" val="2951946761"/>
       </p:ext>
     </p:extLst>
   </p:cSld>
@@ -4139,7 +4260,7 @@
           <p:cNvPr id="3" name="Picture 2">
             <a:extLst>
               <a:ext uri="{FF2B5EF4-FFF2-40B4-BE49-F238E27FC236}">
-                <a16:creationId xmlns:a16="http://schemas.microsoft.com/office/drawing/2014/main" id="{D1C5F7FA-CB9D-1C77-5D99-261A7C2AF6F1}"/>
+                <a16:creationId xmlns:a16="http://schemas.microsoft.com/office/drawing/2014/main" id="{2A8E2515-FAC1-344D-592C-80C2A6610B5F}"/>
               </a:ext>
             </a:extLst>
           </p:cNvPr>
@@ -4156,8 +4277,8 @@
         </p:blipFill>
         <p:spPr>
           <a:xfrm>
-            <a:off x="756952" y="1820269"/>
-            <a:ext cx="10988992" cy="3436918"/>
+            <a:off x="502435" y="1615283"/>
+            <a:ext cx="11187129" cy="3627434"/>
           </a:xfrm>
           <a:prstGeom prst="rect">
             <a:avLst/>
@@ -4169,7 +4290,7 @@
           <p:cNvPr id="5" name="TextBox 4">
             <a:extLst>
               <a:ext uri="{FF2B5EF4-FFF2-40B4-BE49-F238E27FC236}">
-                <a16:creationId xmlns:a16="http://schemas.microsoft.com/office/drawing/2014/main" id="{4314CB06-667A-322C-9B86-24783913C43A}"/>
+                <a16:creationId xmlns:a16="http://schemas.microsoft.com/office/drawing/2014/main" id="{96936E20-770B-1922-E91F-509F187A37E8}"/>
               </a:ext>
             </a:extLst>
           </p:cNvPr>
@@ -4178,8 +4299,8 @@
         </p:nvSpPr>
         <p:spPr>
           <a:xfrm>
-            <a:off x="2809494" y="830318"/>
-            <a:ext cx="6094476" cy="369332"/>
+            <a:off x="2919222" y="546854"/>
+            <a:ext cx="3838194" cy="369332"/>
           </a:xfrm>
           <a:prstGeom prst="rect">
             <a:avLst/>
@@ -4194,7 +4315,7 @@
           <a:p>
             <a:r>
               <a:rPr lang="en-US" dirty="0"/>
-              <a:t>data/Custom D.png </a:t>
+              <a:t>data/Stocks Index Price Change.png</a:t>
             </a:r>
           </a:p>
         </p:txBody>
@@ -4204,7 +4325,7 @@
           <p:cNvPr id="6" name="Subtitle 2">
             <a:extLst>
               <a:ext uri="{FF2B5EF4-FFF2-40B4-BE49-F238E27FC236}">
-                <a16:creationId xmlns:a16="http://schemas.microsoft.com/office/drawing/2014/main" id="{6EBC6D0C-00F0-4A7B-B509-D0ECF1806456}"/>
+                <a16:creationId xmlns:a16="http://schemas.microsoft.com/office/drawing/2014/main" id="{70B72517-9CBF-E46B-0267-8AB4A608A213}"/>
               </a:ext>
             </a:extLst>
           </p:cNvPr>
@@ -4215,7 +4336,7 @@
         </p:nvSpPr>
         <p:spPr>
           <a:xfrm>
-            <a:off x="3602736" y="5594342"/>
+            <a:off x="3749040" y="5212080"/>
             <a:ext cx="3739896" cy="283464"/>
           </a:xfrm>
           <a:prstGeom prst="rect">
@@ -4404,7 +4525,7 @@
     </p:spTree>
     <p:extLst>
       <p:ext uri="{BB962C8B-B14F-4D97-AF65-F5344CB8AC3E}">
-        <p14:creationId xmlns:p14="http://schemas.microsoft.com/office/powerpoint/2010/main" val="34757759"/>
+        <p14:creationId xmlns:p14="http://schemas.microsoft.com/office/powerpoint/2010/main" val="3486262287"/>
       </p:ext>
     </p:extLst>
   </p:cSld>
@@ -4436,6 +4557,600 @@
           <p:cNvPr id="3" name="Picture 2">
             <a:extLst>
               <a:ext uri="{FF2B5EF4-FFF2-40B4-BE49-F238E27FC236}">
+                <a16:creationId xmlns:a16="http://schemas.microsoft.com/office/drawing/2014/main" id="{A4E5D9CE-EC69-508B-9F46-88279E7C8EDD}"/>
+              </a:ext>
+            </a:extLst>
+          </p:cNvPr>
+          <p:cNvPicPr>
+            <a:picLocks noChangeAspect="1"/>
+          </p:cNvPicPr>
+          <p:nvPr/>
+        </p:nvPicPr>
+        <p:blipFill>
+          <a:blip r:embed="rId2"/>
+          <a:stretch>
+            <a:fillRect/>
+          </a:stretch>
+        </p:blipFill>
+        <p:spPr>
+          <a:xfrm>
+            <a:off x="359182" y="1462133"/>
+            <a:ext cx="11126164" cy="3330229"/>
+          </a:xfrm>
+          <a:prstGeom prst="rect">
+            <a:avLst/>
+          </a:prstGeom>
+        </p:spPr>
+      </p:pic>
+      <p:sp>
+        <p:nvSpPr>
+          <p:cNvPr id="5" name="TextBox 4">
+            <a:extLst>
+              <a:ext uri="{FF2B5EF4-FFF2-40B4-BE49-F238E27FC236}">
+                <a16:creationId xmlns:a16="http://schemas.microsoft.com/office/drawing/2014/main" id="{E55D41D6-9E5F-FD44-6280-414E15F5F537}"/>
+              </a:ext>
+            </a:extLst>
+          </p:cNvPr>
+          <p:cNvSpPr txBox="1"/>
+          <p:nvPr/>
+        </p:nvSpPr>
+        <p:spPr>
+          <a:xfrm>
+            <a:off x="2672334" y="903470"/>
+            <a:ext cx="4048506" cy="369332"/>
+          </a:xfrm>
+          <a:prstGeom prst="rect">
+            <a:avLst/>
+          </a:prstGeom>
+          <a:noFill/>
+        </p:spPr>
+        <p:txBody>
+          <a:bodyPr wrap="square">
+            <a:spAutoFit/>
+          </a:bodyPr>
+          <a:lstStyle/>
+          <a:p>
+            <a:r>
+              <a:rPr lang="en-US" dirty="0"/>
+              <a:t>data/Stocks Index Volume Change.png</a:t>
+            </a:r>
+          </a:p>
+        </p:txBody>
+      </p:sp>
+      <p:sp>
+        <p:nvSpPr>
+          <p:cNvPr id="6" name="Subtitle 2">
+            <a:extLst>
+              <a:ext uri="{FF2B5EF4-FFF2-40B4-BE49-F238E27FC236}">
+                <a16:creationId xmlns:a16="http://schemas.microsoft.com/office/drawing/2014/main" id="{01CB3FE2-CDDD-B7DF-C054-41E684A4D96D}"/>
+              </a:ext>
+            </a:extLst>
+          </p:cNvPr>
+          <p:cNvSpPr txBox="1">
+            <a:spLocks/>
+          </p:cNvSpPr>
+          <p:nvPr/>
+        </p:nvSpPr>
+        <p:spPr>
+          <a:xfrm>
+            <a:off x="3749040" y="5212080"/>
+            <a:ext cx="3739896" cy="283464"/>
+          </a:xfrm>
+          <a:prstGeom prst="rect">
+            <a:avLst/>
+          </a:prstGeom>
+        </p:spPr>
+        <p:txBody>
+          <a:bodyPr>
+            <a:normAutofit fontScale="55000" lnSpcReduction="20000"/>
+          </a:bodyPr>
+          <a:lstStyle>
+            <a:lvl1pPr marL="228600" indent="-228600" algn="l" defTabSz="914400" rtl="0" eaLnBrk="1" latinLnBrk="0" hangingPunct="1">
+              <a:lnSpc>
+                <a:spcPct val="90000"/>
+              </a:lnSpc>
+              <a:spcBef>
+                <a:spcPts val="1000"/>
+              </a:spcBef>
+              <a:buFont typeface="Arial" panose="020B0604020202020204" pitchFamily="34" charset="0"/>
+              <a:buChar char="•"/>
+              <a:defRPr sz="2800" kern="1200">
+                <a:solidFill>
+                  <a:schemeClr val="tx1"/>
+                </a:solidFill>
+                <a:latin typeface="+mn-lt"/>
+                <a:ea typeface="+mn-ea"/>
+                <a:cs typeface="+mn-cs"/>
+              </a:defRPr>
+            </a:lvl1pPr>
+            <a:lvl2pPr marL="685800" indent="-228600" algn="l" defTabSz="914400" rtl="0" eaLnBrk="1" latinLnBrk="0" hangingPunct="1">
+              <a:lnSpc>
+                <a:spcPct val="90000"/>
+              </a:lnSpc>
+              <a:spcBef>
+                <a:spcPts val="500"/>
+              </a:spcBef>
+              <a:buFont typeface="Arial" panose="020B0604020202020204" pitchFamily="34" charset="0"/>
+              <a:buChar char="•"/>
+              <a:defRPr sz="2400" kern="1200">
+                <a:solidFill>
+                  <a:schemeClr val="tx1"/>
+                </a:solidFill>
+                <a:latin typeface="+mn-lt"/>
+                <a:ea typeface="+mn-ea"/>
+                <a:cs typeface="+mn-cs"/>
+              </a:defRPr>
+            </a:lvl2pPr>
+            <a:lvl3pPr marL="1143000" indent="-228600" algn="l" defTabSz="914400" rtl="0" eaLnBrk="1" latinLnBrk="0" hangingPunct="1">
+              <a:lnSpc>
+                <a:spcPct val="90000"/>
+              </a:lnSpc>
+              <a:spcBef>
+                <a:spcPts val="500"/>
+              </a:spcBef>
+              <a:buFont typeface="Arial" panose="020B0604020202020204" pitchFamily="34" charset="0"/>
+              <a:buChar char="•"/>
+              <a:defRPr sz="2000" kern="1200">
+                <a:solidFill>
+                  <a:schemeClr val="tx1"/>
+                </a:solidFill>
+                <a:latin typeface="+mn-lt"/>
+                <a:ea typeface="+mn-ea"/>
+                <a:cs typeface="+mn-cs"/>
+              </a:defRPr>
+            </a:lvl3pPr>
+            <a:lvl4pPr marL="1600200" indent="-228600" algn="l" defTabSz="914400" rtl="0" eaLnBrk="1" latinLnBrk="0" hangingPunct="1">
+              <a:lnSpc>
+                <a:spcPct val="90000"/>
+              </a:lnSpc>
+              <a:spcBef>
+                <a:spcPts val="500"/>
+              </a:spcBef>
+              <a:buFont typeface="Arial" panose="020B0604020202020204" pitchFamily="34" charset="0"/>
+              <a:buChar char="•"/>
+              <a:defRPr sz="1800" kern="1200">
+                <a:solidFill>
+                  <a:schemeClr val="tx1"/>
+                </a:solidFill>
+                <a:latin typeface="+mn-lt"/>
+                <a:ea typeface="+mn-ea"/>
+                <a:cs typeface="+mn-cs"/>
+              </a:defRPr>
+            </a:lvl4pPr>
+            <a:lvl5pPr marL="2057400" indent="-228600" algn="l" defTabSz="914400" rtl="0" eaLnBrk="1" latinLnBrk="0" hangingPunct="1">
+              <a:lnSpc>
+                <a:spcPct val="90000"/>
+              </a:lnSpc>
+              <a:spcBef>
+                <a:spcPts val="500"/>
+              </a:spcBef>
+              <a:buFont typeface="Arial" panose="020B0604020202020204" pitchFamily="34" charset="0"/>
+              <a:buChar char="•"/>
+              <a:defRPr sz="1800" kern="1200">
+                <a:solidFill>
+                  <a:schemeClr val="tx1"/>
+                </a:solidFill>
+                <a:latin typeface="+mn-lt"/>
+                <a:ea typeface="+mn-ea"/>
+                <a:cs typeface="+mn-cs"/>
+              </a:defRPr>
+            </a:lvl5pPr>
+            <a:lvl6pPr marL="2514600" indent="-228600" algn="l" defTabSz="914400" rtl="0" eaLnBrk="1" latinLnBrk="0" hangingPunct="1">
+              <a:lnSpc>
+                <a:spcPct val="90000"/>
+              </a:lnSpc>
+              <a:spcBef>
+                <a:spcPts val="500"/>
+              </a:spcBef>
+              <a:buFont typeface="Arial" panose="020B0604020202020204" pitchFamily="34" charset="0"/>
+              <a:buChar char="•"/>
+              <a:defRPr sz="1800" kern="1200">
+                <a:solidFill>
+                  <a:schemeClr val="tx1"/>
+                </a:solidFill>
+                <a:latin typeface="+mn-lt"/>
+                <a:ea typeface="+mn-ea"/>
+                <a:cs typeface="+mn-cs"/>
+              </a:defRPr>
+            </a:lvl6pPr>
+            <a:lvl7pPr marL="2971800" indent="-228600" algn="l" defTabSz="914400" rtl="0" eaLnBrk="1" latinLnBrk="0" hangingPunct="1">
+              <a:lnSpc>
+                <a:spcPct val="90000"/>
+              </a:lnSpc>
+              <a:spcBef>
+                <a:spcPts val="500"/>
+              </a:spcBef>
+              <a:buFont typeface="Arial" panose="020B0604020202020204" pitchFamily="34" charset="0"/>
+              <a:buChar char="•"/>
+              <a:defRPr sz="1800" kern="1200">
+                <a:solidFill>
+                  <a:schemeClr val="tx1"/>
+                </a:solidFill>
+                <a:latin typeface="+mn-lt"/>
+                <a:ea typeface="+mn-ea"/>
+                <a:cs typeface="+mn-cs"/>
+              </a:defRPr>
+            </a:lvl7pPr>
+            <a:lvl8pPr marL="3429000" indent="-228600" algn="l" defTabSz="914400" rtl="0" eaLnBrk="1" latinLnBrk="0" hangingPunct="1">
+              <a:lnSpc>
+                <a:spcPct val="90000"/>
+              </a:lnSpc>
+              <a:spcBef>
+                <a:spcPts val="500"/>
+              </a:spcBef>
+              <a:buFont typeface="Arial" panose="020B0604020202020204" pitchFamily="34" charset="0"/>
+              <a:buChar char="•"/>
+              <a:defRPr sz="1800" kern="1200">
+                <a:solidFill>
+                  <a:schemeClr val="tx1"/>
+                </a:solidFill>
+                <a:latin typeface="+mn-lt"/>
+                <a:ea typeface="+mn-ea"/>
+                <a:cs typeface="+mn-cs"/>
+              </a:defRPr>
+            </a:lvl8pPr>
+            <a:lvl9pPr marL="3886200" indent="-228600" algn="l" defTabSz="914400" rtl="0" eaLnBrk="1" latinLnBrk="0" hangingPunct="1">
+              <a:lnSpc>
+                <a:spcPct val="90000"/>
+              </a:lnSpc>
+              <a:spcBef>
+                <a:spcPts val="500"/>
+              </a:spcBef>
+              <a:buFont typeface="Arial" panose="020B0604020202020204" pitchFamily="34" charset="0"/>
+              <a:buChar char="•"/>
+              <a:defRPr sz="1800" kern="1200">
+                <a:solidFill>
+                  <a:schemeClr val="tx1"/>
+                </a:solidFill>
+                <a:latin typeface="+mn-lt"/>
+                <a:ea typeface="+mn-ea"/>
+                <a:cs typeface="+mn-cs"/>
+              </a:defRPr>
+            </a:lvl9pPr>
+          </a:lstStyle>
+          <a:p>
+            <a:pPr marL="0" indent="0">
+              <a:buNone/>
+            </a:pPr>
+            <a:r>
+              <a:rPr lang="en-US" dirty="0"/>
+              <a:t>Caleb</a:t>
+            </a:r>
+          </a:p>
+        </p:txBody>
+      </p:sp>
+    </p:spTree>
+    <p:extLst>
+      <p:ext uri="{BB962C8B-B14F-4D97-AF65-F5344CB8AC3E}">
+        <p14:creationId xmlns:p14="http://schemas.microsoft.com/office/powerpoint/2010/main" val="2392416337"/>
+      </p:ext>
+    </p:extLst>
+  </p:cSld>
+  <p:clrMapOvr>
+    <a:masterClrMapping/>
+  </p:clrMapOvr>
+</p:sld>
+</file>
+
+<file path=ppt/slides/slide13.xml><?xml version="1.0" encoding="utf-8"?>
+<p:sld xmlns:a="http://schemas.openxmlformats.org/drawingml/2006/main" xmlns:r="http://schemas.openxmlformats.org/officeDocument/2006/relationships" xmlns:p="http://schemas.openxmlformats.org/presentationml/2006/main">
+  <p:cSld>
+    <p:spTree>
+      <p:nvGrpSpPr>
+        <p:cNvPr id="1" name=""/>
+        <p:cNvGrpSpPr/>
+        <p:nvPr/>
+      </p:nvGrpSpPr>
+      <p:grpSpPr>
+        <a:xfrm>
+          <a:off x="0" y="0"/>
+          <a:ext cx="0" cy="0"/>
+          <a:chOff x="0" y="0"/>
+          <a:chExt cx="0" cy="0"/>
+        </a:xfrm>
+      </p:grpSpPr>
+      <p:pic>
+        <p:nvPicPr>
+          <p:cNvPr id="3" name="Picture 2">
+            <a:extLst>
+              <a:ext uri="{FF2B5EF4-FFF2-40B4-BE49-F238E27FC236}">
+                <a16:creationId xmlns:a16="http://schemas.microsoft.com/office/drawing/2014/main" id="{D1C5F7FA-CB9D-1C77-5D99-261A7C2AF6F1}"/>
+              </a:ext>
+            </a:extLst>
+          </p:cNvPr>
+          <p:cNvPicPr>
+            <a:picLocks noChangeAspect="1"/>
+          </p:cNvPicPr>
+          <p:nvPr/>
+        </p:nvPicPr>
+        <p:blipFill>
+          <a:blip r:embed="rId2"/>
+          <a:stretch>
+            <a:fillRect/>
+          </a:stretch>
+        </p:blipFill>
+        <p:spPr>
+          <a:xfrm>
+            <a:off x="756952" y="1820269"/>
+            <a:ext cx="10988992" cy="3436918"/>
+          </a:xfrm>
+          <a:prstGeom prst="rect">
+            <a:avLst/>
+          </a:prstGeom>
+        </p:spPr>
+      </p:pic>
+      <p:sp>
+        <p:nvSpPr>
+          <p:cNvPr id="5" name="TextBox 4">
+            <a:extLst>
+              <a:ext uri="{FF2B5EF4-FFF2-40B4-BE49-F238E27FC236}">
+                <a16:creationId xmlns:a16="http://schemas.microsoft.com/office/drawing/2014/main" id="{4314CB06-667A-322C-9B86-24783913C43A}"/>
+              </a:ext>
+            </a:extLst>
+          </p:cNvPr>
+          <p:cNvSpPr txBox="1"/>
+          <p:nvPr/>
+        </p:nvSpPr>
+        <p:spPr>
+          <a:xfrm>
+            <a:off x="2809494" y="830318"/>
+            <a:ext cx="6094476" cy="369332"/>
+          </a:xfrm>
+          <a:prstGeom prst="rect">
+            <a:avLst/>
+          </a:prstGeom>
+          <a:noFill/>
+        </p:spPr>
+        <p:txBody>
+          <a:bodyPr wrap="square">
+            <a:spAutoFit/>
+          </a:bodyPr>
+          <a:lstStyle/>
+          <a:p>
+            <a:r>
+              <a:rPr lang="en-US" dirty="0"/>
+              <a:t>data/Custom D.png </a:t>
+            </a:r>
+          </a:p>
+        </p:txBody>
+      </p:sp>
+      <p:sp>
+        <p:nvSpPr>
+          <p:cNvPr id="6" name="Subtitle 2">
+            <a:extLst>
+              <a:ext uri="{FF2B5EF4-FFF2-40B4-BE49-F238E27FC236}">
+                <a16:creationId xmlns:a16="http://schemas.microsoft.com/office/drawing/2014/main" id="{6EBC6D0C-00F0-4A7B-B509-D0ECF1806456}"/>
+              </a:ext>
+            </a:extLst>
+          </p:cNvPr>
+          <p:cNvSpPr txBox="1">
+            <a:spLocks/>
+          </p:cNvSpPr>
+          <p:nvPr/>
+        </p:nvSpPr>
+        <p:spPr>
+          <a:xfrm>
+            <a:off x="3602736" y="5594342"/>
+            <a:ext cx="3739896" cy="283464"/>
+          </a:xfrm>
+          <a:prstGeom prst="rect">
+            <a:avLst/>
+          </a:prstGeom>
+        </p:spPr>
+        <p:txBody>
+          <a:bodyPr>
+            <a:normAutofit fontScale="55000" lnSpcReduction="20000"/>
+          </a:bodyPr>
+          <a:lstStyle>
+            <a:lvl1pPr marL="228600" indent="-228600" algn="l" defTabSz="914400" rtl="0" eaLnBrk="1" latinLnBrk="0" hangingPunct="1">
+              <a:lnSpc>
+                <a:spcPct val="90000"/>
+              </a:lnSpc>
+              <a:spcBef>
+                <a:spcPts val="1000"/>
+              </a:spcBef>
+              <a:buFont typeface="Arial" panose="020B0604020202020204" pitchFamily="34" charset="0"/>
+              <a:buChar char="•"/>
+              <a:defRPr sz="2800" kern="1200">
+                <a:solidFill>
+                  <a:schemeClr val="tx1"/>
+                </a:solidFill>
+                <a:latin typeface="+mn-lt"/>
+                <a:ea typeface="+mn-ea"/>
+                <a:cs typeface="+mn-cs"/>
+              </a:defRPr>
+            </a:lvl1pPr>
+            <a:lvl2pPr marL="685800" indent="-228600" algn="l" defTabSz="914400" rtl="0" eaLnBrk="1" latinLnBrk="0" hangingPunct="1">
+              <a:lnSpc>
+                <a:spcPct val="90000"/>
+              </a:lnSpc>
+              <a:spcBef>
+                <a:spcPts val="500"/>
+              </a:spcBef>
+              <a:buFont typeface="Arial" panose="020B0604020202020204" pitchFamily="34" charset="0"/>
+              <a:buChar char="•"/>
+              <a:defRPr sz="2400" kern="1200">
+                <a:solidFill>
+                  <a:schemeClr val="tx1"/>
+                </a:solidFill>
+                <a:latin typeface="+mn-lt"/>
+                <a:ea typeface="+mn-ea"/>
+                <a:cs typeface="+mn-cs"/>
+              </a:defRPr>
+            </a:lvl2pPr>
+            <a:lvl3pPr marL="1143000" indent="-228600" algn="l" defTabSz="914400" rtl="0" eaLnBrk="1" latinLnBrk="0" hangingPunct="1">
+              <a:lnSpc>
+                <a:spcPct val="90000"/>
+              </a:lnSpc>
+              <a:spcBef>
+                <a:spcPts val="500"/>
+              </a:spcBef>
+              <a:buFont typeface="Arial" panose="020B0604020202020204" pitchFamily="34" charset="0"/>
+              <a:buChar char="•"/>
+              <a:defRPr sz="2000" kern="1200">
+                <a:solidFill>
+                  <a:schemeClr val="tx1"/>
+                </a:solidFill>
+                <a:latin typeface="+mn-lt"/>
+                <a:ea typeface="+mn-ea"/>
+                <a:cs typeface="+mn-cs"/>
+              </a:defRPr>
+            </a:lvl3pPr>
+            <a:lvl4pPr marL="1600200" indent="-228600" algn="l" defTabSz="914400" rtl="0" eaLnBrk="1" latinLnBrk="0" hangingPunct="1">
+              <a:lnSpc>
+                <a:spcPct val="90000"/>
+              </a:lnSpc>
+              <a:spcBef>
+                <a:spcPts val="500"/>
+              </a:spcBef>
+              <a:buFont typeface="Arial" panose="020B0604020202020204" pitchFamily="34" charset="0"/>
+              <a:buChar char="•"/>
+              <a:defRPr sz="1800" kern="1200">
+                <a:solidFill>
+                  <a:schemeClr val="tx1"/>
+                </a:solidFill>
+                <a:latin typeface="+mn-lt"/>
+                <a:ea typeface="+mn-ea"/>
+                <a:cs typeface="+mn-cs"/>
+              </a:defRPr>
+            </a:lvl4pPr>
+            <a:lvl5pPr marL="2057400" indent="-228600" algn="l" defTabSz="914400" rtl="0" eaLnBrk="1" latinLnBrk="0" hangingPunct="1">
+              <a:lnSpc>
+                <a:spcPct val="90000"/>
+              </a:lnSpc>
+              <a:spcBef>
+                <a:spcPts val="500"/>
+              </a:spcBef>
+              <a:buFont typeface="Arial" panose="020B0604020202020204" pitchFamily="34" charset="0"/>
+              <a:buChar char="•"/>
+              <a:defRPr sz="1800" kern="1200">
+                <a:solidFill>
+                  <a:schemeClr val="tx1"/>
+                </a:solidFill>
+                <a:latin typeface="+mn-lt"/>
+                <a:ea typeface="+mn-ea"/>
+                <a:cs typeface="+mn-cs"/>
+              </a:defRPr>
+            </a:lvl5pPr>
+            <a:lvl6pPr marL="2514600" indent="-228600" algn="l" defTabSz="914400" rtl="0" eaLnBrk="1" latinLnBrk="0" hangingPunct="1">
+              <a:lnSpc>
+                <a:spcPct val="90000"/>
+              </a:lnSpc>
+              <a:spcBef>
+                <a:spcPts val="500"/>
+              </a:spcBef>
+              <a:buFont typeface="Arial" panose="020B0604020202020204" pitchFamily="34" charset="0"/>
+              <a:buChar char="•"/>
+              <a:defRPr sz="1800" kern="1200">
+                <a:solidFill>
+                  <a:schemeClr val="tx1"/>
+                </a:solidFill>
+                <a:latin typeface="+mn-lt"/>
+                <a:ea typeface="+mn-ea"/>
+                <a:cs typeface="+mn-cs"/>
+              </a:defRPr>
+            </a:lvl6pPr>
+            <a:lvl7pPr marL="2971800" indent="-228600" algn="l" defTabSz="914400" rtl="0" eaLnBrk="1" latinLnBrk="0" hangingPunct="1">
+              <a:lnSpc>
+                <a:spcPct val="90000"/>
+              </a:lnSpc>
+              <a:spcBef>
+                <a:spcPts val="500"/>
+              </a:spcBef>
+              <a:buFont typeface="Arial" panose="020B0604020202020204" pitchFamily="34" charset="0"/>
+              <a:buChar char="•"/>
+              <a:defRPr sz="1800" kern="1200">
+                <a:solidFill>
+                  <a:schemeClr val="tx1"/>
+                </a:solidFill>
+                <a:latin typeface="+mn-lt"/>
+                <a:ea typeface="+mn-ea"/>
+                <a:cs typeface="+mn-cs"/>
+              </a:defRPr>
+            </a:lvl7pPr>
+            <a:lvl8pPr marL="3429000" indent="-228600" algn="l" defTabSz="914400" rtl="0" eaLnBrk="1" latinLnBrk="0" hangingPunct="1">
+              <a:lnSpc>
+                <a:spcPct val="90000"/>
+              </a:lnSpc>
+              <a:spcBef>
+                <a:spcPts val="500"/>
+              </a:spcBef>
+              <a:buFont typeface="Arial" panose="020B0604020202020204" pitchFamily="34" charset="0"/>
+              <a:buChar char="•"/>
+              <a:defRPr sz="1800" kern="1200">
+                <a:solidFill>
+                  <a:schemeClr val="tx1"/>
+                </a:solidFill>
+                <a:latin typeface="+mn-lt"/>
+                <a:ea typeface="+mn-ea"/>
+                <a:cs typeface="+mn-cs"/>
+              </a:defRPr>
+            </a:lvl8pPr>
+            <a:lvl9pPr marL="3886200" indent="-228600" algn="l" defTabSz="914400" rtl="0" eaLnBrk="1" latinLnBrk="0" hangingPunct="1">
+              <a:lnSpc>
+                <a:spcPct val="90000"/>
+              </a:lnSpc>
+              <a:spcBef>
+                <a:spcPts val="500"/>
+              </a:spcBef>
+              <a:buFont typeface="Arial" panose="020B0604020202020204" pitchFamily="34" charset="0"/>
+              <a:buChar char="•"/>
+              <a:defRPr sz="1800" kern="1200">
+                <a:solidFill>
+                  <a:schemeClr val="tx1"/>
+                </a:solidFill>
+                <a:latin typeface="+mn-lt"/>
+                <a:ea typeface="+mn-ea"/>
+                <a:cs typeface="+mn-cs"/>
+              </a:defRPr>
+            </a:lvl9pPr>
+          </a:lstStyle>
+          <a:p>
+            <a:pPr marL="0" indent="0">
+              <a:buNone/>
+            </a:pPr>
+            <a:r>
+              <a:rPr lang="en-US" dirty="0"/>
+              <a:t>Caleb</a:t>
+            </a:r>
+          </a:p>
+        </p:txBody>
+      </p:sp>
+    </p:spTree>
+    <p:extLst>
+      <p:ext uri="{BB962C8B-B14F-4D97-AF65-F5344CB8AC3E}">
+        <p14:creationId xmlns:p14="http://schemas.microsoft.com/office/powerpoint/2010/main" val="34757759"/>
+      </p:ext>
+    </p:extLst>
+  </p:cSld>
+  <p:clrMapOvr>
+    <a:masterClrMapping/>
+  </p:clrMapOvr>
+</p:sld>
+</file>
+
+<file path=ppt/slides/slide14.xml><?xml version="1.0" encoding="utf-8"?>
+<p:sld xmlns:a="http://schemas.openxmlformats.org/drawingml/2006/main" xmlns:r="http://schemas.openxmlformats.org/officeDocument/2006/relationships" xmlns:p="http://schemas.openxmlformats.org/presentationml/2006/main">
+  <p:cSld>
+    <p:spTree>
+      <p:nvGrpSpPr>
+        <p:cNvPr id="1" name=""/>
+        <p:cNvGrpSpPr/>
+        <p:nvPr/>
+      </p:nvGrpSpPr>
+      <p:grpSpPr>
+        <a:xfrm>
+          <a:off x="0" y="0"/>
+          <a:ext cx="0" cy="0"/>
+          <a:chOff x="0" y="0"/>
+          <a:chExt cx="0" cy="0"/>
+        </a:xfrm>
+      </p:grpSpPr>
+      <p:pic>
+        <p:nvPicPr>
+          <p:cNvPr id="3" name="Picture 2">
+            <a:extLst>
+              <a:ext uri="{FF2B5EF4-FFF2-40B4-BE49-F238E27FC236}">
                 <a16:creationId xmlns:a16="http://schemas.microsoft.com/office/drawing/2014/main" id="{7FE9A740-DB8C-3323-70A8-CEF5C89ACF83}"/>
               </a:ext>
             </a:extLst>
@@ -4711,7 +5426,7 @@
 </p:sld>
 </file>
 
-<file path=ppt/slides/slide13.xml><?xml version="1.0" encoding="utf-8"?>
+<file path=ppt/slides/slide15.xml><?xml version="1.0" encoding="utf-8"?>
 <p:sld xmlns:a="http://schemas.openxmlformats.org/drawingml/2006/main" xmlns:r="http://schemas.openxmlformats.org/officeDocument/2006/relationships" xmlns:p="http://schemas.openxmlformats.org/presentationml/2006/main">
   <p:cSld>
     <p:spTree>
@@ -5030,7 +5745,7 @@
           <p:cNvPr id="2" name="Title 1">
             <a:extLst>
               <a:ext uri="{FF2B5EF4-FFF2-40B4-BE49-F238E27FC236}">
-                <a16:creationId xmlns:a16="http://schemas.microsoft.com/office/drawing/2014/main" id="{F37CFAFA-7BC0-0323-7673-46FBE70B1C09}"/>
+                <a16:creationId xmlns:a16="http://schemas.microsoft.com/office/drawing/2014/main" id="{CB8B86FA-F3D0-AF1A-632D-261A6213F4F3}"/>
               </a:ext>
             </a:extLst>
           </p:cNvPr>
@@ -5038,200 +5753,134 @@
             <a:spLocks noGrp="1"/>
           </p:cNvSpPr>
           <p:nvPr>
-            <p:ph type="ctrTitle"/>
+            <p:ph type="title"/>
           </p:nvPr>
         </p:nvSpPr>
-        <p:spPr>
-          <a:xfrm>
-            <a:off x="1524000" y="393193"/>
-            <a:ext cx="8947355" cy="749808"/>
-          </a:xfrm>
-        </p:spPr>
+        <p:spPr/>
+        <p:txBody>
+          <a:bodyPr/>
+          <a:lstStyle/>
+          <a:p>
+            <a:r>
+              <a:rPr lang="en-US" dirty="0"/>
+              <a:t>Introduction</a:t>
+            </a:r>
+          </a:p>
+        </p:txBody>
+      </p:sp>
+      <p:sp>
+        <p:nvSpPr>
+          <p:cNvPr id="3" name="Content Placeholder 2">
+            <a:extLst>
+              <a:ext uri="{FF2B5EF4-FFF2-40B4-BE49-F238E27FC236}">
+                <a16:creationId xmlns:a16="http://schemas.microsoft.com/office/drawing/2014/main" id="{505CE188-FDC3-B130-2D3D-51EAA6623AC9}"/>
+              </a:ext>
+            </a:extLst>
+          </p:cNvPr>
+          <p:cNvSpPr>
+            <a:spLocks noGrp="1"/>
+          </p:cNvSpPr>
+          <p:nvPr>
+            <p:ph idx="1"/>
+          </p:nvPr>
+        </p:nvSpPr>
+        <p:spPr/>
         <p:txBody>
           <a:bodyPr>
-            <a:normAutofit/>
+            <a:normAutofit fontScale="92500" lnSpcReduction="10000"/>
           </a:bodyPr>
           <a:lstStyle/>
           <a:p>
             <a:r>
               <a:rPr lang="en-US" sz="2800" dirty="0"/>
-              <a:t>data/Crypto Daily Price Change.png</a:t>
-            </a:r>
-          </a:p>
-        </p:txBody>
-      </p:sp>
-      <p:sp>
-        <p:nvSpPr>
-          <p:cNvPr id="3" name="Subtitle 2">
-            <a:extLst>
-              <a:ext uri="{FF2B5EF4-FFF2-40B4-BE49-F238E27FC236}">
-                <a16:creationId xmlns:a16="http://schemas.microsoft.com/office/drawing/2014/main" id="{16A897C9-FB61-99FC-17FC-19F7A6EEC98B}"/>
-              </a:ext>
-            </a:extLst>
-          </p:cNvPr>
-          <p:cNvSpPr>
-            <a:spLocks noGrp="1"/>
-          </p:cNvSpPr>
-          <p:nvPr>
-            <p:ph type="subTitle" idx="1"/>
-          </p:nvPr>
-        </p:nvSpPr>
-        <p:spPr>
-          <a:xfrm>
-            <a:off x="9391008" y="535784"/>
-            <a:ext cx="2336833" cy="402434"/>
-          </a:xfrm>
-        </p:spPr>
-        <p:txBody>
-          <a:bodyPr>
-            <a:normAutofit lnSpcReduction="10000"/>
-          </a:bodyPr>
-          <a:lstStyle/>
-          <a:p>
-            <a:r>
-              <a:rPr lang="en-US" dirty="0"/>
-              <a:t>Belay</a:t>
-            </a:r>
-          </a:p>
-        </p:txBody>
-      </p:sp>
-      <p:pic>
-        <p:nvPicPr>
-          <p:cNvPr id="5" name="Picture 4">
-            <a:extLst>
-              <a:ext uri="{FF2B5EF4-FFF2-40B4-BE49-F238E27FC236}">
-                <a16:creationId xmlns:a16="http://schemas.microsoft.com/office/drawing/2014/main" id="{FF99FE31-AA53-67BD-4822-E00620C3E1DF}"/>
-              </a:ext>
-            </a:extLst>
-          </p:cNvPr>
-          <p:cNvPicPr>
-            <a:picLocks noChangeAspect="1"/>
-          </p:cNvPicPr>
-          <p:nvPr/>
-        </p:nvPicPr>
-        <p:blipFill>
-          <a:blip r:embed="rId2"/>
-          <a:stretch>
-            <a:fillRect/>
-          </a:stretch>
-        </p:blipFill>
-        <p:spPr>
-          <a:xfrm>
-            <a:off x="170451" y="1316471"/>
-            <a:ext cx="11201401" cy="2743199"/>
-          </a:xfrm>
-          <a:prstGeom prst="rect">
-            <a:avLst/>
-          </a:prstGeom>
-        </p:spPr>
-      </p:pic>
-      <p:sp>
-        <p:nvSpPr>
-          <p:cNvPr id="4" name="TextBox 3">
-            <a:extLst>
-              <a:ext uri="{FF2B5EF4-FFF2-40B4-BE49-F238E27FC236}">
-                <a16:creationId xmlns:a16="http://schemas.microsoft.com/office/drawing/2014/main" id="{457433CD-5E6E-F3C9-FB2C-A3A25053E9F4}"/>
-              </a:ext>
-            </a:extLst>
-          </p:cNvPr>
-          <p:cNvSpPr txBox="1"/>
-          <p:nvPr/>
-        </p:nvSpPr>
-        <p:spPr>
-          <a:xfrm>
-            <a:off x="786580" y="4998777"/>
-            <a:ext cx="10618839" cy="1692771"/>
-          </a:xfrm>
-          <a:prstGeom prst="rect">
-            <a:avLst/>
-          </a:prstGeom>
-          <a:noFill/>
-        </p:spPr>
-        <p:txBody>
-          <a:bodyPr wrap="square" rtlCol="0">
-            <a:spAutoFit/>
-          </a:bodyPr>
-          <a:lstStyle/>
-          <a:p>
-            <a:pPr marL="457200" indent="-457200">
-              <a:buFont typeface="Arial" panose="020B0604020202020204" pitchFamily="34" charset="0"/>
-              <a:buChar char="•"/>
+              <a:t>The goal of our project was to compare crypto prices and chip maker prices to world market indexes to find a trend between them all. </a:t>
+            </a:r>
+          </a:p>
+          <a:p>
+            <a:r>
+              <a:rPr lang="en-US" sz="2800" dirty="0"/>
+              <a:t>To get the data, we used alpaca API where it had all the information for all the all the stocks, cryptos, and indexes that we used. </a:t>
+            </a:r>
+          </a:p>
+          <a:p>
+            <a:r>
+              <a:rPr lang="en-US" sz="2800" dirty="0"/>
+              <a:t>Cleaned the data in </a:t>
+            </a:r>
+            <a:r>
+              <a:rPr lang="en-US" sz="2800" dirty="0" err="1"/>
+              <a:t>jupyter</a:t>
+            </a:r>
+            <a:r>
+              <a:rPr lang="en-US" sz="2800" dirty="0"/>
+              <a:t> notebook by taking out columns not needed and converted timestamp to date format</a:t>
+            </a:r>
+          </a:p>
+          <a:p>
+            <a:r>
+              <a:rPr lang="en-US" sz="2800" dirty="0"/>
+              <a:t>With our data, we wanted to answer three main questions:</a:t>
+            </a:r>
+          </a:p>
+          <a:p>
+            <a:pPr marL="342900" indent="-342900">
+              <a:buAutoNum type="arabicPeriod"/>
             </a:pPr>
             <a:r>
-              <a:rPr lang="en-US" sz="2800" dirty="0"/>
-              <a:t>Th</a:t>
+              <a:rPr lang="en-US" sz="2400" b="0" i="0" dirty="0">
+                <a:solidFill>
+                  <a:srgbClr val="1F2328"/>
+                </a:solidFill>
+                <a:effectLst/>
+                <a:latin typeface="-apple-system"/>
+              </a:rPr>
+              <a:t>Are chip makers and cryptocurrencies prices correlated (avg rate of change in price)?</a:t>
             </a:r>
             <a:r>
               <a:rPr lang="en-US" sz="2400" dirty="0"/>
-              <a:t>e daily price for dogecoin  went up among the 4 cryptocurrency in march 2024.</a:t>
-            </a:r>
-          </a:p>
-          <a:p>
-            <a:pPr marL="457200" indent="-457200">
-              <a:buFont typeface="Arial" panose="020B0604020202020204" pitchFamily="34" charset="0"/>
-              <a:buChar char="•"/>
+              <a:t> </a:t>
+            </a:r>
+          </a:p>
+          <a:p>
+            <a:pPr marL="342900" indent="-342900">
+              <a:buAutoNum type="arabicPeriod" startAt="2"/>
             </a:pPr>
             <a:r>
-              <a:rPr lang="en-US" sz="2400" dirty="0"/>
-              <a:t>The daily price for LTC and </a:t>
-            </a:r>
-            <a:r>
-              <a:rPr lang="en-US" sz="2400" dirty="0" err="1"/>
-              <a:t>Ethrium</a:t>
-            </a:r>
-            <a:r>
-              <a:rPr lang="en-US" sz="2400" dirty="0"/>
-              <a:t> are almost the same entire year.</a:t>
-            </a:r>
-          </a:p>
-          <a:p>
-            <a:pPr marL="457200" indent="-457200">
-              <a:buFont typeface="Arial" panose="020B0604020202020204" pitchFamily="34" charset="0"/>
-              <a:buChar char="•"/>
+              <a:rPr lang="en-US" sz="2400" b="0" i="0" dirty="0">
+                <a:solidFill>
+                  <a:srgbClr val="1F2328"/>
+                </a:solidFill>
+                <a:effectLst/>
+                <a:latin typeface="-apple-system"/>
+              </a:rPr>
+              <a:t>Are there any outliers for any single stock or crypto that might break this correlation?</a:t>
+            </a:r>
+          </a:p>
+          <a:p>
+            <a:pPr marL="342900" indent="-342900">
+              <a:buAutoNum type="arabicPeriod" startAt="2"/>
             </a:pPr>
-            <a:endParaRPr lang="en-US" sz="2800" dirty="0"/>
-          </a:p>
-        </p:txBody>
-      </p:sp>
-      <p:sp>
-        <p:nvSpPr>
-          <p:cNvPr id="6" name="TextBox 5">
-            <a:extLst>
-              <a:ext uri="{FF2B5EF4-FFF2-40B4-BE49-F238E27FC236}">
-                <a16:creationId xmlns:a16="http://schemas.microsoft.com/office/drawing/2014/main" id="{5F1AB268-D37F-80F2-FABB-63BDBBF6BDF3}"/>
-              </a:ext>
-            </a:extLst>
-          </p:cNvPr>
-          <p:cNvSpPr txBox="1"/>
-          <p:nvPr/>
-        </p:nvSpPr>
-        <p:spPr>
-          <a:xfrm>
-            <a:off x="2407298" y="4059670"/>
-            <a:ext cx="6074229" cy="523220"/>
-          </a:xfrm>
-          <a:prstGeom prst="rect">
-            <a:avLst/>
-          </a:prstGeom>
-          <a:noFill/>
-        </p:spPr>
-        <p:txBody>
-          <a:bodyPr wrap="square" rtlCol="0">
-            <a:spAutoFit/>
-          </a:bodyPr>
-          <a:lstStyle/>
-          <a:p>
-            <a:r>
-              <a:rPr lang="en-US" sz="2800" b="1" u="sng" dirty="0"/>
-              <a:t> Observations</a:t>
-            </a:r>
+            <a:r>
+              <a:rPr lang="en-US" sz="2400" b="0" i="0" dirty="0">
+                <a:solidFill>
+                  <a:srgbClr val="1F2328"/>
+                </a:solidFill>
+                <a:effectLst/>
+                <a:latin typeface="-apple-system"/>
+              </a:rPr>
+              <a:t>Is there a better correlation between chip makers and crypto prices and world market indexes?</a:t>
+            </a:r>
+            <a:endParaRPr lang="en-US" sz="2400" dirty="0"/>
+          </a:p>
+          <a:p>
+            <a:endParaRPr lang="en-US" dirty="0"/>
           </a:p>
         </p:txBody>
       </p:sp>
     </p:spTree>
     <p:extLst>
       <p:ext uri="{BB962C8B-B14F-4D97-AF65-F5344CB8AC3E}">
-        <p14:creationId xmlns:p14="http://schemas.microsoft.com/office/powerpoint/2010/main" val="582912560"/>
+        <p14:creationId xmlns:p14="http://schemas.microsoft.com/office/powerpoint/2010/main" val="264170324"/>
       </p:ext>
     </p:extLst>
   </p:cSld>
@@ -5258,348 +5907,257 @@
           <a:chExt cx="0" cy="0"/>
         </a:xfrm>
       </p:grpSpPr>
-      <p:pic>
-        <p:nvPicPr>
-          <p:cNvPr id="3" name="Picture 2">
-            <a:extLst>
-              <a:ext uri="{FF2B5EF4-FFF2-40B4-BE49-F238E27FC236}">
-                <a16:creationId xmlns:a16="http://schemas.microsoft.com/office/drawing/2014/main" id="{D728A6F2-9DFD-8445-AC52-40A9FCA269F7}"/>
-              </a:ext>
-            </a:extLst>
-          </p:cNvPr>
-          <p:cNvPicPr>
-            <a:picLocks noChangeAspect="1"/>
-          </p:cNvPicPr>
-          <p:nvPr/>
-        </p:nvPicPr>
-        <p:blipFill>
-          <a:blip r:embed="rId2"/>
-          <a:stretch>
-            <a:fillRect/>
-          </a:stretch>
-        </p:blipFill>
-        <p:spPr>
-          <a:xfrm>
-            <a:off x="604542" y="804788"/>
-            <a:ext cx="11202371" cy="3010046"/>
-          </a:xfrm>
-          <a:prstGeom prst="rect">
-            <a:avLst/>
-          </a:prstGeom>
-        </p:spPr>
-      </p:pic>
-      <p:sp>
-        <p:nvSpPr>
-          <p:cNvPr id="5" name="TextBox 4">
-            <a:extLst>
-              <a:ext uri="{FF2B5EF4-FFF2-40B4-BE49-F238E27FC236}">
-                <a16:creationId xmlns:a16="http://schemas.microsoft.com/office/drawing/2014/main" id="{E3ACB208-9975-1680-051B-53BAC45A2797}"/>
-              </a:ext>
-            </a:extLst>
-          </p:cNvPr>
-          <p:cNvSpPr txBox="1"/>
-          <p:nvPr/>
-        </p:nvSpPr>
-        <p:spPr>
-          <a:xfrm>
-            <a:off x="2862072" y="226814"/>
-            <a:ext cx="5941314" cy="369332"/>
-          </a:xfrm>
-          <a:prstGeom prst="rect">
-            <a:avLst/>
-          </a:prstGeom>
-          <a:noFill/>
-        </p:spPr>
-        <p:txBody>
-          <a:bodyPr wrap="square">
-            <a:spAutoFit/>
+      <p:sp>
+        <p:nvSpPr>
+          <p:cNvPr id="2" name="Title 1">
+            <a:extLst>
+              <a:ext uri="{FF2B5EF4-FFF2-40B4-BE49-F238E27FC236}">
+                <a16:creationId xmlns:a16="http://schemas.microsoft.com/office/drawing/2014/main" id="{BB7B85F0-BBD5-B6AC-385D-3E78797A6ACE}"/>
+              </a:ext>
+            </a:extLst>
+          </p:cNvPr>
+          <p:cNvSpPr>
+            <a:spLocks noGrp="1"/>
+          </p:cNvSpPr>
+          <p:nvPr>
+            <p:ph type="title"/>
+          </p:nvPr>
+        </p:nvSpPr>
+        <p:spPr/>
+        <p:txBody>
+          <a:bodyPr/>
+          <a:lstStyle/>
+          <a:p>
+            <a:r>
+              <a:rPr lang="en-US" dirty="0"/>
+              <a:t>Key Terms</a:t>
+            </a:r>
+          </a:p>
+        </p:txBody>
+      </p:sp>
+      <p:sp>
+        <p:nvSpPr>
+          <p:cNvPr id="3" name="Content Placeholder 2">
+            <a:extLst>
+              <a:ext uri="{FF2B5EF4-FFF2-40B4-BE49-F238E27FC236}">
+                <a16:creationId xmlns:a16="http://schemas.microsoft.com/office/drawing/2014/main" id="{91856474-4A71-DC0A-9D49-0580371CE782}"/>
+              </a:ext>
+            </a:extLst>
+          </p:cNvPr>
+          <p:cNvSpPr>
+            <a:spLocks noGrp="1"/>
+          </p:cNvSpPr>
+          <p:nvPr>
+            <p:ph sz="half" idx="1"/>
+          </p:nvPr>
+        </p:nvSpPr>
+        <p:spPr/>
+        <p:txBody>
+          <a:bodyPr>
+            <a:normAutofit fontScale="85000" lnSpcReduction="10000"/>
           </a:bodyPr>
           <a:lstStyle/>
           <a:p>
             <a:r>
               <a:rPr lang="en-US" dirty="0"/>
-              <a:t>                        data/Crypto Price Change.png</a:t>
-            </a:r>
-          </a:p>
-        </p:txBody>
-      </p:sp>
-      <p:sp>
-        <p:nvSpPr>
-          <p:cNvPr id="6" name="Subtitle 2">
-            <a:extLst>
-              <a:ext uri="{FF2B5EF4-FFF2-40B4-BE49-F238E27FC236}">
-                <a16:creationId xmlns:a16="http://schemas.microsoft.com/office/drawing/2014/main" id="{1EAF7933-2E48-E510-E99E-7D4E359F4E0C}"/>
-              </a:ext>
-            </a:extLst>
-          </p:cNvPr>
-          <p:cNvSpPr txBox="1">
-            <a:spLocks/>
-          </p:cNvSpPr>
-          <p:nvPr/>
-        </p:nvSpPr>
-        <p:spPr>
-          <a:xfrm>
-            <a:off x="9794404" y="404211"/>
-            <a:ext cx="1620848" cy="383869"/>
-          </a:xfrm>
-          <a:prstGeom prst="rect">
-            <a:avLst/>
-          </a:prstGeom>
-        </p:spPr>
+              <a:t>Price change – The change in price over a certain period</a:t>
+            </a:r>
+          </a:p>
+          <a:p>
+            <a:r>
+              <a:rPr lang="en-US" dirty="0"/>
+              <a:t>Volume change- The change in the number of shares traded over a certain period</a:t>
+            </a:r>
+          </a:p>
+          <a:p>
+            <a:r>
+              <a:rPr lang="en-US" dirty="0"/>
+              <a:t>Correlation – The relationship between two stocks and their price movements.</a:t>
+            </a:r>
+          </a:p>
+          <a:p>
+            <a:r>
+              <a:rPr lang="en-US" dirty="0"/>
+              <a:t>Indexes – Made up of a collection of stocks in the market</a:t>
+            </a:r>
+          </a:p>
+          <a:p>
+            <a:endParaRPr lang="en-US" dirty="0"/>
+          </a:p>
+        </p:txBody>
+      </p:sp>
+      <p:sp>
+        <p:nvSpPr>
+          <p:cNvPr id="4" name="Content Placeholder 3">
+            <a:extLst>
+              <a:ext uri="{FF2B5EF4-FFF2-40B4-BE49-F238E27FC236}">
+                <a16:creationId xmlns:a16="http://schemas.microsoft.com/office/drawing/2014/main" id="{E1036673-B7BA-0475-9C9F-BB3B8D3DCF47}"/>
+              </a:ext>
+            </a:extLst>
+          </p:cNvPr>
+          <p:cNvSpPr>
+            <a:spLocks noGrp="1"/>
+          </p:cNvSpPr>
+          <p:nvPr>
+            <p:ph sz="half" idx="2"/>
+          </p:nvPr>
+        </p:nvSpPr>
+        <p:spPr/>
         <p:txBody>
           <a:bodyPr>
-            <a:normAutofit fontScale="85000" lnSpcReduction="20000"/>
-          </a:bodyPr>
-          <a:lstStyle>
-            <a:lvl1pPr marL="228600" indent="-228600" algn="l" defTabSz="914400" rtl="0" eaLnBrk="1" latinLnBrk="0" hangingPunct="1">
-              <a:lnSpc>
-                <a:spcPct val="90000"/>
-              </a:lnSpc>
-              <a:spcBef>
-                <a:spcPts val="1000"/>
-              </a:spcBef>
-              <a:buFont typeface="Arial" panose="020B0604020202020204" pitchFamily="34" charset="0"/>
-              <a:buChar char="•"/>
-              <a:defRPr sz="2800" kern="1200">
-                <a:solidFill>
-                  <a:schemeClr val="tx1"/>
-                </a:solidFill>
-                <a:latin typeface="+mn-lt"/>
-                <a:ea typeface="+mn-ea"/>
-                <a:cs typeface="+mn-cs"/>
-              </a:defRPr>
-            </a:lvl1pPr>
-            <a:lvl2pPr marL="685800" indent="-228600" algn="l" defTabSz="914400" rtl="0" eaLnBrk="1" latinLnBrk="0" hangingPunct="1">
-              <a:lnSpc>
-                <a:spcPct val="90000"/>
-              </a:lnSpc>
-              <a:spcBef>
-                <a:spcPts val="500"/>
-              </a:spcBef>
-              <a:buFont typeface="Arial" panose="020B0604020202020204" pitchFamily="34" charset="0"/>
-              <a:buChar char="•"/>
-              <a:defRPr sz="2400" kern="1200">
-                <a:solidFill>
-                  <a:schemeClr val="tx1"/>
-                </a:solidFill>
-                <a:latin typeface="+mn-lt"/>
-                <a:ea typeface="+mn-ea"/>
-                <a:cs typeface="+mn-cs"/>
-              </a:defRPr>
-            </a:lvl2pPr>
-            <a:lvl3pPr marL="1143000" indent="-228600" algn="l" defTabSz="914400" rtl="0" eaLnBrk="1" latinLnBrk="0" hangingPunct="1">
-              <a:lnSpc>
-                <a:spcPct val="90000"/>
-              </a:lnSpc>
-              <a:spcBef>
-                <a:spcPts val="500"/>
-              </a:spcBef>
-              <a:buFont typeface="Arial" panose="020B0604020202020204" pitchFamily="34" charset="0"/>
-              <a:buChar char="•"/>
-              <a:defRPr sz="2000" kern="1200">
-                <a:solidFill>
-                  <a:schemeClr val="tx1"/>
-                </a:solidFill>
-                <a:latin typeface="+mn-lt"/>
-                <a:ea typeface="+mn-ea"/>
-                <a:cs typeface="+mn-cs"/>
-              </a:defRPr>
-            </a:lvl3pPr>
-            <a:lvl4pPr marL="1600200" indent="-228600" algn="l" defTabSz="914400" rtl="0" eaLnBrk="1" latinLnBrk="0" hangingPunct="1">
-              <a:lnSpc>
-                <a:spcPct val="90000"/>
-              </a:lnSpc>
-              <a:spcBef>
-                <a:spcPts val="500"/>
-              </a:spcBef>
-              <a:buFont typeface="Arial" panose="020B0604020202020204" pitchFamily="34" charset="0"/>
-              <a:buChar char="•"/>
-              <a:defRPr sz="1800" kern="1200">
-                <a:solidFill>
-                  <a:schemeClr val="tx1"/>
-                </a:solidFill>
-                <a:latin typeface="+mn-lt"/>
-                <a:ea typeface="+mn-ea"/>
-                <a:cs typeface="+mn-cs"/>
-              </a:defRPr>
-            </a:lvl4pPr>
-            <a:lvl5pPr marL="2057400" indent="-228600" algn="l" defTabSz="914400" rtl="0" eaLnBrk="1" latinLnBrk="0" hangingPunct="1">
-              <a:lnSpc>
-                <a:spcPct val="90000"/>
-              </a:lnSpc>
-              <a:spcBef>
-                <a:spcPts val="500"/>
-              </a:spcBef>
-              <a:buFont typeface="Arial" panose="020B0604020202020204" pitchFamily="34" charset="0"/>
-              <a:buChar char="•"/>
-              <a:defRPr sz="1800" kern="1200">
-                <a:solidFill>
-                  <a:schemeClr val="tx1"/>
-                </a:solidFill>
-                <a:latin typeface="+mn-lt"/>
-                <a:ea typeface="+mn-ea"/>
-                <a:cs typeface="+mn-cs"/>
-              </a:defRPr>
-            </a:lvl5pPr>
-            <a:lvl6pPr marL="2514600" indent="-228600" algn="l" defTabSz="914400" rtl="0" eaLnBrk="1" latinLnBrk="0" hangingPunct="1">
-              <a:lnSpc>
-                <a:spcPct val="90000"/>
-              </a:lnSpc>
-              <a:spcBef>
-                <a:spcPts val="500"/>
-              </a:spcBef>
-              <a:buFont typeface="Arial" panose="020B0604020202020204" pitchFamily="34" charset="0"/>
-              <a:buChar char="•"/>
-              <a:defRPr sz="1800" kern="1200">
-                <a:solidFill>
-                  <a:schemeClr val="tx1"/>
-                </a:solidFill>
-                <a:latin typeface="+mn-lt"/>
-                <a:ea typeface="+mn-ea"/>
-                <a:cs typeface="+mn-cs"/>
-              </a:defRPr>
-            </a:lvl6pPr>
-            <a:lvl7pPr marL="2971800" indent="-228600" algn="l" defTabSz="914400" rtl="0" eaLnBrk="1" latinLnBrk="0" hangingPunct="1">
-              <a:lnSpc>
-                <a:spcPct val="90000"/>
-              </a:lnSpc>
-              <a:spcBef>
-                <a:spcPts val="500"/>
-              </a:spcBef>
-              <a:buFont typeface="Arial" panose="020B0604020202020204" pitchFamily="34" charset="0"/>
-              <a:buChar char="•"/>
-              <a:defRPr sz="1800" kern="1200">
-                <a:solidFill>
-                  <a:schemeClr val="tx1"/>
-                </a:solidFill>
-                <a:latin typeface="+mn-lt"/>
-                <a:ea typeface="+mn-ea"/>
-                <a:cs typeface="+mn-cs"/>
-              </a:defRPr>
-            </a:lvl7pPr>
-            <a:lvl8pPr marL="3429000" indent="-228600" algn="l" defTabSz="914400" rtl="0" eaLnBrk="1" latinLnBrk="0" hangingPunct="1">
-              <a:lnSpc>
-                <a:spcPct val="90000"/>
-              </a:lnSpc>
-              <a:spcBef>
-                <a:spcPts val="500"/>
-              </a:spcBef>
-              <a:buFont typeface="Arial" panose="020B0604020202020204" pitchFamily="34" charset="0"/>
-              <a:buChar char="•"/>
-              <a:defRPr sz="1800" kern="1200">
-                <a:solidFill>
-                  <a:schemeClr val="tx1"/>
-                </a:solidFill>
-                <a:latin typeface="+mn-lt"/>
-                <a:ea typeface="+mn-ea"/>
-                <a:cs typeface="+mn-cs"/>
-              </a:defRPr>
-            </a:lvl8pPr>
-            <a:lvl9pPr marL="3886200" indent="-228600" algn="l" defTabSz="914400" rtl="0" eaLnBrk="1" latinLnBrk="0" hangingPunct="1">
-              <a:lnSpc>
-                <a:spcPct val="90000"/>
-              </a:lnSpc>
-              <a:spcBef>
-                <a:spcPts val="500"/>
-              </a:spcBef>
-              <a:buFont typeface="Arial" panose="020B0604020202020204" pitchFamily="34" charset="0"/>
-              <a:buChar char="•"/>
-              <a:defRPr sz="1800" kern="1200">
-                <a:solidFill>
-                  <a:schemeClr val="tx1"/>
-                </a:solidFill>
-                <a:latin typeface="+mn-lt"/>
-                <a:ea typeface="+mn-ea"/>
-                <a:cs typeface="+mn-cs"/>
-              </a:defRPr>
-            </a:lvl9pPr>
-          </a:lstStyle>
-          <a:p>
-            <a:r>
-              <a:rPr lang="en-US" dirty="0"/>
-              <a:t>Belay</a:t>
-            </a:r>
-          </a:p>
-        </p:txBody>
-      </p:sp>
-      <p:sp>
-        <p:nvSpPr>
-          <p:cNvPr id="2" name="TextBox 1">
-            <a:extLst>
-              <a:ext uri="{FF2B5EF4-FFF2-40B4-BE49-F238E27FC236}">
-                <a16:creationId xmlns:a16="http://schemas.microsoft.com/office/drawing/2014/main" id="{14FCF99F-E6BF-9CA4-A28E-FD2841EC2354}"/>
-              </a:ext>
-            </a:extLst>
-          </p:cNvPr>
-          <p:cNvSpPr txBox="1"/>
-          <p:nvPr/>
-        </p:nvSpPr>
-        <p:spPr>
-          <a:xfrm>
-            <a:off x="588811" y="4951164"/>
-            <a:ext cx="10810710" cy="923330"/>
-          </a:xfrm>
-          <a:prstGeom prst="rect">
-            <a:avLst/>
-          </a:prstGeom>
-          <a:noFill/>
-        </p:spPr>
-        <p:txBody>
-          <a:bodyPr wrap="square" rtlCol="0">
-            <a:spAutoFit/>
+            <a:normAutofit fontScale="85000" lnSpcReduction="10000"/>
           </a:bodyPr>
           <a:lstStyle/>
           <a:p>
-            <a:pPr marL="285750" indent="-285750">
-              <a:buFont typeface="Arial" panose="020B0604020202020204" pitchFamily="34" charset="0"/>
-              <a:buChar char="•"/>
-            </a:pPr>
-            <a:r>
-              <a:rPr lang="en-US" dirty="0"/>
-              <a:t>The doge is the highest mover among the 4 crypto currency and the lite coin was decreased, in March 2024.</a:t>
-            </a:r>
-          </a:p>
-          <a:p>
-            <a:pPr marL="285750" indent="-285750">
-              <a:buFont typeface="Arial" panose="020B0604020202020204" pitchFamily="34" charset="0"/>
-              <a:buChar char="•"/>
-            </a:pPr>
-            <a:endParaRPr lang="en-US" dirty="0"/>
-          </a:p>
-        </p:txBody>
-      </p:sp>
-      <p:sp>
-        <p:nvSpPr>
-          <p:cNvPr id="4" name="TextBox 3">
-            <a:extLst>
-              <a:ext uri="{FF2B5EF4-FFF2-40B4-BE49-F238E27FC236}">
-                <a16:creationId xmlns:a16="http://schemas.microsoft.com/office/drawing/2014/main" id="{A67F91F5-19C6-F2BB-3736-15DA631182B3}"/>
-              </a:ext>
-            </a:extLst>
-          </p:cNvPr>
-          <p:cNvSpPr txBox="1"/>
-          <p:nvPr/>
-        </p:nvSpPr>
-        <p:spPr>
-          <a:xfrm>
-            <a:off x="3493562" y="4105469"/>
-            <a:ext cx="2500604" cy="369332"/>
-          </a:xfrm>
-          <a:prstGeom prst="rect">
-            <a:avLst/>
-          </a:prstGeom>
-          <a:noFill/>
-        </p:spPr>
-        <p:txBody>
-          <a:bodyPr wrap="square" rtlCol="0">
-            <a:spAutoFit/>
-          </a:bodyPr>
-          <a:lstStyle/>
-          <a:p>
-            <a:r>
-              <a:rPr lang="en-US" sz="1800" b="1" u="sng" dirty="0"/>
-              <a:t>  Observations</a:t>
-            </a:r>
+            <a:r>
+              <a:rPr lang="en-US" sz="2800" dirty="0"/>
+              <a:t>Index of Chip makers, cryptos, indexes used</a:t>
+            </a:r>
+          </a:p>
+          <a:p>
+            <a:r>
+              <a:rPr lang="en-US" sz="2800" dirty="0"/>
+              <a:t>Cryptos: </a:t>
+            </a:r>
+            <a:r>
+              <a:rPr lang="en-US" sz="2800" b="0" i="0" dirty="0">
+                <a:solidFill>
+                  <a:srgbClr val="1F2328"/>
+                </a:solidFill>
+                <a:effectLst/>
+                <a:latin typeface="-apple-system"/>
+              </a:rPr>
+              <a:t>Bitcoin (BTC), Ethereum (ETH),Dogecoin (DOGE), Litecoin (LTC)</a:t>
+            </a:r>
+          </a:p>
+          <a:p>
+            <a:r>
+              <a:rPr lang="en-US" sz="2800" dirty="0">
+                <a:solidFill>
+                  <a:srgbClr val="1F2328"/>
+                </a:solidFill>
+                <a:latin typeface="-apple-system"/>
+              </a:rPr>
+              <a:t>Indexes: </a:t>
+            </a:r>
+            <a:r>
+              <a:rPr lang="en-US" sz="2800" b="0" i="0" dirty="0">
+                <a:solidFill>
+                  <a:srgbClr val="1F2328"/>
+                </a:solidFill>
+                <a:effectLst/>
+                <a:latin typeface="-apple-system"/>
+              </a:rPr>
+              <a:t>S&amp;P 500 (^GSPC) </a:t>
+            </a:r>
+            <a:r>
+              <a:rPr lang="en-US" sz="2800" b="0" i="0" dirty="0">
+                <a:solidFill>
+                  <a:srgbClr val="1F2328"/>
+                </a:solidFill>
+                <a:effectLst/>
+                <a:latin typeface="-apple-system"/>
+                <a:sym typeface="Wingdings" panose="05000000000000000000" pitchFamily="2" charset="2"/>
+              </a:rPr>
+              <a:t></a:t>
+            </a:r>
+            <a:r>
+              <a:rPr lang="en-US" sz="2800" b="0" i="0" dirty="0">
+                <a:solidFill>
+                  <a:srgbClr val="1F2328"/>
+                </a:solidFill>
+                <a:effectLst/>
+                <a:latin typeface="-apple-system"/>
+              </a:rPr>
+              <a:t>SPY NASDAQ Composite (^IXIC) </a:t>
+            </a:r>
+            <a:r>
+              <a:rPr lang="en-US" sz="2800" b="0" i="0" dirty="0">
+                <a:solidFill>
+                  <a:srgbClr val="1F2328"/>
+                </a:solidFill>
+                <a:effectLst/>
+                <a:latin typeface="-apple-system"/>
+                <a:sym typeface="Wingdings" panose="05000000000000000000" pitchFamily="2" charset="2"/>
+              </a:rPr>
+              <a:t></a:t>
+            </a:r>
+            <a:r>
+              <a:rPr lang="en-US" sz="2800" b="0" i="0" dirty="0">
+                <a:solidFill>
+                  <a:srgbClr val="1F2328"/>
+                </a:solidFill>
+                <a:effectLst/>
+                <a:latin typeface="-apple-system"/>
+              </a:rPr>
+              <a:t> QQQ FTSE 100 (^FTSE) </a:t>
+            </a:r>
+            <a:r>
+              <a:rPr lang="en-US" sz="2800" b="0" i="0" dirty="0">
+                <a:solidFill>
+                  <a:srgbClr val="1F2328"/>
+                </a:solidFill>
+                <a:effectLst/>
+                <a:latin typeface="-apple-system"/>
+                <a:sym typeface="Wingdings" panose="05000000000000000000" pitchFamily="2" charset="2"/>
+              </a:rPr>
+              <a:t></a:t>
+            </a:r>
+            <a:r>
+              <a:rPr lang="en-US" sz="2800" b="0" i="0" dirty="0">
+                <a:solidFill>
+                  <a:srgbClr val="1F2328"/>
+                </a:solidFill>
+                <a:effectLst/>
+                <a:latin typeface="-apple-system"/>
+              </a:rPr>
+              <a:t> EWU Nikkei 225 (^N225) </a:t>
+            </a:r>
+            <a:r>
+              <a:rPr lang="en-US" sz="2800" b="0" i="0" dirty="0">
+                <a:solidFill>
+                  <a:srgbClr val="1F2328"/>
+                </a:solidFill>
+                <a:effectLst/>
+                <a:latin typeface="-apple-system"/>
+                <a:sym typeface="Wingdings" panose="05000000000000000000" pitchFamily="2" charset="2"/>
+              </a:rPr>
+              <a:t></a:t>
+            </a:r>
+            <a:r>
+              <a:rPr lang="en-US" sz="2800" b="0" i="0" dirty="0">
+                <a:solidFill>
+                  <a:srgbClr val="1F2328"/>
+                </a:solidFill>
+                <a:effectLst/>
+                <a:latin typeface="-apple-system"/>
+              </a:rPr>
+              <a:t> EWJ</a:t>
+            </a:r>
+          </a:p>
+          <a:p>
+            <a:r>
+              <a:rPr lang="en-US" sz="2800" dirty="0">
+                <a:solidFill>
+                  <a:srgbClr val="1F2328"/>
+                </a:solidFill>
+                <a:latin typeface="-apple-system"/>
+              </a:rPr>
+              <a:t>Chip makers: </a:t>
+            </a:r>
+            <a:r>
+              <a:rPr lang="en-US" sz="2800" b="0" i="0" dirty="0">
+                <a:solidFill>
+                  <a:srgbClr val="1F2328"/>
+                </a:solidFill>
+                <a:effectLst/>
+                <a:latin typeface="-apple-system"/>
+              </a:rPr>
+              <a:t>NVIDIA Corporation (NVDA), Advanced Micro Devices, Inc. (AMD), Taiwan Semiconductor Manufacturing Company Limited (TSM), Intel Corporation (INTC)</a:t>
+            </a:r>
+            <a:endParaRPr lang="en-US" sz="2800" dirty="0"/>
+          </a:p>
+          <a:p>
             <a:endParaRPr lang="en-US" dirty="0"/>
           </a:p>
         </p:txBody>
@@ -5607,7 +6165,7 @@
     </p:spTree>
     <p:extLst>
       <p:ext uri="{BB962C8B-B14F-4D97-AF65-F5344CB8AC3E}">
-        <p14:creationId xmlns:p14="http://schemas.microsoft.com/office/powerpoint/2010/main" val="1754586903"/>
+        <p14:creationId xmlns:p14="http://schemas.microsoft.com/office/powerpoint/2010/main" val="1090524470"/>
       </p:ext>
     </p:extLst>
   </p:cSld>
@@ -5634,12 +6192,82 @@
           <a:chExt cx="0" cy="0"/>
         </a:xfrm>
       </p:grpSpPr>
+      <p:sp>
+        <p:nvSpPr>
+          <p:cNvPr id="2" name="Title 1">
+            <a:extLst>
+              <a:ext uri="{FF2B5EF4-FFF2-40B4-BE49-F238E27FC236}">
+                <a16:creationId xmlns:a16="http://schemas.microsoft.com/office/drawing/2014/main" id="{F37CFAFA-7BC0-0323-7673-46FBE70B1C09}"/>
+              </a:ext>
+            </a:extLst>
+          </p:cNvPr>
+          <p:cNvSpPr>
+            <a:spLocks noGrp="1"/>
+          </p:cNvSpPr>
+          <p:nvPr>
+            <p:ph type="ctrTitle"/>
+          </p:nvPr>
+        </p:nvSpPr>
+        <p:spPr>
+          <a:xfrm>
+            <a:off x="1524000" y="393193"/>
+            <a:ext cx="8947355" cy="749808"/>
+          </a:xfrm>
+        </p:spPr>
+        <p:txBody>
+          <a:bodyPr>
+            <a:normAutofit/>
+          </a:bodyPr>
+          <a:lstStyle/>
+          <a:p>
+            <a:r>
+              <a:rPr lang="en-US" sz="2800" dirty="0"/>
+              <a:t>data/Crypto Daily Price Change.png</a:t>
+            </a:r>
+          </a:p>
+        </p:txBody>
+      </p:sp>
+      <p:sp>
+        <p:nvSpPr>
+          <p:cNvPr id="3" name="Subtitle 2">
+            <a:extLst>
+              <a:ext uri="{FF2B5EF4-FFF2-40B4-BE49-F238E27FC236}">
+                <a16:creationId xmlns:a16="http://schemas.microsoft.com/office/drawing/2014/main" id="{16A897C9-FB61-99FC-17FC-19F7A6EEC98B}"/>
+              </a:ext>
+            </a:extLst>
+          </p:cNvPr>
+          <p:cNvSpPr>
+            <a:spLocks noGrp="1"/>
+          </p:cNvSpPr>
+          <p:nvPr>
+            <p:ph type="subTitle" idx="1"/>
+          </p:nvPr>
+        </p:nvSpPr>
+        <p:spPr>
+          <a:xfrm>
+            <a:off x="9391008" y="535784"/>
+            <a:ext cx="2336833" cy="402434"/>
+          </a:xfrm>
+        </p:spPr>
+        <p:txBody>
+          <a:bodyPr>
+            <a:normAutofit lnSpcReduction="10000"/>
+          </a:bodyPr>
+          <a:lstStyle/>
+          <a:p>
+            <a:r>
+              <a:rPr lang="en-US" dirty="0"/>
+              <a:t>Belay</a:t>
+            </a:r>
+          </a:p>
+        </p:txBody>
+      </p:sp>
       <p:pic>
         <p:nvPicPr>
-          <p:cNvPr id="3" name="Picture 2">
-            <a:extLst>
-              <a:ext uri="{FF2B5EF4-FFF2-40B4-BE49-F238E27FC236}">
-                <a16:creationId xmlns:a16="http://schemas.microsoft.com/office/drawing/2014/main" id="{F5C77A85-0ACB-04C3-7E3F-AF19B3C1DED7}"/>
+          <p:cNvPr id="5" name="Picture 4">
+            <a:extLst>
+              <a:ext uri="{FF2B5EF4-FFF2-40B4-BE49-F238E27FC236}">
+                <a16:creationId xmlns:a16="http://schemas.microsoft.com/office/drawing/2014/main" id="{FF99FE31-AA53-67BD-4822-E00620C3E1DF}"/>
               </a:ext>
             </a:extLst>
           </p:cNvPr>
@@ -5649,15 +6277,15 @@
           <p:nvPr/>
         </p:nvPicPr>
         <p:blipFill>
-          <a:blip r:embed="rId3"/>
+          <a:blip r:embed="rId2"/>
           <a:stretch>
             <a:fillRect/>
           </a:stretch>
         </p:blipFill>
         <p:spPr>
           <a:xfrm>
-            <a:off x="484147" y="1272802"/>
-            <a:ext cx="10680677" cy="3472934"/>
+            <a:off x="170451" y="1316471"/>
+            <a:ext cx="11201401" cy="2743199"/>
           </a:xfrm>
           <a:prstGeom prst="rect">
             <a:avLst/>
@@ -5666,10 +6294,10 @@
       </p:pic>
       <p:sp>
         <p:nvSpPr>
-          <p:cNvPr id="5" name="TextBox 4">
-            <a:extLst>
-              <a:ext uri="{FF2B5EF4-FFF2-40B4-BE49-F238E27FC236}">
-                <a16:creationId xmlns:a16="http://schemas.microsoft.com/office/drawing/2014/main" id="{2F1983AF-6139-7BA0-0BEE-834540781135}"/>
+          <p:cNvPr id="4" name="TextBox 3">
+            <a:extLst>
+              <a:ext uri="{FF2B5EF4-FFF2-40B4-BE49-F238E27FC236}">
+                <a16:creationId xmlns:a16="http://schemas.microsoft.com/office/drawing/2014/main" id="{457433CD-5E6E-F3C9-FB2C-A3A25053E9F4}"/>
               </a:ext>
             </a:extLst>
           </p:cNvPr>
@@ -5678,8 +6306,8 @@
         </p:nvSpPr>
         <p:spPr>
           <a:xfrm>
-            <a:off x="3703320" y="802886"/>
-            <a:ext cx="3794760" cy="369332"/>
+            <a:off x="786580" y="4998777"/>
+            <a:ext cx="10618839" cy="1692771"/>
           </a:xfrm>
           <a:prstGeom prst="rect">
             <a:avLst/>
@@ -5687,239 +6315,67 @@
           <a:noFill/>
         </p:spPr>
         <p:txBody>
-          <a:bodyPr wrap="square">
+          <a:bodyPr wrap="square" rtlCol="0">
             <a:spAutoFit/>
           </a:bodyPr>
           <a:lstStyle/>
           <a:p>
-            <a:r>
-              <a:rPr lang="en-US" dirty="0"/>
-              <a:t>data/Crypto Volume Change.png</a:t>
-            </a:r>
-          </a:p>
-        </p:txBody>
-      </p:sp>
-      <p:sp>
-        <p:nvSpPr>
-          <p:cNvPr id="6" name="Subtitle 2">
-            <a:extLst>
-              <a:ext uri="{FF2B5EF4-FFF2-40B4-BE49-F238E27FC236}">
-                <a16:creationId xmlns:a16="http://schemas.microsoft.com/office/drawing/2014/main" id="{C7AB63C8-EC16-6250-2B44-B5C6E5F2A0AE}"/>
-              </a:ext>
-            </a:extLst>
-          </p:cNvPr>
-          <p:cNvSpPr txBox="1">
-            <a:spLocks/>
-          </p:cNvSpPr>
+            <a:pPr marL="457200" indent="-457200">
+              <a:buFont typeface="Arial" panose="020B0604020202020204" pitchFamily="34" charset="0"/>
+              <a:buChar char="•"/>
+            </a:pPr>
+            <a:r>
+              <a:rPr lang="en-US" sz="2800" dirty="0"/>
+              <a:t>Th</a:t>
+            </a:r>
+            <a:r>
+              <a:rPr lang="en-US" sz="2400" dirty="0"/>
+              <a:t>e daily price for dogecoin  went up among the 4 cryptocurrency in march 2024.</a:t>
+            </a:r>
+          </a:p>
+          <a:p>
+            <a:pPr marL="457200" indent="-457200">
+              <a:buFont typeface="Arial" panose="020B0604020202020204" pitchFamily="34" charset="0"/>
+              <a:buChar char="•"/>
+            </a:pPr>
+            <a:r>
+              <a:rPr lang="en-US" sz="2400" dirty="0"/>
+              <a:t>The daily price for LTC and </a:t>
+            </a:r>
+            <a:r>
+              <a:rPr lang="en-US" sz="2400" dirty="0" err="1"/>
+              <a:t>Ethrium</a:t>
+            </a:r>
+            <a:r>
+              <a:rPr lang="en-US" sz="2400" dirty="0"/>
+              <a:t> are almost the same entire year.</a:t>
+            </a:r>
+          </a:p>
+          <a:p>
+            <a:pPr marL="457200" indent="-457200">
+              <a:buFont typeface="Arial" panose="020B0604020202020204" pitchFamily="34" charset="0"/>
+              <a:buChar char="•"/>
+            </a:pPr>
+            <a:endParaRPr lang="en-US" sz="2800" dirty="0"/>
+          </a:p>
+        </p:txBody>
+      </p:sp>
+      <p:sp>
+        <p:nvSpPr>
+          <p:cNvPr id="6" name="TextBox 5">
+            <a:extLst>
+              <a:ext uri="{FF2B5EF4-FFF2-40B4-BE49-F238E27FC236}">
+                <a16:creationId xmlns:a16="http://schemas.microsoft.com/office/drawing/2014/main" id="{5F1AB268-D37F-80F2-FABB-63BDBBF6BDF3}"/>
+              </a:ext>
+            </a:extLst>
+          </p:cNvPr>
+          <p:cNvSpPr txBox="1"/>
           <p:nvPr/>
         </p:nvSpPr>
         <p:spPr>
           <a:xfrm>
-            <a:off x="689261" y="5458408"/>
-            <a:ext cx="10999930" cy="1082351"/>
-          </a:xfrm>
-          <a:prstGeom prst="rect">
-            <a:avLst/>
-          </a:prstGeom>
-        </p:spPr>
-        <p:txBody>
-          <a:bodyPr>
-            <a:normAutofit fontScale="92500" lnSpcReduction="20000"/>
-          </a:bodyPr>
-          <a:lstStyle>
-            <a:lvl1pPr marL="228600" indent="-228600" algn="l" defTabSz="914400" rtl="0" eaLnBrk="1" latinLnBrk="0" hangingPunct="1">
-              <a:lnSpc>
-                <a:spcPct val="90000"/>
-              </a:lnSpc>
-              <a:spcBef>
-                <a:spcPts val="1000"/>
-              </a:spcBef>
-              <a:buFont typeface="Arial" panose="020B0604020202020204" pitchFamily="34" charset="0"/>
-              <a:buChar char="•"/>
-              <a:defRPr sz="2800" kern="1200">
-                <a:solidFill>
-                  <a:schemeClr val="tx1"/>
-                </a:solidFill>
-                <a:latin typeface="+mn-lt"/>
-                <a:ea typeface="+mn-ea"/>
-                <a:cs typeface="+mn-cs"/>
-              </a:defRPr>
-            </a:lvl1pPr>
-            <a:lvl2pPr marL="685800" indent="-228600" algn="l" defTabSz="914400" rtl="0" eaLnBrk="1" latinLnBrk="0" hangingPunct="1">
-              <a:lnSpc>
-                <a:spcPct val="90000"/>
-              </a:lnSpc>
-              <a:spcBef>
-                <a:spcPts val="500"/>
-              </a:spcBef>
-              <a:buFont typeface="Arial" panose="020B0604020202020204" pitchFamily="34" charset="0"/>
-              <a:buChar char="•"/>
-              <a:defRPr sz="2400" kern="1200">
-                <a:solidFill>
-                  <a:schemeClr val="tx1"/>
-                </a:solidFill>
-                <a:latin typeface="+mn-lt"/>
-                <a:ea typeface="+mn-ea"/>
-                <a:cs typeface="+mn-cs"/>
-              </a:defRPr>
-            </a:lvl2pPr>
-            <a:lvl3pPr marL="1143000" indent="-228600" algn="l" defTabSz="914400" rtl="0" eaLnBrk="1" latinLnBrk="0" hangingPunct="1">
-              <a:lnSpc>
-                <a:spcPct val="90000"/>
-              </a:lnSpc>
-              <a:spcBef>
-                <a:spcPts val="500"/>
-              </a:spcBef>
-              <a:buFont typeface="Arial" panose="020B0604020202020204" pitchFamily="34" charset="0"/>
-              <a:buChar char="•"/>
-              <a:defRPr sz="2000" kern="1200">
-                <a:solidFill>
-                  <a:schemeClr val="tx1"/>
-                </a:solidFill>
-                <a:latin typeface="+mn-lt"/>
-                <a:ea typeface="+mn-ea"/>
-                <a:cs typeface="+mn-cs"/>
-              </a:defRPr>
-            </a:lvl3pPr>
-            <a:lvl4pPr marL="1600200" indent="-228600" algn="l" defTabSz="914400" rtl="0" eaLnBrk="1" latinLnBrk="0" hangingPunct="1">
-              <a:lnSpc>
-                <a:spcPct val="90000"/>
-              </a:lnSpc>
-              <a:spcBef>
-                <a:spcPts val="500"/>
-              </a:spcBef>
-              <a:buFont typeface="Arial" panose="020B0604020202020204" pitchFamily="34" charset="0"/>
-              <a:buChar char="•"/>
-              <a:defRPr sz="1800" kern="1200">
-                <a:solidFill>
-                  <a:schemeClr val="tx1"/>
-                </a:solidFill>
-                <a:latin typeface="+mn-lt"/>
-                <a:ea typeface="+mn-ea"/>
-                <a:cs typeface="+mn-cs"/>
-              </a:defRPr>
-            </a:lvl4pPr>
-            <a:lvl5pPr marL="2057400" indent="-228600" algn="l" defTabSz="914400" rtl="0" eaLnBrk="1" latinLnBrk="0" hangingPunct="1">
-              <a:lnSpc>
-                <a:spcPct val="90000"/>
-              </a:lnSpc>
-              <a:spcBef>
-                <a:spcPts val="500"/>
-              </a:spcBef>
-              <a:buFont typeface="Arial" panose="020B0604020202020204" pitchFamily="34" charset="0"/>
-              <a:buChar char="•"/>
-              <a:defRPr sz="1800" kern="1200">
-                <a:solidFill>
-                  <a:schemeClr val="tx1"/>
-                </a:solidFill>
-                <a:latin typeface="+mn-lt"/>
-                <a:ea typeface="+mn-ea"/>
-                <a:cs typeface="+mn-cs"/>
-              </a:defRPr>
-            </a:lvl5pPr>
-            <a:lvl6pPr marL="2514600" indent="-228600" algn="l" defTabSz="914400" rtl="0" eaLnBrk="1" latinLnBrk="0" hangingPunct="1">
-              <a:lnSpc>
-                <a:spcPct val="90000"/>
-              </a:lnSpc>
-              <a:spcBef>
-                <a:spcPts val="500"/>
-              </a:spcBef>
-              <a:buFont typeface="Arial" panose="020B0604020202020204" pitchFamily="34" charset="0"/>
-              <a:buChar char="•"/>
-              <a:defRPr sz="1800" kern="1200">
-                <a:solidFill>
-                  <a:schemeClr val="tx1"/>
-                </a:solidFill>
-                <a:latin typeface="+mn-lt"/>
-                <a:ea typeface="+mn-ea"/>
-                <a:cs typeface="+mn-cs"/>
-              </a:defRPr>
-            </a:lvl6pPr>
-            <a:lvl7pPr marL="2971800" indent="-228600" algn="l" defTabSz="914400" rtl="0" eaLnBrk="1" latinLnBrk="0" hangingPunct="1">
-              <a:lnSpc>
-                <a:spcPct val="90000"/>
-              </a:lnSpc>
-              <a:spcBef>
-                <a:spcPts val="500"/>
-              </a:spcBef>
-              <a:buFont typeface="Arial" panose="020B0604020202020204" pitchFamily="34" charset="0"/>
-              <a:buChar char="•"/>
-              <a:defRPr sz="1800" kern="1200">
-                <a:solidFill>
-                  <a:schemeClr val="tx1"/>
-                </a:solidFill>
-                <a:latin typeface="+mn-lt"/>
-                <a:ea typeface="+mn-ea"/>
-                <a:cs typeface="+mn-cs"/>
-              </a:defRPr>
-            </a:lvl7pPr>
-            <a:lvl8pPr marL="3429000" indent="-228600" algn="l" defTabSz="914400" rtl="0" eaLnBrk="1" latinLnBrk="0" hangingPunct="1">
-              <a:lnSpc>
-                <a:spcPct val="90000"/>
-              </a:lnSpc>
-              <a:spcBef>
-                <a:spcPts val="500"/>
-              </a:spcBef>
-              <a:buFont typeface="Arial" panose="020B0604020202020204" pitchFamily="34" charset="0"/>
-              <a:buChar char="•"/>
-              <a:defRPr sz="1800" kern="1200">
-                <a:solidFill>
-                  <a:schemeClr val="tx1"/>
-                </a:solidFill>
-                <a:latin typeface="+mn-lt"/>
-                <a:ea typeface="+mn-ea"/>
-                <a:cs typeface="+mn-cs"/>
-              </a:defRPr>
-            </a:lvl8pPr>
-            <a:lvl9pPr marL="3886200" indent="-228600" algn="l" defTabSz="914400" rtl="0" eaLnBrk="1" latinLnBrk="0" hangingPunct="1">
-              <a:lnSpc>
-                <a:spcPct val="90000"/>
-              </a:lnSpc>
-              <a:spcBef>
-                <a:spcPts val="500"/>
-              </a:spcBef>
-              <a:buFont typeface="Arial" panose="020B0604020202020204" pitchFamily="34" charset="0"/>
-              <a:buChar char="•"/>
-              <a:defRPr sz="1800" kern="1200">
-                <a:solidFill>
-                  <a:schemeClr val="tx1"/>
-                </a:solidFill>
-                <a:latin typeface="+mn-lt"/>
-                <a:ea typeface="+mn-ea"/>
-                <a:cs typeface="+mn-cs"/>
-              </a:defRPr>
-            </a:lvl9pPr>
-          </a:lstStyle>
-          <a:p>
-            <a:pPr marL="0" indent="0">
-              <a:buNone/>
-            </a:pPr>
-            <a:endParaRPr lang="en-US" dirty="0"/>
-          </a:p>
-          <a:p>
-            <a:r>
-              <a:rPr lang="en-US" dirty="0"/>
-              <a:t>There doge volume spike in march,2024 which indicate high trading than the other crypto.</a:t>
-            </a:r>
-          </a:p>
-        </p:txBody>
-      </p:sp>
-      <p:sp>
-        <p:nvSpPr>
-          <p:cNvPr id="2" name="TextBox 1">
-            <a:extLst>
-              <a:ext uri="{FF2B5EF4-FFF2-40B4-BE49-F238E27FC236}">
-                <a16:creationId xmlns:a16="http://schemas.microsoft.com/office/drawing/2014/main" id="{449B9934-AF98-8C0B-4104-881C037A6BA5}"/>
-              </a:ext>
-            </a:extLst>
-          </p:cNvPr>
-          <p:cNvSpPr txBox="1"/>
-          <p:nvPr/>
-        </p:nvSpPr>
-        <p:spPr>
-          <a:xfrm>
-            <a:off x="10375640" y="317241"/>
-            <a:ext cx="1175657" cy="369332"/>
+            <a:off x="2407298" y="4059670"/>
+            <a:ext cx="6074229" cy="523220"/>
           </a:xfrm>
           <a:prstGeom prst="rect">
             <a:avLst/>
@@ -5933,52 +6389,16 @@
           <a:lstStyle/>
           <a:p>
             <a:r>
-              <a:rPr lang="en-US" dirty="0"/>
-              <a:t>Belay</a:t>
-            </a:r>
-          </a:p>
-        </p:txBody>
-      </p:sp>
-      <p:sp>
-        <p:nvSpPr>
-          <p:cNvPr id="4" name="TextBox 3">
-            <a:extLst>
-              <a:ext uri="{FF2B5EF4-FFF2-40B4-BE49-F238E27FC236}">
-                <a16:creationId xmlns:a16="http://schemas.microsoft.com/office/drawing/2014/main" id="{05379D33-E292-0F42-8B59-AB3CE59399DB}"/>
-              </a:ext>
-            </a:extLst>
-          </p:cNvPr>
-          <p:cNvSpPr txBox="1"/>
-          <p:nvPr/>
-        </p:nvSpPr>
-        <p:spPr>
-          <a:xfrm>
-            <a:off x="3753089" y="4962633"/>
-            <a:ext cx="1770633" cy="369332"/>
-          </a:xfrm>
-          <a:prstGeom prst="rect">
-            <a:avLst/>
-          </a:prstGeom>
-          <a:noFill/>
-        </p:spPr>
-        <p:txBody>
-          <a:bodyPr wrap="square" rtlCol="0">
-            <a:spAutoFit/>
-          </a:bodyPr>
-          <a:lstStyle/>
-          <a:p>
-            <a:r>
-              <a:rPr lang="en-US" sz="1800" b="1" u="sng" dirty="0"/>
-              <a:t>Observations</a:t>
-            </a:r>
-            <a:endParaRPr lang="en-US" dirty="0"/>
+              <a:rPr lang="en-US" sz="2800" b="1" u="sng" dirty="0"/>
+              <a:t> Observations</a:t>
+            </a:r>
           </a:p>
         </p:txBody>
       </p:sp>
     </p:spTree>
     <p:extLst>
       <p:ext uri="{BB962C8B-B14F-4D97-AF65-F5344CB8AC3E}">
-        <p14:creationId xmlns:p14="http://schemas.microsoft.com/office/powerpoint/2010/main" val="1350642370"/>
+        <p14:creationId xmlns:p14="http://schemas.microsoft.com/office/powerpoint/2010/main" val="582912560"/>
       </p:ext>
     </p:extLst>
   </p:cSld>
@@ -6010,7 +6430,7 @@
           <p:cNvPr id="3" name="Picture 2">
             <a:extLst>
               <a:ext uri="{FF2B5EF4-FFF2-40B4-BE49-F238E27FC236}">
-                <a16:creationId xmlns:a16="http://schemas.microsoft.com/office/drawing/2014/main" id="{F4F039CF-1121-E83D-AC7B-295E166B371A}"/>
+                <a16:creationId xmlns:a16="http://schemas.microsoft.com/office/drawing/2014/main" id="{D728A6F2-9DFD-8445-AC52-40A9FCA269F7}"/>
               </a:ext>
             </a:extLst>
           </p:cNvPr>
@@ -6027,8 +6447,8 @@
         </p:blipFill>
         <p:spPr>
           <a:xfrm>
-            <a:off x="529107" y="1733403"/>
-            <a:ext cx="11133785" cy="3391194"/>
+            <a:off x="604542" y="804788"/>
+            <a:ext cx="11202371" cy="3010046"/>
           </a:xfrm>
           <a:prstGeom prst="rect">
             <a:avLst/>
@@ -6040,7 +6460,7 @@
           <p:cNvPr id="5" name="TextBox 4">
             <a:extLst>
               <a:ext uri="{FF2B5EF4-FFF2-40B4-BE49-F238E27FC236}">
-                <a16:creationId xmlns:a16="http://schemas.microsoft.com/office/drawing/2014/main" id="{4EDC03DA-8C16-D55A-C525-2F58531C9920}"/>
+                <a16:creationId xmlns:a16="http://schemas.microsoft.com/office/drawing/2014/main" id="{E3ACB208-9975-1680-051B-53BAC45A2797}"/>
               </a:ext>
             </a:extLst>
           </p:cNvPr>
@@ -6049,8 +6469,8 @@
         </p:nvSpPr>
         <p:spPr>
           <a:xfrm>
-            <a:off x="3367278" y="482846"/>
-            <a:ext cx="6094476" cy="369332"/>
+            <a:off x="2862072" y="226814"/>
+            <a:ext cx="5941314" cy="369332"/>
           </a:xfrm>
           <a:prstGeom prst="rect">
             <a:avLst/>
@@ -6065,7 +6485,7 @@
           <a:p>
             <a:r>
               <a:rPr lang="en-US" dirty="0"/>
-              <a:t>data/Stocks Daily Price Change.png</a:t>
+              <a:t>                        data/Crypto Price Change.png</a:t>
             </a:r>
           </a:p>
         </p:txBody>
@@ -6075,7 +6495,7 @@
           <p:cNvPr id="6" name="Subtitle 2">
             <a:extLst>
               <a:ext uri="{FF2B5EF4-FFF2-40B4-BE49-F238E27FC236}">
-                <a16:creationId xmlns:a16="http://schemas.microsoft.com/office/drawing/2014/main" id="{E8502ED6-7B80-DFAC-6545-110667A2825B}"/>
+                <a16:creationId xmlns:a16="http://schemas.microsoft.com/office/drawing/2014/main" id="{1EAF7933-2E48-E510-E99E-7D4E359F4E0C}"/>
               </a:ext>
             </a:extLst>
           </p:cNvPr>
@@ -6086,8 +6506,8 @@
         </p:nvSpPr>
         <p:spPr>
           <a:xfrm>
-            <a:off x="9461755" y="481231"/>
-            <a:ext cx="1930924" cy="370947"/>
+            <a:off x="9794404" y="404211"/>
+            <a:ext cx="1620848" cy="383869"/>
           </a:xfrm>
           <a:prstGeom prst="rect">
             <a:avLst/>
@@ -6262,9 +6682,6 @@
             </a:lvl9pPr>
           </a:lstStyle>
           <a:p>
-            <a:pPr marL="0" indent="0">
-              <a:buNone/>
-            </a:pPr>
             <a:r>
               <a:rPr lang="en-US" dirty="0"/>
               <a:t>Belay</a:t>
@@ -6274,10 +6691,10 @@
       </p:sp>
       <p:sp>
         <p:nvSpPr>
-          <p:cNvPr id="4" name="TextBox 3">
-            <a:extLst>
-              <a:ext uri="{FF2B5EF4-FFF2-40B4-BE49-F238E27FC236}">
-                <a16:creationId xmlns:a16="http://schemas.microsoft.com/office/drawing/2014/main" id="{2110298C-8FF0-9E20-1ECA-73067FF14E5E}"/>
+          <p:cNvPr id="2" name="TextBox 1">
+            <a:extLst>
+              <a:ext uri="{FF2B5EF4-FFF2-40B4-BE49-F238E27FC236}">
+                <a16:creationId xmlns:a16="http://schemas.microsoft.com/office/drawing/2014/main" id="{14FCF99F-E6BF-9CA4-A28E-FD2841EC2354}"/>
               </a:ext>
             </a:extLst>
           </p:cNvPr>
@@ -6286,8 +6703,8 @@
         </p:nvSpPr>
         <p:spPr>
           <a:xfrm>
-            <a:off x="877078" y="5657671"/>
-            <a:ext cx="9815805" cy="1200329"/>
+            <a:off x="588811" y="4951164"/>
+            <a:ext cx="10810710" cy="923330"/>
           </a:xfrm>
           <a:prstGeom prst="rect">
             <a:avLst/>
@@ -6306,35 +6723,7 @@
             </a:pPr>
             <a:r>
               <a:rPr lang="en-US" dirty="0"/>
-              <a:t>The NVDA was highest moving in March while intel was dropped in </a:t>
-            </a:r>
-            <a:r>
-              <a:rPr lang="en-US" dirty="0" err="1"/>
-              <a:t>february</a:t>
-            </a:r>
-            <a:r>
-              <a:rPr lang="en-US" dirty="0"/>
-              <a:t>.</a:t>
-            </a:r>
-          </a:p>
-          <a:p>
-            <a:pPr marL="285750" indent="-285750">
-              <a:buFont typeface="Arial" panose="020B0604020202020204" pitchFamily="34" charset="0"/>
-              <a:buChar char="•"/>
-            </a:pPr>
-            <a:r>
-              <a:rPr lang="en-US" dirty="0"/>
-              <a:t>The intel daily price was dropped between July and august.</a:t>
-            </a:r>
-          </a:p>
-          <a:p>
-            <a:pPr marL="285750" indent="-285750">
-              <a:buFont typeface="Arial" panose="020B0604020202020204" pitchFamily="34" charset="0"/>
-              <a:buChar char="•"/>
-            </a:pPr>
-            <a:r>
-              <a:rPr lang="en-US" dirty="0"/>
-              <a:t>The TSM and AMD daily price was moving almost the same entire year.</a:t>
+              <a:t>The doge is the highest mover among the 4 crypto currency and the lite coin was decreased, in March 2024.</a:t>
             </a:r>
           </a:p>
           <a:p>
@@ -6348,10 +6737,10 @@
       </p:sp>
       <p:sp>
         <p:nvSpPr>
-          <p:cNvPr id="7" name="TextBox 6">
-            <a:extLst>
-              <a:ext uri="{FF2B5EF4-FFF2-40B4-BE49-F238E27FC236}">
-                <a16:creationId xmlns:a16="http://schemas.microsoft.com/office/drawing/2014/main" id="{011F4741-4D70-1670-64D8-CDCBCE46849B}"/>
+          <p:cNvPr id="4" name="TextBox 3">
+            <a:extLst>
+              <a:ext uri="{FF2B5EF4-FFF2-40B4-BE49-F238E27FC236}">
+                <a16:creationId xmlns:a16="http://schemas.microsoft.com/office/drawing/2014/main" id="{A67F91F5-19C6-F2BB-3736-15DA631182B3}"/>
               </a:ext>
             </a:extLst>
           </p:cNvPr>
@@ -6360,8 +6749,8 @@
         </p:nvSpPr>
         <p:spPr>
           <a:xfrm>
-            <a:off x="3760237" y="5288339"/>
-            <a:ext cx="1893041" cy="369332"/>
+            <a:off x="3493562" y="4105469"/>
+            <a:ext cx="2500604" cy="369332"/>
           </a:xfrm>
           <a:prstGeom prst="rect">
             <a:avLst/>
@@ -6376,7 +6765,7 @@
           <a:p>
             <a:r>
               <a:rPr lang="en-US" sz="1800" b="1" u="sng" dirty="0"/>
-              <a:t>Observations</a:t>
+              <a:t>  Observations</a:t>
             </a:r>
             <a:endParaRPr lang="en-US" dirty="0"/>
           </a:p>
@@ -6385,7 +6774,7 @@
     </p:spTree>
     <p:extLst>
       <p:ext uri="{BB962C8B-B14F-4D97-AF65-F5344CB8AC3E}">
-        <p14:creationId xmlns:p14="http://schemas.microsoft.com/office/powerpoint/2010/main" val="4168935959"/>
+        <p14:creationId xmlns:p14="http://schemas.microsoft.com/office/powerpoint/2010/main" val="1754586903"/>
       </p:ext>
     </p:extLst>
   </p:cSld>
@@ -6417,7 +6806,7 @@
           <p:cNvPr id="3" name="Picture 2">
             <a:extLst>
               <a:ext uri="{FF2B5EF4-FFF2-40B4-BE49-F238E27FC236}">
-                <a16:creationId xmlns:a16="http://schemas.microsoft.com/office/drawing/2014/main" id="{3BD62D7F-8A8F-9E33-EB95-D18A9E9B6979}"/>
+                <a16:creationId xmlns:a16="http://schemas.microsoft.com/office/drawing/2014/main" id="{F5C77A85-0ACB-04C3-7E3F-AF19B3C1DED7}"/>
               </a:ext>
             </a:extLst>
           </p:cNvPr>
@@ -6427,15 +6816,15 @@
           <p:nvPr/>
         </p:nvPicPr>
         <p:blipFill>
-          <a:blip r:embed="rId2"/>
+          <a:blip r:embed="rId3"/>
           <a:stretch>
             <a:fillRect/>
           </a:stretch>
         </p:blipFill>
         <p:spPr>
           <a:xfrm>
-            <a:off x="1073020" y="1653386"/>
-            <a:ext cx="10635596" cy="3551228"/>
+            <a:off x="484147" y="1272802"/>
+            <a:ext cx="10680677" cy="3472934"/>
           </a:xfrm>
           <a:prstGeom prst="rect">
             <a:avLst/>
@@ -6447,7 +6836,7 @@
           <p:cNvPr id="5" name="TextBox 4">
             <a:extLst>
               <a:ext uri="{FF2B5EF4-FFF2-40B4-BE49-F238E27FC236}">
-                <a16:creationId xmlns:a16="http://schemas.microsoft.com/office/drawing/2014/main" id="{B404599A-CB66-1F50-9CEF-42914D8C05A2}"/>
+                <a16:creationId xmlns:a16="http://schemas.microsoft.com/office/drawing/2014/main" id="{2F1983AF-6139-7BA0-0BEE-834540781135}"/>
               </a:ext>
             </a:extLst>
           </p:cNvPr>
@@ -6456,8 +6845,8 @@
         </p:nvSpPr>
         <p:spPr>
           <a:xfrm>
-            <a:off x="3156966" y="501134"/>
-            <a:ext cx="3362706" cy="369332"/>
+            <a:off x="3703320" y="802886"/>
+            <a:ext cx="3794760" cy="369332"/>
           </a:xfrm>
           <a:prstGeom prst="rect">
             <a:avLst/>
@@ -6472,7 +6861,7 @@
           <a:p>
             <a:r>
               <a:rPr lang="en-US" dirty="0"/>
-              <a:t>data/Stocks Price Change.png</a:t>
+              <a:t>data/Crypto Volume Change.png</a:t>
             </a:r>
           </a:p>
         </p:txBody>
@@ -6482,7 +6871,7 @@
           <p:cNvPr id="6" name="Subtitle 2">
             <a:extLst>
               <a:ext uri="{FF2B5EF4-FFF2-40B4-BE49-F238E27FC236}">
-                <a16:creationId xmlns:a16="http://schemas.microsoft.com/office/drawing/2014/main" id="{5C9D1C46-3931-76E8-FAC2-0035CF8F2061}"/>
+                <a16:creationId xmlns:a16="http://schemas.microsoft.com/office/drawing/2014/main" id="{C7AB63C8-EC16-6250-2B44-B5C6E5F2A0AE}"/>
               </a:ext>
             </a:extLst>
           </p:cNvPr>
@@ -6493,8 +6882,8 @@
         </p:nvSpPr>
         <p:spPr>
           <a:xfrm>
-            <a:off x="9859289" y="501134"/>
-            <a:ext cx="1849327" cy="569167"/>
+            <a:off x="689261" y="5458408"/>
+            <a:ext cx="10999930" cy="1082351"/>
           </a:xfrm>
           <a:prstGeom prst="rect">
             <a:avLst/>
@@ -6502,7 +6891,7 @@
         </p:spPr>
         <p:txBody>
           <a:bodyPr>
-            <a:normAutofit/>
+            <a:normAutofit fontScale="92500" lnSpcReduction="20000"/>
           </a:bodyPr>
           <a:lstStyle>
             <a:lvl1pPr marL="228600" indent="-228600" algn="l" defTabSz="914400" rtl="0" eaLnBrk="1" latinLnBrk="0" hangingPunct="1">
@@ -6672,9 +7061,12 @@
             <a:pPr marL="0" indent="0">
               <a:buNone/>
             </a:pPr>
+            <a:endParaRPr lang="en-US" dirty="0"/>
+          </a:p>
+          <a:p>
             <a:r>
               <a:rPr lang="en-US" dirty="0"/>
-              <a:t>Belay</a:t>
+              <a:t>There doge volume spike in march,2024 which indicate high trading than the other crypto.</a:t>
             </a:r>
           </a:p>
         </p:txBody>
@@ -6684,7 +7076,7 @@
           <p:cNvPr id="2" name="TextBox 1">
             <a:extLst>
               <a:ext uri="{FF2B5EF4-FFF2-40B4-BE49-F238E27FC236}">
-                <a16:creationId xmlns:a16="http://schemas.microsoft.com/office/drawing/2014/main" id="{D079EF50-4B63-E743-3572-88F452130081}"/>
+                <a16:creationId xmlns:a16="http://schemas.microsoft.com/office/drawing/2014/main" id="{449B9934-AF98-8C0B-4104-881C037A6BA5}"/>
               </a:ext>
             </a:extLst>
           </p:cNvPr>
@@ -6693,8 +7085,8 @@
         </p:nvSpPr>
         <p:spPr>
           <a:xfrm>
-            <a:off x="1104122" y="5896948"/>
-            <a:ext cx="7520473" cy="646331"/>
+            <a:off x="10375640" y="317241"/>
+            <a:ext cx="1175657" cy="369332"/>
           </a:xfrm>
           <a:prstGeom prst="rect">
             <a:avLst/>
@@ -6707,23 +7099,9 @@
           </a:bodyPr>
           <a:lstStyle/>
           <a:p>
-            <a:pPr marL="285750" indent="-285750">
-              <a:buFont typeface="Arial" panose="020B0604020202020204" pitchFamily="34" charset="0"/>
-              <a:buChar char="•"/>
-            </a:pPr>
             <a:r>
               <a:rPr lang="en-US" dirty="0"/>
-              <a:t>The over all change for the NVDA was highest mover in June and July.</a:t>
-            </a:r>
-          </a:p>
-          <a:p>
-            <a:pPr marL="285750" indent="-285750">
-              <a:buFont typeface="Arial" panose="020B0604020202020204" pitchFamily="34" charset="0"/>
-              <a:buChar char="•"/>
-            </a:pPr>
-            <a:r>
-              <a:rPr lang="en-US" dirty="0"/>
-              <a:t>The intel was the lowest mover than the other stock prices.</a:t>
+              <a:t>Belay</a:t>
             </a:r>
           </a:p>
         </p:txBody>
@@ -6733,7 +7111,7 @@
           <p:cNvPr id="4" name="TextBox 3">
             <a:extLst>
               <a:ext uri="{FF2B5EF4-FFF2-40B4-BE49-F238E27FC236}">
-                <a16:creationId xmlns:a16="http://schemas.microsoft.com/office/drawing/2014/main" id="{AAFA9B4A-2B42-DB1E-C7E8-6096A9254125}"/>
+                <a16:creationId xmlns:a16="http://schemas.microsoft.com/office/drawing/2014/main" id="{05379D33-E292-0F42-8B59-AB3CE59399DB}"/>
               </a:ext>
             </a:extLst>
           </p:cNvPr>
@@ -6742,8 +7120,8 @@
         </p:nvSpPr>
         <p:spPr>
           <a:xfrm>
-            <a:off x="3968619" y="5204614"/>
-            <a:ext cx="1791477" cy="369332"/>
+            <a:off x="3753089" y="4962633"/>
+            <a:ext cx="1770633" cy="369332"/>
           </a:xfrm>
           <a:prstGeom prst="rect">
             <a:avLst/>
@@ -6767,7 +7145,7 @@
     </p:spTree>
     <p:extLst>
       <p:ext uri="{BB962C8B-B14F-4D97-AF65-F5344CB8AC3E}">
-        <p14:creationId xmlns:p14="http://schemas.microsoft.com/office/powerpoint/2010/main" val="604053872"/>
+        <p14:creationId xmlns:p14="http://schemas.microsoft.com/office/powerpoint/2010/main" val="1350642370"/>
       </p:ext>
     </p:extLst>
   </p:cSld>
@@ -6799,7 +7177,7 @@
           <p:cNvPr id="3" name="Picture 2">
             <a:extLst>
               <a:ext uri="{FF2B5EF4-FFF2-40B4-BE49-F238E27FC236}">
-                <a16:creationId xmlns:a16="http://schemas.microsoft.com/office/drawing/2014/main" id="{CEAEE6F0-7CE0-419B-43AC-FA4100C23348}"/>
+                <a16:creationId xmlns:a16="http://schemas.microsoft.com/office/drawing/2014/main" id="{F4F039CF-1121-E83D-AC7B-295E166B371A}"/>
               </a:ext>
             </a:extLst>
           </p:cNvPr>
@@ -6816,8 +7194,8 @@
         </p:blipFill>
         <p:spPr>
           <a:xfrm>
-            <a:off x="625117" y="1350878"/>
-            <a:ext cx="11179509" cy="3406435"/>
+            <a:off x="529107" y="1733403"/>
+            <a:ext cx="11133785" cy="3391194"/>
           </a:xfrm>
           <a:prstGeom prst="rect">
             <a:avLst/>
@@ -6829,7 +7207,7 @@
           <p:cNvPr id="5" name="TextBox 4">
             <a:extLst>
               <a:ext uri="{FF2B5EF4-FFF2-40B4-BE49-F238E27FC236}">
-                <a16:creationId xmlns:a16="http://schemas.microsoft.com/office/drawing/2014/main" id="{4E852C63-D7A7-E939-5793-88443CD124CE}"/>
+                <a16:creationId xmlns:a16="http://schemas.microsoft.com/office/drawing/2014/main" id="{4EDC03DA-8C16-D55A-C525-2F58531C9920}"/>
               </a:ext>
             </a:extLst>
           </p:cNvPr>
@@ -6838,8 +7216,8 @@
         </p:nvSpPr>
         <p:spPr>
           <a:xfrm>
-            <a:off x="3239262" y="665726"/>
-            <a:ext cx="3481578" cy="369332"/>
+            <a:off x="3367278" y="482846"/>
+            <a:ext cx="6094476" cy="369332"/>
           </a:xfrm>
           <a:prstGeom prst="rect">
             <a:avLst/>
@@ -6854,7 +7232,7 @@
           <a:p>
             <a:r>
               <a:rPr lang="en-US" dirty="0"/>
-              <a:t>data/Stocks Volume Change.png</a:t>
+              <a:t>data/Stocks Daily Price Change.png</a:t>
             </a:r>
           </a:p>
         </p:txBody>
@@ -6864,7 +7242,7 @@
           <p:cNvPr id="6" name="Subtitle 2">
             <a:extLst>
               <a:ext uri="{FF2B5EF4-FFF2-40B4-BE49-F238E27FC236}">
-                <a16:creationId xmlns:a16="http://schemas.microsoft.com/office/drawing/2014/main" id="{8A3ECFA0-5D85-F0A9-B117-375BD0322666}"/>
+                <a16:creationId xmlns:a16="http://schemas.microsoft.com/office/drawing/2014/main" id="{E8502ED6-7B80-DFAC-6545-110667A2825B}"/>
               </a:ext>
             </a:extLst>
           </p:cNvPr>
@@ -6875,8 +7253,8 @@
         </p:nvSpPr>
         <p:spPr>
           <a:xfrm>
-            <a:off x="9861993" y="438539"/>
-            <a:ext cx="1942633" cy="317054"/>
+            <a:off x="9461755" y="481231"/>
+            <a:ext cx="1930924" cy="370947"/>
           </a:xfrm>
           <a:prstGeom prst="rect">
             <a:avLst/>
@@ -6884,7 +7262,7 @@
         </p:spPr>
         <p:txBody>
           <a:bodyPr>
-            <a:normAutofit fontScale="62500" lnSpcReduction="20000"/>
+            <a:normAutofit fontScale="85000" lnSpcReduction="20000"/>
           </a:bodyPr>
           <a:lstStyle>
             <a:lvl1pPr marL="228600" indent="-228600" algn="l" defTabSz="914400" rtl="0" eaLnBrk="1" latinLnBrk="0" hangingPunct="1">
@@ -7063,10 +7441,10 @@
       </p:sp>
       <p:sp>
         <p:nvSpPr>
-          <p:cNvPr id="2" name="TextBox 1">
-            <a:extLst>
-              <a:ext uri="{FF2B5EF4-FFF2-40B4-BE49-F238E27FC236}">
-                <a16:creationId xmlns:a16="http://schemas.microsoft.com/office/drawing/2014/main" id="{AABBBEE0-0094-673D-575E-2D2E4652A282}"/>
+          <p:cNvPr id="4" name="TextBox 3">
+            <a:extLst>
+              <a:ext uri="{FF2B5EF4-FFF2-40B4-BE49-F238E27FC236}">
+                <a16:creationId xmlns:a16="http://schemas.microsoft.com/office/drawing/2014/main" id="{2110298C-8FF0-9E20-1ECA-73067FF14E5E}"/>
               </a:ext>
             </a:extLst>
           </p:cNvPr>
@@ -7075,8 +7453,8 @@
         </p:nvSpPr>
         <p:spPr>
           <a:xfrm>
-            <a:off x="448304" y="5496131"/>
-            <a:ext cx="10385005" cy="923330"/>
+            <a:off x="877078" y="5657671"/>
+            <a:ext cx="9815805" cy="1200329"/>
           </a:xfrm>
           <a:prstGeom prst="rect">
             <a:avLst/>
@@ -7095,7 +7473,15 @@
             </a:pPr>
             <a:r>
               <a:rPr lang="en-US" dirty="0"/>
-              <a:t>The stock volume for intel was highest in August.</a:t>
+              <a:t>The NVDA was highest moving in March while intel was dropped in </a:t>
+            </a:r>
+            <a:r>
+              <a:rPr lang="en-US" dirty="0" err="1"/>
+              <a:t>february</a:t>
+            </a:r>
+            <a:r>
+              <a:rPr lang="en-US" dirty="0"/>
+              <a:t>.</a:t>
             </a:r>
           </a:p>
           <a:p>
@@ -7105,7 +7491,17 @@
             </a:pPr>
             <a:r>
               <a:rPr lang="en-US" dirty="0"/>
-              <a:t>The NVDA volume change was almost the same entire year.</a:t>
+              <a:t>The intel daily price was dropped between July and august.</a:t>
+            </a:r>
+          </a:p>
+          <a:p>
+            <a:pPr marL="285750" indent="-285750">
+              <a:buFont typeface="Arial" panose="020B0604020202020204" pitchFamily="34" charset="0"/>
+              <a:buChar char="•"/>
+            </a:pPr>
+            <a:r>
+              <a:rPr lang="en-US" dirty="0"/>
+              <a:t>The TSM and AMD daily price was moving almost the same entire year.</a:t>
             </a:r>
           </a:p>
           <a:p>
@@ -7119,10 +7515,10 @@
       </p:sp>
       <p:sp>
         <p:nvSpPr>
-          <p:cNvPr id="4" name="TextBox 3">
-            <a:extLst>
-              <a:ext uri="{FF2B5EF4-FFF2-40B4-BE49-F238E27FC236}">
-                <a16:creationId xmlns:a16="http://schemas.microsoft.com/office/drawing/2014/main" id="{0F2449FB-97A3-CDFF-A3CC-8654B59E3FC5}"/>
+          <p:cNvPr id="7" name="TextBox 6">
+            <a:extLst>
+              <a:ext uri="{FF2B5EF4-FFF2-40B4-BE49-F238E27FC236}">
+                <a16:creationId xmlns:a16="http://schemas.microsoft.com/office/drawing/2014/main" id="{011F4741-4D70-1670-64D8-CDCBCE46849B}"/>
               </a:ext>
             </a:extLst>
           </p:cNvPr>
@@ -7131,8 +7527,8 @@
         </p:nvSpPr>
         <p:spPr>
           <a:xfrm>
-            <a:off x="3356525" y="5126799"/>
-            <a:ext cx="1623526" cy="369332"/>
+            <a:off x="3760237" y="5288339"/>
+            <a:ext cx="1893041" cy="369332"/>
           </a:xfrm>
           <a:prstGeom prst="rect">
             <a:avLst/>
@@ -7156,7 +7552,7 @@
     </p:spTree>
     <p:extLst>
       <p:ext uri="{BB962C8B-B14F-4D97-AF65-F5344CB8AC3E}">
-        <p14:creationId xmlns:p14="http://schemas.microsoft.com/office/powerpoint/2010/main" val="3662899038"/>
+        <p14:creationId xmlns:p14="http://schemas.microsoft.com/office/powerpoint/2010/main" val="4168935959"/>
       </p:ext>
     </p:extLst>
   </p:cSld>
@@ -7188,7 +7584,7 @@
           <p:cNvPr id="3" name="Picture 2">
             <a:extLst>
               <a:ext uri="{FF2B5EF4-FFF2-40B4-BE49-F238E27FC236}">
-                <a16:creationId xmlns:a16="http://schemas.microsoft.com/office/drawing/2014/main" id="{5DEB660C-6B24-C68D-C19A-38FA0EA93C9E}"/>
+                <a16:creationId xmlns:a16="http://schemas.microsoft.com/office/drawing/2014/main" id="{3BD62D7F-8A8F-9E33-EB95-D18A9E9B6979}"/>
               </a:ext>
             </a:extLst>
           </p:cNvPr>
@@ -7205,8 +7601,8 @@
         </p:blipFill>
         <p:spPr>
           <a:xfrm>
-            <a:off x="502435" y="1748644"/>
-            <a:ext cx="11187129" cy="3360711"/>
+            <a:off x="1073020" y="1653386"/>
+            <a:ext cx="10635596" cy="3551228"/>
           </a:xfrm>
           <a:prstGeom prst="rect">
             <a:avLst/>
@@ -7218,7 +7614,7 @@
           <p:cNvPr id="5" name="TextBox 4">
             <a:extLst>
               <a:ext uri="{FF2B5EF4-FFF2-40B4-BE49-F238E27FC236}">
-                <a16:creationId xmlns:a16="http://schemas.microsoft.com/office/drawing/2014/main" id="{EBB5474D-EF7A-0E47-8F49-663E2F3F247E}"/>
+                <a16:creationId xmlns:a16="http://schemas.microsoft.com/office/drawing/2014/main" id="{B404599A-CB66-1F50-9CEF-42914D8C05A2}"/>
               </a:ext>
             </a:extLst>
           </p:cNvPr>
@@ -7227,8 +7623,8 @@
         </p:nvSpPr>
         <p:spPr>
           <a:xfrm>
-            <a:off x="3257550" y="583430"/>
-            <a:ext cx="6094476" cy="369332"/>
+            <a:off x="3156966" y="501134"/>
+            <a:ext cx="3362706" cy="369332"/>
           </a:xfrm>
           <a:prstGeom prst="rect">
             <a:avLst/>
@@ -7243,7 +7639,7 @@
           <a:p>
             <a:r>
               <a:rPr lang="en-US" dirty="0"/>
-              <a:t>data/Stocks Index Daily Price Change.png</a:t>
+              <a:t>data/Stocks Price Change.png</a:t>
             </a:r>
           </a:p>
         </p:txBody>
@@ -7253,7 +7649,7 @@
           <p:cNvPr id="6" name="Subtitle 2">
             <a:extLst>
               <a:ext uri="{FF2B5EF4-FFF2-40B4-BE49-F238E27FC236}">
-                <a16:creationId xmlns:a16="http://schemas.microsoft.com/office/drawing/2014/main" id="{F19E865C-4F90-7BA8-C4C8-047AB6540737}"/>
+                <a16:creationId xmlns:a16="http://schemas.microsoft.com/office/drawing/2014/main" id="{5C9D1C46-3931-76E8-FAC2-0035CF8F2061}"/>
               </a:ext>
             </a:extLst>
           </p:cNvPr>
@@ -7264,8 +7660,8 @@
         </p:nvSpPr>
         <p:spPr>
           <a:xfrm>
-            <a:off x="3749040" y="5212080"/>
-            <a:ext cx="3739896" cy="283464"/>
+            <a:off x="9859289" y="501134"/>
+            <a:ext cx="1849327" cy="569167"/>
           </a:xfrm>
           <a:prstGeom prst="rect">
             <a:avLst/>
@@ -7273,7 +7669,7 @@
         </p:spPr>
         <p:txBody>
           <a:bodyPr>
-            <a:normAutofit fontScale="55000" lnSpcReduction="20000"/>
+            <a:normAutofit/>
           </a:bodyPr>
           <a:lstStyle>
             <a:lvl1pPr marL="228600" indent="-228600" algn="l" defTabSz="914400" rtl="0" eaLnBrk="1" latinLnBrk="0" hangingPunct="1">
@@ -7445,15 +7841,100 @@
             </a:pPr>
             <a:r>
               <a:rPr lang="en-US" dirty="0"/>
-              <a:t>Caleb</a:t>
-            </a:r>
+              <a:t>Belay</a:t>
+            </a:r>
+          </a:p>
+        </p:txBody>
+      </p:sp>
+      <p:sp>
+        <p:nvSpPr>
+          <p:cNvPr id="2" name="TextBox 1">
+            <a:extLst>
+              <a:ext uri="{FF2B5EF4-FFF2-40B4-BE49-F238E27FC236}">
+                <a16:creationId xmlns:a16="http://schemas.microsoft.com/office/drawing/2014/main" id="{D079EF50-4B63-E743-3572-88F452130081}"/>
+              </a:ext>
+            </a:extLst>
+          </p:cNvPr>
+          <p:cNvSpPr txBox="1"/>
+          <p:nvPr/>
+        </p:nvSpPr>
+        <p:spPr>
+          <a:xfrm>
+            <a:off x="1104122" y="5896948"/>
+            <a:ext cx="7520473" cy="646331"/>
+          </a:xfrm>
+          <a:prstGeom prst="rect">
+            <a:avLst/>
+          </a:prstGeom>
+          <a:noFill/>
+        </p:spPr>
+        <p:txBody>
+          <a:bodyPr wrap="square" rtlCol="0">
+            <a:spAutoFit/>
+          </a:bodyPr>
+          <a:lstStyle/>
+          <a:p>
+            <a:pPr marL="285750" indent="-285750">
+              <a:buFont typeface="Arial" panose="020B0604020202020204" pitchFamily="34" charset="0"/>
+              <a:buChar char="•"/>
+            </a:pPr>
+            <a:r>
+              <a:rPr lang="en-US" dirty="0"/>
+              <a:t>The over all change for the NVDA was highest mover in June and July.</a:t>
+            </a:r>
+          </a:p>
+          <a:p>
+            <a:pPr marL="285750" indent="-285750">
+              <a:buFont typeface="Arial" panose="020B0604020202020204" pitchFamily="34" charset="0"/>
+              <a:buChar char="•"/>
+            </a:pPr>
+            <a:r>
+              <a:rPr lang="en-US" dirty="0"/>
+              <a:t>The intel was the lowest mover than the other stock prices.</a:t>
+            </a:r>
+          </a:p>
+        </p:txBody>
+      </p:sp>
+      <p:sp>
+        <p:nvSpPr>
+          <p:cNvPr id="4" name="TextBox 3">
+            <a:extLst>
+              <a:ext uri="{FF2B5EF4-FFF2-40B4-BE49-F238E27FC236}">
+                <a16:creationId xmlns:a16="http://schemas.microsoft.com/office/drawing/2014/main" id="{AAFA9B4A-2B42-DB1E-C7E8-6096A9254125}"/>
+              </a:ext>
+            </a:extLst>
+          </p:cNvPr>
+          <p:cNvSpPr txBox="1"/>
+          <p:nvPr/>
+        </p:nvSpPr>
+        <p:spPr>
+          <a:xfrm>
+            <a:off x="3968619" y="5204614"/>
+            <a:ext cx="1791477" cy="369332"/>
+          </a:xfrm>
+          <a:prstGeom prst="rect">
+            <a:avLst/>
+          </a:prstGeom>
+          <a:noFill/>
+        </p:spPr>
+        <p:txBody>
+          <a:bodyPr wrap="square" rtlCol="0">
+            <a:spAutoFit/>
+          </a:bodyPr>
+          <a:lstStyle/>
+          <a:p>
+            <a:r>
+              <a:rPr lang="en-US" sz="1800" b="1" u="sng" dirty="0"/>
+              <a:t>Observations</a:t>
+            </a:r>
+            <a:endParaRPr lang="en-US" dirty="0"/>
           </a:p>
         </p:txBody>
       </p:sp>
     </p:spTree>
     <p:extLst>
       <p:ext uri="{BB962C8B-B14F-4D97-AF65-F5344CB8AC3E}">
-        <p14:creationId xmlns:p14="http://schemas.microsoft.com/office/powerpoint/2010/main" val="2951946761"/>
+        <p14:creationId xmlns:p14="http://schemas.microsoft.com/office/powerpoint/2010/main" val="604053872"/>
       </p:ext>
     </p:extLst>
   </p:cSld>
@@ -7485,7 +7966,7 @@
           <p:cNvPr id="3" name="Picture 2">
             <a:extLst>
               <a:ext uri="{FF2B5EF4-FFF2-40B4-BE49-F238E27FC236}">
-                <a16:creationId xmlns:a16="http://schemas.microsoft.com/office/drawing/2014/main" id="{2A8E2515-FAC1-344D-592C-80C2A6610B5F}"/>
+                <a16:creationId xmlns:a16="http://schemas.microsoft.com/office/drawing/2014/main" id="{CEAEE6F0-7CE0-419B-43AC-FA4100C23348}"/>
               </a:ext>
             </a:extLst>
           </p:cNvPr>
@@ -7502,8 +7983,8 @@
         </p:blipFill>
         <p:spPr>
           <a:xfrm>
-            <a:off x="502435" y="1615283"/>
-            <a:ext cx="11187129" cy="3627434"/>
+            <a:off x="625117" y="1350878"/>
+            <a:ext cx="11179509" cy="3406435"/>
           </a:xfrm>
           <a:prstGeom prst="rect">
             <a:avLst/>
@@ -7515,7 +7996,7 @@
           <p:cNvPr id="5" name="TextBox 4">
             <a:extLst>
               <a:ext uri="{FF2B5EF4-FFF2-40B4-BE49-F238E27FC236}">
-                <a16:creationId xmlns:a16="http://schemas.microsoft.com/office/drawing/2014/main" id="{96936E20-770B-1922-E91F-509F187A37E8}"/>
+                <a16:creationId xmlns:a16="http://schemas.microsoft.com/office/drawing/2014/main" id="{4E852C63-D7A7-E939-5793-88443CD124CE}"/>
               </a:ext>
             </a:extLst>
           </p:cNvPr>
@@ -7524,8 +8005,8 @@
         </p:nvSpPr>
         <p:spPr>
           <a:xfrm>
-            <a:off x="2919222" y="546854"/>
-            <a:ext cx="3838194" cy="369332"/>
+            <a:off x="3239262" y="665726"/>
+            <a:ext cx="3481578" cy="369332"/>
           </a:xfrm>
           <a:prstGeom prst="rect">
             <a:avLst/>
@@ -7540,7 +8021,7 @@
           <a:p>
             <a:r>
               <a:rPr lang="en-US" dirty="0"/>
-              <a:t>data/Stocks Index Price Change.png</a:t>
+              <a:t>data/Stocks Volume Change.png</a:t>
             </a:r>
           </a:p>
         </p:txBody>
@@ -7550,7 +8031,7 @@
           <p:cNvPr id="6" name="Subtitle 2">
             <a:extLst>
               <a:ext uri="{FF2B5EF4-FFF2-40B4-BE49-F238E27FC236}">
-                <a16:creationId xmlns:a16="http://schemas.microsoft.com/office/drawing/2014/main" id="{70B72517-9CBF-E46B-0267-8AB4A608A213}"/>
+                <a16:creationId xmlns:a16="http://schemas.microsoft.com/office/drawing/2014/main" id="{8A3ECFA0-5D85-F0A9-B117-375BD0322666}"/>
               </a:ext>
             </a:extLst>
           </p:cNvPr>
@@ -7561,8 +8042,8 @@
         </p:nvSpPr>
         <p:spPr>
           <a:xfrm>
-            <a:off x="3749040" y="5212080"/>
-            <a:ext cx="3739896" cy="283464"/>
+            <a:off x="9861993" y="438539"/>
+            <a:ext cx="1942633" cy="317054"/>
           </a:xfrm>
           <a:prstGeom prst="rect">
             <a:avLst/>
@@ -7570,7 +8051,7 @@
         </p:spPr>
         <p:txBody>
           <a:bodyPr>
-            <a:normAutofit fontScale="55000" lnSpcReduction="20000"/>
+            <a:normAutofit fontScale="62500" lnSpcReduction="20000"/>
           </a:bodyPr>
           <a:lstStyle>
             <a:lvl1pPr marL="228600" indent="-228600" algn="l" defTabSz="914400" rtl="0" eaLnBrk="1" latinLnBrk="0" hangingPunct="1">
@@ -7742,15 +8223,107 @@
             </a:pPr>
             <a:r>
               <a:rPr lang="en-US" dirty="0"/>
-              <a:t>Caleb</a:t>
-            </a:r>
+              <a:t>Belay</a:t>
+            </a:r>
+          </a:p>
+        </p:txBody>
+      </p:sp>
+      <p:sp>
+        <p:nvSpPr>
+          <p:cNvPr id="2" name="TextBox 1">
+            <a:extLst>
+              <a:ext uri="{FF2B5EF4-FFF2-40B4-BE49-F238E27FC236}">
+                <a16:creationId xmlns:a16="http://schemas.microsoft.com/office/drawing/2014/main" id="{AABBBEE0-0094-673D-575E-2D2E4652A282}"/>
+              </a:ext>
+            </a:extLst>
+          </p:cNvPr>
+          <p:cNvSpPr txBox="1"/>
+          <p:nvPr/>
+        </p:nvSpPr>
+        <p:spPr>
+          <a:xfrm>
+            <a:off x="448304" y="5496131"/>
+            <a:ext cx="10385005" cy="923330"/>
+          </a:xfrm>
+          <a:prstGeom prst="rect">
+            <a:avLst/>
+          </a:prstGeom>
+          <a:noFill/>
+        </p:spPr>
+        <p:txBody>
+          <a:bodyPr wrap="square" rtlCol="0">
+            <a:spAutoFit/>
+          </a:bodyPr>
+          <a:lstStyle/>
+          <a:p>
+            <a:pPr marL="285750" indent="-285750">
+              <a:buFont typeface="Arial" panose="020B0604020202020204" pitchFamily="34" charset="0"/>
+              <a:buChar char="•"/>
+            </a:pPr>
+            <a:r>
+              <a:rPr lang="en-US" dirty="0"/>
+              <a:t>The stock volume for intel was highest in August.</a:t>
+            </a:r>
+          </a:p>
+          <a:p>
+            <a:pPr marL="285750" indent="-285750">
+              <a:buFont typeface="Arial" panose="020B0604020202020204" pitchFamily="34" charset="0"/>
+              <a:buChar char="•"/>
+            </a:pPr>
+            <a:r>
+              <a:rPr lang="en-US" dirty="0"/>
+              <a:t>The NVDA volume change was almost the same entire year.</a:t>
+            </a:r>
+          </a:p>
+          <a:p>
+            <a:pPr marL="285750" indent="-285750">
+              <a:buFont typeface="Arial" panose="020B0604020202020204" pitchFamily="34" charset="0"/>
+              <a:buChar char="•"/>
+            </a:pPr>
+            <a:endParaRPr lang="en-US" dirty="0"/>
+          </a:p>
+        </p:txBody>
+      </p:sp>
+      <p:sp>
+        <p:nvSpPr>
+          <p:cNvPr id="4" name="TextBox 3">
+            <a:extLst>
+              <a:ext uri="{FF2B5EF4-FFF2-40B4-BE49-F238E27FC236}">
+                <a16:creationId xmlns:a16="http://schemas.microsoft.com/office/drawing/2014/main" id="{0F2449FB-97A3-CDFF-A3CC-8654B59E3FC5}"/>
+              </a:ext>
+            </a:extLst>
+          </p:cNvPr>
+          <p:cNvSpPr txBox="1"/>
+          <p:nvPr/>
+        </p:nvSpPr>
+        <p:spPr>
+          <a:xfrm>
+            <a:off x="3356525" y="5126799"/>
+            <a:ext cx="1623526" cy="369332"/>
+          </a:xfrm>
+          <a:prstGeom prst="rect">
+            <a:avLst/>
+          </a:prstGeom>
+          <a:noFill/>
+        </p:spPr>
+        <p:txBody>
+          <a:bodyPr wrap="square" rtlCol="0">
+            <a:spAutoFit/>
+          </a:bodyPr>
+          <a:lstStyle/>
+          <a:p>
+            <a:r>
+              <a:rPr lang="en-US" sz="1800" b="1" u="sng" dirty="0"/>
+              <a:t>Observations</a:t>
+            </a:r>
+            <a:endParaRPr lang="en-US" dirty="0"/>
           </a:p>
         </p:txBody>
       </p:sp>
     </p:spTree>
     <p:extLst>
       <p:ext uri="{BB962C8B-B14F-4D97-AF65-F5344CB8AC3E}">
-        <p14:creationId xmlns:p14="http://schemas.microsoft.com/office/powerpoint/2010/main" val="3486262287"/>
+        <p14:creationId xmlns:p14="http://schemas.microsoft.com/office/powerpoint/2010/main" val="3662899038"/>
       </p:ext>
     </p:extLst>
   </p:cSld>
